--- a/ManagedIdentity.pptx
+++ b/ManagedIdentity.pptx
@@ -4017,6 +4017,37 @@
               <a:t> on a solution</a:t>
             </a:r>
           </a:p>
+          <a:p>
+            <a:r>
+              <a:rPr lang="da-DK" dirty="0"/>
+              <a:t>Issue with (</a:t>
+            </a:r>
+            <a:r>
+              <a:rPr lang="da-DK" dirty="0" err="1"/>
+              <a:t>accidential</a:t>
+            </a:r>
+            <a:r>
+              <a:rPr lang="da-DK"/>
+              <a:t>) deletion </a:t>
+            </a:r>
+            <a:r>
+              <a:rPr lang="da-DK" dirty="0"/>
+              <a:t>of </a:t>
+            </a:r>
+            <a:r>
+              <a:rPr lang="da-DK" dirty="0" err="1"/>
+              <a:t>managed</a:t>
+            </a:r>
+            <a:r>
+              <a:rPr lang="da-DK" dirty="0"/>
+              <a:t> </a:t>
+            </a:r>
+            <a:r>
+              <a:rPr lang="da-DK" dirty="0" err="1"/>
+              <a:t>identities</a:t>
+            </a:r>
+            <a:endParaRPr lang="da-DK" dirty="0"/>
+          </a:p>
         </p:txBody>
       </p:sp>
     </p:spTree>

--- a/ManagedIdentity.pptx
+++ b/ManagedIdentity.pptx
@@ -3681,7 +3681,13 @@
           <a:p>
             <a:r>
               <a:rPr lang="en-US" dirty="0"/>
-              <a:t>It is secure because only applications hosted on that service which has an associated managed identity enabled will be able to generate tokens.</a:t>
+              <a:t>It is secure because only applications hosted on that service which has an associated managed identity enabled will be able to generate tokens</a:t>
+            </a:r>
+          </a:p>
+          <a:p>
+            <a:r>
+              <a:rPr lang="en-US" dirty="0"/>
+              <a:t>Allows centralized control of lifecycle and permissions, incl. revocation/disabling</a:t>
             </a:r>
             <a:endParaRPr lang="da-DK" dirty="0"/>
           </a:p>

--- a/ManagedIdentity.pptx
+++ b/ManagedIdentity.pptx
@@ -268,7 +268,7 @@
           <a:p>
             <a:fld id="{D72136B4-92FF-4E8F-B70B-3CB00DD468A9}" type="datetimeFigureOut">
               <a:rPr lang="da-DK" smtClean="0"/>
-              <a:t>25-10-2022</a:t>
+              <a:t>26-10-2022</a:t>
             </a:fld>
             <a:endParaRPr lang="da-DK"/>
           </a:p>
@@ -468,7 +468,7 @@
           <a:p>
             <a:fld id="{D72136B4-92FF-4E8F-B70B-3CB00DD468A9}" type="datetimeFigureOut">
               <a:rPr lang="da-DK" smtClean="0"/>
-              <a:t>25-10-2022</a:t>
+              <a:t>26-10-2022</a:t>
             </a:fld>
             <a:endParaRPr lang="da-DK"/>
           </a:p>
@@ -678,7 +678,7 @@
           <a:p>
             <a:fld id="{D72136B4-92FF-4E8F-B70B-3CB00DD468A9}" type="datetimeFigureOut">
               <a:rPr lang="da-DK" smtClean="0"/>
-              <a:t>25-10-2022</a:t>
+              <a:t>26-10-2022</a:t>
             </a:fld>
             <a:endParaRPr lang="da-DK"/>
           </a:p>
@@ -878,7 +878,7 @@
           <a:p>
             <a:fld id="{D72136B4-92FF-4E8F-B70B-3CB00DD468A9}" type="datetimeFigureOut">
               <a:rPr lang="da-DK" smtClean="0"/>
-              <a:t>25-10-2022</a:t>
+              <a:t>26-10-2022</a:t>
             </a:fld>
             <a:endParaRPr lang="da-DK"/>
           </a:p>
@@ -1154,7 +1154,7 @@
           <a:p>
             <a:fld id="{D72136B4-92FF-4E8F-B70B-3CB00DD468A9}" type="datetimeFigureOut">
               <a:rPr lang="da-DK" smtClean="0"/>
-              <a:t>25-10-2022</a:t>
+              <a:t>26-10-2022</a:t>
             </a:fld>
             <a:endParaRPr lang="da-DK"/>
           </a:p>
@@ -1422,7 +1422,7 @@
           <a:p>
             <a:fld id="{D72136B4-92FF-4E8F-B70B-3CB00DD468A9}" type="datetimeFigureOut">
               <a:rPr lang="da-DK" smtClean="0"/>
-              <a:t>25-10-2022</a:t>
+              <a:t>26-10-2022</a:t>
             </a:fld>
             <a:endParaRPr lang="da-DK"/>
           </a:p>
@@ -1837,7 +1837,7 @@
           <a:p>
             <a:fld id="{D72136B4-92FF-4E8F-B70B-3CB00DD468A9}" type="datetimeFigureOut">
               <a:rPr lang="da-DK" smtClean="0"/>
-              <a:t>25-10-2022</a:t>
+              <a:t>26-10-2022</a:t>
             </a:fld>
             <a:endParaRPr lang="da-DK"/>
           </a:p>
@@ -1979,7 +1979,7 @@
           <a:p>
             <a:fld id="{D72136B4-92FF-4E8F-B70B-3CB00DD468A9}" type="datetimeFigureOut">
               <a:rPr lang="da-DK" smtClean="0"/>
-              <a:t>25-10-2022</a:t>
+              <a:t>26-10-2022</a:t>
             </a:fld>
             <a:endParaRPr lang="da-DK"/>
           </a:p>
@@ -2092,7 +2092,7 @@
           <a:p>
             <a:fld id="{D72136B4-92FF-4E8F-B70B-3CB00DD468A9}" type="datetimeFigureOut">
               <a:rPr lang="da-DK" smtClean="0"/>
-              <a:t>25-10-2022</a:t>
+              <a:t>26-10-2022</a:t>
             </a:fld>
             <a:endParaRPr lang="da-DK"/>
           </a:p>
@@ -2405,7 +2405,7 @@
           <a:p>
             <a:fld id="{D72136B4-92FF-4E8F-B70B-3CB00DD468A9}" type="datetimeFigureOut">
               <a:rPr lang="da-DK" smtClean="0"/>
-              <a:t>25-10-2022</a:t>
+              <a:t>26-10-2022</a:t>
             </a:fld>
             <a:endParaRPr lang="da-DK"/>
           </a:p>
@@ -2694,7 +2694,7 @@
           <a:p>
             <a:fld id="{D72136B4-92FF-4E8F-B70B-3CB00DD468A9}" type="datetimeFigureOut">
               <a:rPr lang="da-DK" smtClean="0"/>
-              <a:t>25-10-2022</a:t>
+              <a:t>26-10-2022</a:t>
             </a:fld>
             <a:endParaRPr lang="da-DK"/>
           </a:p>
@@ -2937,7 +2937,7 @@
           <a:p>
             <a:fld id="{D72136B4-92FF-4E8F-B70B-3CB00DD468A9}" type="datetimeFigureOut">
               <a:rPr lang="da-DK" smtClean="0"/>
-              <a:t>25-10-2022</a:t>
+              <a:t>26-10-2022</a:t>
             </a:fld>
             <a:endParaRPr lang="da-DK"/>
           </a:p>
@@ -3398,10 +3398,15 @@
             <p:ph type="subTitle" idx="1"/>
           </p:nvPr>
         </p:nvSpPr>
-        <p:spPr/>
+        <p:spPr>
+          <a:xfrm>
+            <a:off x="1524000" y="3602037"/>
+            <a:ext cx="9144000" cy="2387599"/>
+          </a:xfrm>
+        </p:spPr>
         <p:txBody>
           <a:bodyPr>
-            <a:normAutofit lnSpcReduction="10000"/>
+            <a:normAutofit/>
           </a:bodyPr>
           <a:lstStyle/>
           <a:p>
@@ -3433,13 +3438,63 @@
             <a:br>
               <a:rPr lang="da-DK" dirty="0"/>
             </a:br>
-            <a:r>
-              <a:rPr lang="da-DK" dirty="0"/>
-              <a:t>@ErikEJ</a:t>
-            </a:r>
-          </a:p>
-        </p:txBody>
-      </p:sp>
+            <a:br>
+              <a:rPr lang="da-DK" dirty="0"/>
+            </a:br>
+            <a:r>
+              <a:rPr lang="da-DK" dirty="0"/>
+              <a:t>@ErikEJ (Twitter, GitHub)</a:t>
+            </a:r>
+          </a:p>
+        </p:txBody>
+      </p:sp>
+      <p:pic>
+        <p:nvPicPr>
+          <p:cNvPr id="1026" name="Picture 2" descr="Microsoft-MVP-Logo-Vertical – El Bruno">
+            <a:extLst>
+              <a:ext uri="{FF2B5EF4-FFF2-40B4-BE49-F238E27FC236}">
+                <a16:creationId xmlns:a16="http://schemas.microsoft.com/office/drawing/2014/main" id="{43DC3866-4E20-361B-B245-B2B54E717ED8}"/>
+              </a:ext>
+            </a:extLst>
+          </p:cNvPr>
+          <p:cNvPicPr>
+            <a:picLocks noChangeAspect="1" noChangeArrowheads="1"/>
+          </p:cNvPicPr>
+          <p:nvPr/>
+        </p:nvPicPr>
+        <p:blipFill>
+          <a:blip r:embed="rId2">
+            <a:extLst>
+              <a:ext uri="{28A0092B-C50C-407E-A947-70E740481C1C}">
+                <a14:useLocalDpi xmlns:a14="http://schemas.microsoft.com/office/drawing/2010/main" val="0"/>
+              </a:ext>
+            </a:extLst>
+          </a:blip>
+          <a:srcRect/>
+          <a:stretch>
+            <a:fillRect/>
+          </a:stretch>
+        </p:blipFill>
+        <p:spPr bwMode="auto">
+          <a:xfrm>
+            <a:off x="10668000" y="5287186"/>
+            <a:ext cx="676275" cy="1127125"/>
+          </a:xfrm>
+          <a:prstGeom prst="rect">
+            <a:avLst/>
+          </a:prstGeom>
+          <a:noFill/>
+          <a:extLst>
+            <a:ext uri="{909E8E84-426E-40DD-AFC4-6F175D3DCCD1}">
+              <a14:hiddenFill xmlns:a14="http://schemas.microsoft.com/office/drawing/2010/main">
+                <a:solidFill>
+                  <a:srgbClr val="FFFFFF"/>
+                </a:solidFill>
+              </a14:hiddenFill>
+            </a:ext>
+          </a:extLst>
+        </p:spPr>
+      </p:pic>
     </p:spTree>
     <p:extLst>
       <p:ext uri="{BB962C8B-B14F-4D97-AF65-F5344CB8AC3E}">
@@ -3555,15 +3610,30 @@
               <a:t>can</a:t>
             </a:r>
             <a:r>
-              <a:rPr lang="da-DK"/>
-              <a:t> do it!</a:t>
-            </a:r>
-            <a:endParaRPr lang="da-DK" dirty="0"/>
-          </a:p>
-          <a:p>
-            <a:r>
-              <a:rPr lang="da-DK" dirty="0"/>
-              <a:t>Look under the hood</a:t>
+              <a:rPr lang="da-DK" dirty="0"/>
+              <a:t> do it </a:t>
+            </a:r>
+            <a:r>
+              <a:rPr lang="da-DK" dirty="0" err="1"/>
+              <a:t>too</a:t>
+            </a:r>
+            <a:r>
+              <a:rPr lang="da-DK" dirty="0"/>
+              <a:t>!</a:t>
+            </a:r>
+          </a:p>
+          <a:p>
+            <a:r>
+              <a:rPr lang="da-DK" dirty="0"/>
+              <a:t>Look under the hood (time </a:t>
+            </a:r>
+            <a:r>
+              <a:rPr lang="da-DK" dirty="0" err="1"/>
+              <a:t>permitting</a:t>
+            </a:r>
+            <a:r>
+              <a:rPr lang="da-DK" dirty="0"/>
+              <a:t>)</a:t>
             </a:r>
           </a:p>
         </p:txBody>
@@ -3956,76 +4026,6 @@
           <a:p>
             <a:r>
               <a:rPr lang="da-DK" dirty="0"/>
-              <a:t>Issue with </a:t>
-            </a:r>
-            <a:r>
-              <a:rPr lang="da-DK" dirty="0" err="1"/>
-              <a:t>too</a:t>
-            </a:r>
-            <a:r>
-              <a:rPr lang="da-DK" dirty="0"/>
-              <a:t> </a:t>
-            </a:r>
-            <a:r>
-              <a:rPr lang="da-DK" dirty="0" err="1"/>
-              <a:t>broad</a:t>
-            </a:r>
-            <a:r>
-              <a:rPr lang="da-DK" dirty="0"/>
-              <a:t> </a:t>
-            </a:r>
-            <a:r>
-              <a:rPr lang="da-DK" dirty="0" err="1"/>
-              <a:t>rights</a:t>
-            </a:r>
-            <a:r>
-              <a:rPr lang="da-DK" dirty="0"/>
-              <a:t> to </a:t>
-            </a:r>
-            <a:r>
-              <a:rPr lang="da-DK" dirty="0" err="1"/>
-              <a:t>assign</a:t>
-            </a:r>
-            <a:r>
-              <a:rPr lang="da-DK" dirty="0"/>
-              <a:t> </a:t>
-            </a:r>
-            <a:r>
-              <a:rPr lang="da-DK" dirty="0" err="1"/>
-              <a:t>Azure</a:t>
-            </a:r>
-            <a:r>
-              <a:rPr lang="da-DK" dirty="0"/>
-              <a:t> </a:t>
-            </a:r>
-            <a:r>
-              <a:rPr lang="da-DK" dirty="0" err="1"/>
-              <a:t>roles</a:t>
-            </a:r>
-            <a:r>
-              <a:rPr lang="da-DK" dirty="0"/>
-              <a:t> – </a:t>
-            </a:r>
-            <a:r>
-              <a:rPr lang="da-DK" dirty="0" err="1"/>
-              <a:t>Azure</a:t>
-            </a:r>
-            <a:r>
-              <a:rPr lang="da-DK" dirty="0"/>
-              <a:t> AD Team is </a:t>
-            </a:r>
-            <a:r>
-              <a:rPr lang="da-DK" dirty="0" err="1"/>
-              <a:t>working</a:t>
-            </a:r>
-            <a:r>
-              <a:rPr lang="da-DK" dirty="0"/>
-              <a:t> on a solution</a:t>
-            </a:r>
-          </a:p>
-          <a:p>
-            <a:r>
-              <a:rPr lang="da-DK" dirty="0"/>
               <a:t>Issue with (</a:t>
             </a:r>
             <a:r>
@@ -4033,12 +4033,8 @@
               <a:t>accidential</a:t>
             </a:r>
             <a:r>
-              <a:rPr lang="da-DK"/>
-              <a:t>) deletion </a:t>
-            </a:r>
-            <a:r>
-              <a:rPr lang="da-DK" dirty="0"/>
-              <a:t>of </a:t>
+              <a:rPr lang="da-DK" dirty="0"/>
+              <a:t>) deletion of </a:t>
             </a:r>
             <a:r>
               <a:rPr lang="da-DK" dirty="0" err="1"/>

--- a/ManagedIdentity.pptx
+++ b/ManagedIdentity.pptx
@@ -268,7 +268,7 @@
           <a:p>
             <a:fld id="{D72136B4-92FF-4E8F-B70B-3CB00DD468A9}" type="datetimeFigureOut">
               <a:rPr lang="da-DK" smtClean="0"/>
-              <a:t>26-10-2022</a:t>
+              <a:t>17-01-2023</a:t>
             </a:fld>
             <a:endParaRPr lang="da-DK"/>
           </a:p>
@@ -468,7 +468,7 @@
           <a:p>
             <a:fld id="{D72136B4-92FF-4E8F-B70B-3CB00DD468A9}" type="datetimeFigureOut">
               <a:rPr lang="da-DK" smtClean="0"/>
-              <a:t>26-10-2022</a:t>
+              <a:t>17-01-2023</a:t>
             </a:fld>
             <a:endParaRPr lang="da-DK"/>
           </a:p>
@@ -678,7 +678,7 @@
           <a:p>
             <a:fld id="{D72136B4-92FF-4E8F-B70B-3CB00DD468A9}" type="datetimeFigureOut">
               <a:rPr lang="da-DK" smtClean="0"/>
-              <a:t>26-10-2022</a:t>
+              <a:t>17-01-2023</a:t>
             </a:fld>
             <a:endParaRPr lang="da-DK"/>
           </a:p>
@@ -878,7 +878,7 @@
           <a:p>
             <a:fld id="{D72136B4-92FF-4E8F-B70B-3CB00DD468A9}" type="datetimeFigureOut">
               <a:rPr lang="da-DK" smtClean="0"/>
-              <a:t>26-10-2022</a:t>
+              <a:t>17-01-2023</a:t>
             </a:fld>
             <a:endParaRPr lang="da-DK"/>
           </a:p>
@@ -1154,7 +1154,7 @@
           <a:p>
             <a:fld id="{D72136B4-92FF-4E8F-B70B-3CB00DD468A9}" type="datetimeFigureOut">
               <a:rPr lang="da-DK" smtClean="0"/>
-              <a:t>26-10-2022</a:t>
+              <a:t>17-01-2023</a:t>
             </a:fld>
             <a:endParaRPr lang="da-DK"/>
           </a:p>
@@ -1422,7 +1422,7 @@
           <a:p>
             <a:fld id="{D72136B4-92FF-4E8F-B70B-3CB00DD468A9}" type="datetimeFigureOut">
               <a:rPr lang="da-DK" smtClean="0"/>
-              <a:t>26-10-2022</a:t>
+              <a:t>17-01-2023</a:t>
             </a:fld>
             <a:endParaRPr lang="da-DK"/>
           </a:p>
@@ -1837,7 +1837,7 @@
           <a:p>
             <a:fld id="{D72136B4-92FF-4E8F-B70B-3CB00DD468A9}" type="datetimeFigureOut">
               <a:rPr lang="da-DK" smtClean="0"/>
-              <a:t>26-10-2022</a:t>
+              <a:t>17-01-2023</a:t>
             </a:fld>
             <a:endParaRPr lang="da-DK"/>
           </a:p>
@@ -1979,7 +1979,7 @@
           <a:p>
             <a:fld id="{D72136B4-92FF-4E8F-B70B-3CB00DD468A9}" type="datetimeFigureOut">
               <a:rPr lang="da-DK" smtClean="0"/>
-              <a:t>26-10-2022</a:t>
+              <a:t>17-01-2023</a:t>
             </a:fld>
             <a:endParaRPr lang="da-DK"/>
           </a:p>
@@ -2092,7 +2092,7 @@
           <a:p>
             <a:fld id="{D72136B4-92FF-4E8F-B70B-3CB00DD468A9}" type="datetimeFigureOut">
               <a:rPr lang="da-DK" smtClean="0"/>
-              <a:t>26-10-2022</a:t>
+              <a:t>17-01-2023</a:t>
             </a:fld>
             <a:endParaRPr lang="da-DK"/>
           </a:p>
@@ -2405,7 +2405,7 @@
           <a:p>
             <a:fld id="{D72136B4-92FF-4E8F-B70B-3CB00DD468A9}" type="datetimeFigureOut">
               <a:rPr lang="da-DK" smtClean="0"/>
-              <a:t>26-10-2022</a:t>
+              <a:t>17-01-2023</a:t>
             </a:fld>
             <a:endParaRPr lang="da-DK"/>
           </a:p>
@@ -2694,7 +2694,7 @@
           <a:p>
             <a:fld id="{D72136B4-92FF-4E8F-B70B-3CB00DD468A9}" type="datetimeFigureOut">
               <a:rPr lang="da-DK" smtClean="0"/>
-              <a:t>26-10-2022</a:t>
+              <a:t>17-01-2023</a:t>
             </a:fld>
             <a:endParaRPr lang="da-DK"/>
           </a:p>
@@ -2937,7 +2937,7 @@
           <a:p>
             <a:fld id="{D72136B4-92FF-4E8F-B70B-3CB00DD468A9}" type="datetimeFigureOut">
               <a:rPr lang="da-DK" smtClean="0"/>
-              <a:t>26-10-2022</a:t>
+              <a:t>17-01-2023</a:t>
             </a:fld>
             <a:endParaRPr lang="da-DK"/>
           </a:p>
@@ -3625,15 +3625,7 @@
           <a:p>
             <a:r>
               <a:rPr lang="da-DK" dirty="0"/>
-              <a:t>Look under the hood (time </a:t>
-            </a:r>
-            <a:r>
-              <a:rPr lang="da-DK" dirty="0" err="1"/>
-              <a:t>permitting</a:t>
-            </a:r>
-            <a:r>
-              <a:rPr lang="da-DK" dirty="0"/>
-              <a:t>)</a:t>
+              <a:t>Look under the hood</a:t>
             </a:r>
           </a:p>
         </p:txBody>
@@ -4310,10 +4302,11 @@
             </a:r>
             <a:r>
               <a:rPr lang="da-DK" dirty="0"/>
-              <a:t>” to </a:t>
-            </a:r>
-          </a:p>
-          <a:p>
+              <a:t>”</a:t>
+            </a:r>
+          </a:p>
+          <a:p>
+            <a:pPr lvl="1"/>
             <a:r>
               <a:rPr lang="da-DK" dirty="0" err="1"/>
               <a:t>Infrastructure</a:t>
@@ -4332,6 +4325,7 @@
             </a:r>
           </a:p>
           <a:p>
+            <a:pPr lvl="1"/>
             <a:r>
               <a:rPr lang="da-DK" dirty="0"/>
               <a:t>App - .NET 6 minimal Web API </a:t>
@@ -4346,6 +4340,7 @@
             </a:r>
           </a:p>
           <a:p>
+            <a:pPr lvl="1"/>
             <a:r>
               <a:rPr lang="da-DK" dirty="0"/>
               <a:t>Configuration (PS Core) (</a:t>
@@ -4371,10 +4366,9 @@
               <a:t>rights</a:t>
             </a:r>
             <a:r>
-              <a:rPr lang="da-DK"/>
+              <a:rPr lang="da-DK" dirty="0"/>
               <a:t>)</a:t>
             </a:r>
-            <a:endParaRPr lang="da-DK" dirty="0"/>
           </a:p>
           <a:p>
             <a:endParaRPr lang="da-DK" dirty="0"/>

--- a/ManagedIdentity.pptx
+++ b/ManagedIdentity.pptx
@@ -268,7 +268,7 @@
           <a:p>
             <a:fld id="{D72136B4-92FF-4E8F-B70B-3CB00DD468A9}" type="datetimeFigureOut">
               <a:rPr lang="da-DK" smtClean="0"/>
-              <a:t>17-01-2023</a:t>
+              <a:t>18-01-2023</a:t>
             </a:fld>
             <a:endParaRPr lang="da-DK"/>
           </a:p>
@@ -468,7 +468,7 @@
           <a:p>
             <a:fld id="{D72136B4-92FF-4E8F-B70B-3CB00DD468A9}" type="datetimeFigureOut">
               <a:rPr lang="da-DK" smtClean="0"/>
-              <a:t>17-01-2023</a:t>
+              <a:t>18-01-2023</a:t>
             </a:fld>
             <a:endParaRPr lang="da-DK"/>
           </a:p>
@@ -678,7 +678,7 @@
           <a:p>
             <a:fld id="{D72136B4-92FF-4E8F-B70B-3CB00DD468A9}" type="datetimeFigureOut">
               <a:rPr lang="da-DK" smtClean="0"/>
-              <a:t>17-01-2023</a:t>
+              <a:t>18-01-2023</a:t>
             </a:fld>
             <a:endParaRPr lang="da-DK"/>
           </a:p>
@@ -878,7 +878,7 @@
           <a:p>
             <a:fld id="{D72136B4-92FF-4E8F-B70B-3CB00DD468A9}" type="datetimeFigureOut">
               <a:rPr lang="da-DK" smtClean="0"/>
-              <a:t>17-01-2023</a:t>
+              <a:t>18-01-2023</a:t>
             </a:fld>
             <a:endParaRPr lang="da-DK"/>
           </a:p>
@@ -1154,7 +1154,7 @@
           <a:p>
             <a:fld id="{D72136B4-92FF-4E8F-B70B-3CB00DD468A9}" type="datetimeFigureOut">
               <a:rPr lang="da-DK" smtClean="0"/>
-              <a:t>17-01-2023</a:t>
+              <a:t>18-01-2023</a:t>
             </a:fld>
             <a:endParaRPr lang="da-DK"/>
           </a:p>
@@ -1422,7 +1422,7 @@
           <a:p>
             <a:fld id="{D72136B4-92FF-4E8F-B70B-3CB00DD468A9}" type="datetimeFigureOut">
               <a:rPr lang="da-DK" smtClean="0"/>
-              <a:t>17-01-2023</a:t>
+              <a:t>18-01-2023</a:t>
             </a:fld>
             <a:endParaRPr lang="da-DK"/>
           </a:p>
@@ -1837,7 +1837,7 @@
           <a:p>
             <a:fld id="{D72136B4-92FF-4E8F-B70B-3CB00DD468A9}" type="datetimeFigureOut">
               <a:rPr lang="da-DK" smtClean="0"/>
-              <a:t>17-01-2023</a:t>
+              <a:t>18-01-2023</a:t>
             </a:fld>
             <a:endParaRPr lang="da-DK"/>
           </a:p>
@@ -1979,7 +1979,7 @@
           <a:p>
             <a:fld id="{D72136B4-92FF-4E8F-B70B-3CB00DD468A9}" type="datetimeFigureOut">
               <a:rPr lang="da-DK" smtClean="0"/>
-              <a:t>17-01-2023</a:t>
+              <a:t>18-01-2023</a:t>
             </a:fld>
             <a:endParaRPr lang="da-DK"/>
           </a:p>
@@ -2092,7 +2092,7 @@
           <a:p>
             <a:fld id="{D72136B4-92FF-4E8F-B70B-3CB00DD468A9}" type="datetimeFigureOut">
               <a:rPr lang="da-DK" smtClean="0"/>
-              <a:t>17-01-2023</a:t>
+              <a:t>18-01-2023</a:t>
             </a:fld>
             <a:endParaRPr lang="da-DK"/>
           </a:p>
@@ -2405,7 +2405,7 @@
           <a:p>
             <a:fld id="{D72136B4-92FF-4E8F-B70B-3CB00DD468A9}" type="datetimeFigureOut">
               <a:rPr lang="da-DK" smtClean="0"/>
-              <a:t>17-01-2023</a:t>
+              <a:t>18-01-2023</a:t>
             </a:fld>
             <a:endParaRPr lang="da-DK"/>
           </a:p>
@@ -2694,7 +2694,7 @@
           <a:p>
             <a:fld id="{D72136B4-92FF-4E8F-B70B-3CB00DD468A9}" type="datetimeFigureOut">
               <a:rPr lang="da-DK" smtClean="0"/>
-              <a:t>17-01-2023</a:t>
+              <a:t>18-01-2023</a:t>
             </a:fld>
             <a:endParaRPr lang="da-DK"/>
           </a:p>
@@ -2937,7 +2937,7 @@
           <a:p>
             <a:fld id="{D72136B4-92FF-4E8F-B70B-3CB00DD468A9}" type="datetimeFigureOut">
               <a:rPr lang="da-DK" smtClean="0"/>
-              <a:t>17-01-2023</a:t>
+              <a:t>18-01-2023</a:t>
             </a:fld>
             <a:endParaRPr lang="da-DK"/>
           </a:p>
@@ -4042,6 +4042,29 @@
             </a:r>
             <a:endParaRPr lang="da-DK" dirty="0"/>
           </a:p>
+          <a:p>
+            <a:r>
+              <a:rPr lang="da-DK" dirty="0" err="1"/>
+              <a:t>Use</a:t>
+            </a:r>
+            <a:r>
+              <a:rPr lang="da-DK" dirty="0"/>
+              <a:t> Locks – Microsoft is </a:t>
+            </a:r>
+            <a:r>
+              <a:rPr lang="da-DK" dirty="0" err="1"/>
+              <a:t>improving</a:t>
+            </a:r>
+            <a:r>
+              <a:rPr lang="da-DK" dirty="0"/>
+              <a:t> </a:t>
+            </a:r>
+            <a:r>
+              <a:rPr lang="da-DK"/>
+              <a:t>this</a:t>
+            </a:r>
+            <a:endParaRPr lang="da-DK" dirty="0"/>
+          </a:p>
         </p:txBody>
       </p:sp>
     </p:spTree>

--- a/ManagedIdentity.pptx
+++ b/ManagedIdentity.pptx
@@ -268,7 +268,7 @@
           <a:p>
             <a:fld id="{D72136B4-92FF-4E8F-B70B-3CB00DD468A9}" type="datetimeFigureOut">
               <a:rPr lang="da-DK" smtClean="0"/>
-              <a:t>18-01-2023</a:t>
+              <a:t>21-03-2023</a:t>
             </a:fld>
             <a:endParaRPr lang="da-DK"/>
           </a:p>
@@ -468,7 +468,7 @@
           <a:p>
             <a:fld id="{D72136B4-92FF-4E8F-B70B-3CB00DD468A9}" type="datetimeFigureOut">
               <a:rPr lang="da-DK" smtClean="0"/>
-              <a:t>18-01-2023</a:t>
+              <a:t>21-03-2023</a:t>
             </a:fld>
             <a:endParaRPr lang="da-DK"/>
           </a:p>
@@ -678,7 +678,7 @@
           <a:p>
             <a:fld id="{D72136B4-92FF-4E8F-B70B-3CB00DD468A9}" type="datetimeFigureOut">
               <a:rPr lang="da-DK" smtClean="0"/>
-              <a:t>18-01-2023</a:t>
+              <a:t>21-03-2023</a:t>
             </a:fld>
             <a:endParaRPr lang="da-DK"/>
           </a:p>
@@ -878,7 +878,7 @@
           <a:p>
             <a:fld id="{D72136B4-92FF-4E8F-B70B-3CB00DD468A9}" type="datetimeFigureOut">
               <a:rPr lang="da-DK" smtClean="0"/>
-              <a:t>18-01-2023</a:t>
+              <a:t>21-03-2023</a:t>
             </a:fld>
             <a:endParaRPr lang="da-DK"/>
           </a:p>
@@ -1154,7 +1154,7 @@
           <a:p>
             <a:fld id="{D72136B4-92FF-4E8F-B70B-3CB00DD468A9}" type="datetimeFigureOut">
               <a:rPr lang="da-DK" smtClean="0"/>
-              <a:t>18-01-2023</a:t>
+              <a:t>21-03-2023</a:t>
             </a:fld>
             <a:endParaRPr lang="da-DK"/>
           </a:p>
@@ -1422,7 +1422,7 @@
           <a:p>
             <a:fld id="{D72136B4-92FF-4E8F-B70B-3CB00DD468A9}" type="datetimeFigureOut">
               <a:rPr lang="da-DK" smtClean="0"/>
-              <a:t>18-01-2023</a:t>
+              <a:t>21-03-2023</a:t>
             </a:fld>
             <a:endParaRPr lang="da-DK"/>
           </a:p>
@@ -1837,7 +1837,7 @@
           <a:p>
             <a:fld id="{D72136B4-92FF-4E8F-B70B-3CB00DD468A9}" type="datetimeFigureOut">
               <a:rPr lang="da-DK" smtClean="0"/>
-              <a:t>18-01-2023</a:t>
+              <a:t>21-03-2023</a:t>
             </a:fld>
             <a:endParaRPr lang="da-DK"/>
           </a:p>
@@ -1979,7 +1979,7 @@
           <a:p>
             <a:fld id="{D72136B4-92FF-4E8F-B70B-3CB00DD468A9}" type="datetimeFigureOut">
               <a:rPr lang="da-DK" smtClean="0"/>
-              <a:t>18-01-2023</a:t>
+              <a:t>21-03-2023</a:t>
             </a:fld>
             <a:endParaRPr lang="da-DK"/>
           </a:p>
@@ -2092,7 +2092,7 @@
           <a:p>
             <a:fld id="{D72136B4-92FF-4E8F-B70B-3CB00DD468A9}" type="datetimeFigureOut">
               <a:rPr lang="da-DK" smtClean="0"/>
-              <a:t>18-01-2023</a:t>
+              <a:t>21-03-2023</a:t>
             </a:fld>
             <a:endParaRPr lang="da-DK"/>
           </a:p>
@@ -2405,7 +2405,7 @@
           <a:p>
             <a:fld id="{D72136B4-92FF-4E8F-B70B-3CB00DD468A9}" type="datetimeFigureOut">
               <a:rPr lang="da-DK" smtClean="0"/>
-              <a:t>18-01-2023</a:t>
+              <a:t>21-03-2023</a:t>
             </a:fld>
             <a:endParaRPr lang="da-DK"/>
           </a:p>
@@ -2694,7 +2694,7 @@
           <a:p>
             <a:fld id="{D72136B4-92FF-4E8F-B70B-3CB00DD468A9}" type="datetimeFigureOut">
               <a:rPr lang="da-DK" smtClean="0"/>
-              <a:t>18-01-2023</a:t>
+              <a:t>21-03-2023</a:t>
             </a:fld>
             <a:endParaRPr lang="da-DK"/>
           </a:p>
@@ -2937,7 +2937,7 @@
           <a:p>
             <a:fld id="{D72136B4-92FF-4E8F-B70B-3CB00DD468A9}" type="datetimeFigureOut">
               <a:rPr lang="da-DK" smtClean="0"/>
-              <a:t>18-01-2023</a:t>
+              <a:t>21-03-2023</a:t>
             </a:fld>
             <a:endParaRPr lang="da-DK"/>
           </a:p>
@@ -3628,6 +3628,12 @@
               <a:t>Look under the hood</a:t>
             </a:r>
           </a:p>
+          <a:p>
+            <a:endParaRPr lang="da-DK" dirty="0"/>
+          </a:p>
+          <a:p>
+            <a:endParaRPr lang="da-DK" dirty="0"/>
+          </a:p>
         </p:txBody>
       </p:sp>
     </p:spTree>

--- a/ManagedIdentity.pptx
+++ b/ManagedIdentity.pptx
@@ -268,7 +268,7 @@
           <a:p>
             <a:fld id="{D72136B4-92FF-4E8F-B70B-3CB00DD468A9}" type="datetimeFigureOut">
               <a:rPr lang="da-DK" smtClean="0"/>
-              <a:t>21-03-2023</a:t>
+              <a:t>05-06-2024</a:t>
             </a:fld>
             <a:endParaRPr lang="da-DK"/>
           </a:p>
@@ -468,7 +468,7 @@
           <a:p>
             <a:fld id="{D72136B4-92FF-4E8F-B70B-3CB00DD468A9}" type="datetimeFigureOut">
               <a:rPr lang="da-DK" smtClean="0"/>
-              <a:t>21-03-2023</a:t>
+              <a:t>05-06-2024</a:t>
             </a:fld>
             <a:endParaRPr lang="da-DK"/>
           </a:p>
@@ -678,7 +678,7 @@
           <a:p>
             <a:fld id="{D72136B4-92FF-4E8F-B70B-3CB00DD468A9}" type="datetimeFigureOut">
               <a:rPr lang="da-DK" smtClean="0"/>
-              <a:t>21-03-2023</a:t>
+              <a:t>05-06-2024</a:t>
             </a:fld>
             <a:endParaRPr lang="da-DK"/>
           </a:p>
@@ -878,7 +878,7 @@
           <a:p>
             <a:fld id="{D72136B4-92FF-4E8F-B70B-3CB00DD468A9}" type="datetimeFigureOut">
               <a:rPr lang="da-DK" smtClean="0"/>
-              <a:t>21-03-2023</a:t>
+              <a:t>05-06-2024</a:t>
             </a:fld>
             <a:endParaRPr lang="da-DK"/>
           </a:p>
@@ -1154,7 +1154,7 @@
           <a:p>
             <a:fld id="{D72136B4-92FF-4E8F-B70B-3CB00DD468A9}" type="datetimeFigureOut">
               <a:rPr lang="da-DK" smtClean="0"/>
-              <a:t>21-03-2023</a:t>
+              <a:t>05-06-2024</a:t>
             </a:fld>
             <a:endParaRPr lang="da-DK"/>
           </a:p>
@@ -1422,7 +1422,7 @@
           <a:p>
             <a:fld id="{D72136B4-92FF-4E8F-B70B-3CB00DD468A9}" type="datetimeFigureOut">
               <a:rPr lang="da-DK" smtClean="0"/>
-              <a:t>21-03-2023</a:t>
+              <a:t>05-06-2024</a:t>
             </a:fld>
             <a:endParaRPr lang="da-DK"/>
           </a:p>
@@ -1837,7 +1837,7 @@
           <a:p>
             <a:fld id="{D72136B4-92FF-4E8F-B70B-3CB00DD468A9}" type="datetimeFigureOut">
               <a:rPr lang="da-DK" smtClean="0"/>
-              <a:t>21-03-2023</a:t>
+              <a:t>05-06-2024</a:t>
             </a:fld>
             <a:endParaRPr lang="da-DK"/>
           </a:p>
@@ -1979,7 +1979,7 @@
           <a:p>
             <a:fld id="{D72136B4-92FF-4E8F-B70B-3CB00DD468A9}" type="datetimeFigureOut">
               <a:rPr lang="da-DK" smtClean="0"/>
-              <a:t>21-03-2023</a:t>
+              <a:t>05-06-2024</a:t>
             </a:fld>
             <a:endParaRPr lang="da-DK"/>
           </a:p>
@@ -2092,7 +2092,7 @@
           <a:p>
             <a:fld id="{D72136B4-92FF-4E8F-B70B-3CB00DD468A9}" type="datetimeFigureOut">
               <a:rPr lang="da-DK" smtClean="0"/>
-              <a:t>21-03-2023</a:t>
+              <a:t>05-06-2024</a:t>
             </a:fld>
             <a:endParaRPr lang="da-DK"/>
           </a:p>
@@ -2405,7 +2405,7 @@
           <a:p>
             <a:fld id="{D72136B4-92FF-4E8F-B70B-3CB00DD468A9}" type="datetimeFigureOut">
               <a:rPr lang="da-DK" smtClean="0"/>
-              <a:t>21-03-2023</a:t>
+              <a:t>05-06-2024</a:t>
             </a:fld>
             <a:endParaRPr lang="da-DK"/>
           </a:p>
@@ -2694,7 +2694,7 @@
           <a:p>
             <a:fld id="{D72136B4-92FF-4E8F-B70B-3CB00DD468A9}" type="datetimeFigureOut">
               <a:rPr lang="da-DK" smtClean="0"/>
-              <a:t>21-03-2023</a:t>
+              <a:t>05-06-2024</a:t>
             </a:fld>
             <a:endParaRPr lang="da-DK"/>
           </a:p>
@@ -2937,7 +2937,7 @@
           <a:p>
             <a:fld id="{D72136B4-92FF-4E8F-B70B-3CB00DD468A9}" type="datetimeFigureOut">
               <a:rPr lang="da-DK" smtClean="0"/>
-              <a:t>21-03-2023</a:t>
+              <a:t>05-06-2024</a:t>
             </a:fld>
             <a:endParaRPr lang="da-DK"/>
           </a:p>
@@ -3377,7 +3377,7 @@
           <a:p>
             <a:r>
               <a:rPr lang="da-DK" dirty="0"/>
-              <a:t>Look ma, no passwords</a:t>
+              <a:t>Look, no passwords</a:t>
             </a:r>
           </a:p>
         </p:txBody>
@@ -4486,7 +4486,9 @@
         </p:nvSpPr>
         <p:spPr/>
         <p:txBody>
-          <a:bodyPr/>
+          <a:bodyPr>
+            <a:normAutofit fontScale="92500" lnSpcReduction="20000"/>
+          </a:bodyPr>
           <a:lstStyle/>
           <a:p>
             <a:r>
@@ -4519,10 +4521,16 @@
             </a:r>
           </a:p>
           <a:p>
+            <a:endParaRPr lang="da-DK" dirty="0"/>
+          </a:p>
+          <a:p>
             <a:r>
               <a:rPr lang="da-DK" dirty="0"/>
               <a:t>DONT: Store passwords</a:t>
             </a:r>
+          </a:p>
+          <a:p>
+            <a:endParaRPr lang="da-DK" dirty="0"/>
           </a:p>
           <a:p>
             <a:r>
@@ -4625,6 +4633,333 @@
   <p:clrMapOvr>
     <a:masterClrMapping/>
   </p:clrMapOvr>
+  <p:timing>
+    <p:tnLst>
+      <p:par>
+        <p:cTn id="1" dur="indefinite" restart="never" nodeType="tmRoot">
+          <p:childTnLst>
+            <p:seq concurrent="1" nextAc="seek">
+              <p:cTn id="2" dur="indefinite" nodeType="mainSeq">
+                <p:childTnLst>
+                  <p:par>
+                    <p:cTn id="3" fill="hold">
+                      <p:stCondLst>
+                        <p:cond delay="indefinite"/>
+                      </p:stCondLst>
+                      <p:childTnLst>
+                        <p:par>
+                          <p:cTn id="4" fill="hold">
+                            <p:stCondLst>
+                              <p:cond delay="0"/>
+                            </p:stCondLst>
+                            <p:childTnLst>
+                              <p:par>
+                                <p:cTn id="5" presetID="1" presetClass="entr" presetSubtype="0" fill="hold" grpId="0" nodeType="clickEffect">
+                                  <p:stCondLst>
+                                    <p:cond delay="0"/>
+                                  </p:stCondLst>
+                                  <p:childTnLst>
+                                    <p:set>
+                                      <p:cBhvr>
+                                        <p:cTn id="6" dur="1" fill="hold">
+                                          <p:stCondLst>
+                                            <p:cond delay="0"/>
+                                          </p:stCondLst>
+                                        </p:cTn>
+                                        <p:tgtEl>
+                                          <p:spTgt spid="3">
+                                            <p:txEl>
+                                              <p:pRg st="0" end="0"/>
+                                            </p:txEl>
+                                          </p:spTgt>
+                                        </p:tgtEl>
+                                        <p:attrNameLst>
+                                          <p:attrName>style.visibility</p:attrName>
+                                        </p:attrNameLst>
+                                      </p:cBhvr>
+                                      <p:to>
+                                        <p:strVal val="visible"/>
+                                      </p:to>
+                                    </p:set>
+                                  </p:childTnLst>
+                                </p:cTn>
+                              </p:par>
+                            </p:childTnLst>
+                          </p:cTn>
+                        </p:par>
+                      </p:childTnLst>
+                    </p:cTn>
+                  </p:par>
+                  <p:par>
+                    <p:cTn id="7" fill="hold">
+                      <p:stCondLst>
+                        <p:cond delay="indefinite"/>
+                      </p:stCondLst>
+                      <p:childTnLst>
+                        <p:par>
+                          <p:cTn id="8" fill="hold">
+                            <p:stCondLst>
+                              <p:cond delay="0"/>
+                            </p:stCondLst>
+                            <p:childTnLst>
+                              <p:par>
+                                <p:cTn id="9" presetID="1" presetClass="entr" presetSubtype="0" fill="hold" grpId="0" nodeType="clickEffect">
+                                  <p:stCondLst>
+                                    <p:cond delay="0"/>
+                                  </p:stCondLst>
+                                  <p:childTnLst>
+                                    <p:set>
+                                      <p:cBhvr>
+                                        <p:cTn id="10" dur="1" fill="hold">
+                                          <p:stCondLst>
+                                            <p:cond delay="0"/>
+                                          </p:stCondLst>
+                                        </p:cTn>
+                                        <p:tgtEl>
+                                          <p:spTgt spid="3">
+                                            <p:txEl>
+                                              <p:pRg st="2" end="2"/>
+                                            </p:txEl>
+                                          </p:spTgt>
+                                        </p:tgtEl>
+                                        <p:attrNameLst>
+                                          <p:attrName>style.visibility</p:attrName>
+                                        </p:attrNameLst>
+                                      </p:cBhvr>
+                                      <p:to>
+                                        <p:strVal val="visible"/>
+                                      </p:to>
+                                    </p:set>
+                                  </p:childTnLst>
+                                </p:cTn>
+                              </p:par>
+                            </p:childTnLst>
+                          </p:cTn>
+                        </p:par>
+                      </p:childTnLst>
+                    </p:cTn>
+                  </p:par>
+                  <p:par>
+                    <p:cTn id="11" fill="hold">
+                      <p:stCondLst>
+                        <p:cond delay="indefinite"/>
+                      </p:stCondLst>
+                      <p:childTnLst>
+                        <p:par>
+                          <p:cTn id="12" fill="hold">
+                            <p:stCondLst>
+                              <p:cond delay="0"/>
+                            </p:stCondLst>
+                            <p:childTnLst>
+                              <p:par>
+                                <p:cTn id="13" presetID="1" presetClass="entr" presetSubtype="0" fill="hold" grpId="0" nodeType="clickEffect">
+                                  <p:stCondLst>
+                                    <p:cond delay="0"/>
+                                  </p:stCondLst>
+                                  <p:childTnLst>
+                                    <p:set>
+                                      <p:cBhvr>
+                                        <p:cTn id="14" dur="1" fill="hold">
+                                          <p:stCondLst>
+                                            <p:cond delay="0"/>
+                                          </p:stCondLst>
+                                        </p:cTn>
+                                        <p:tgtEl>
+                                          <p:spTgt spid="3">
+                                            <p:txEl>
+                                              <p:pRg st="4" end="4"/>
+                                            </p:txEl>
+                                          </p:spTgt>
+                                        </p:tgtEl>
+                                        <p:attrNameLst>
+                                          <p:attrName>style.visibility</p:attrName>
+                                        </p:attrNameLst>
+                                      </p:cBhvr>
+                                      <p:to>
+                                        <p:strVal val="visible"/>
+                                      </p:to>
+                                    </p:set>
+                                  </p:childTnLst>
+                                </p:cTn>
+                              </p:par>
+                            </p:childTnLst>
+                          </p:cTn>
+                        </p:par>
+                      </p:childTnLst>
+                    </p:cTn>
+                  </p:par>
+                  <p:par>
+                    <p:cTn id="15" fill="hold">
+                      <p:stCondLst>
+                        <p:cond delay="indefinite"/>
+                      </p:stCondLst>
+                      <p:childTnLst>
+                        <p:par>
+                          <p:cTn id="16" fill="hold">
+                            <p:stCondLst>
+                              <p:cond delay="0"/>
+                            </p:stCondLst>
+                            <p:childTnLst>
+                              <p:par>
+                                <p:cTn id="17" presetID="1" presetClass="entr" presetSubtype="0" fill="hold" grpId="0" nodeType="clickEffect">
+                                  <p:stCondLst>
+                                    <p:cond delay="0"/>
+                                  </p:stCondLst>
+                                  <p:childTnLst>
+                                    <p:set>
+                                      <p:cBhvr>
+                                        <p:cTn id="18" dur="1" fill="hold">
+                                          <p:stCondLst>
+                                            <p:cond delay="0"/>
+                                          </p:stCondLst>
+                                        </p:cTn>
+                                        <p:tgtEl>
+                                          <p:spTgt spid="3">
+                                            <p:txEl>
+                                              <p:pRg st="6" end="6"/>
+                                            </p:txEl>
+                                          </p:spTgt>
+                                        </p:tgtEl>
+                                        <p:attrNameLst>
+                                          <p:attrName>style.visibility</p:attrName>
+                                        </p:attrNameLst>
+                                      </p:cBhvr>
+                                      <p:to>
+                                        <p:strVal val="visible"/>
+                                      </p:to>
+                                    </p:set>
+                                  </p:childTnLst>
+                                </p:cTn>
+                              </p:par>
+                            </p:childTnLst>
+                          </p:cTn>
+                        </p:par>
+                      </p:childTnLst>
+                    </p:cTn>
+                  </p:par>
+                  <p:par>
+                    <p:cTn id="19" fill="hold">
+                      <p:stCondLst>
+                        <p:cond delay="indefinite"/>
+                      </p:stCondLst>
+                      <p:childTnLst>
+                        <p:par>
+                          <p:cTn id="20" fill="hold">
+                            <p:stCondLst>
+                              <p:cond delay="0"/>
+                            </p:stCondLst>
+                            <p:childTnLst>
+                              <p:par>
+                                <p:cTn id="21" presetID="1" presetClass="entr" presetSubtype="0" fill="hold" grpId="0" nodeType="clickEffect">
+                                  <p:stCondLst>
+                                    <p:cond delay="0"/>
+                                  </p:stCondLst>
+                                  <p:childTnLst>
+                                    <p:set>
+                                      <p:cBhvr>
+                                        <p:cTn id="22" dur="1" fill="hold">
+                                          <p:stCondLst>
+                                            <p:cond delay="0"/>
+                                          </p:stCondLst>
+                                        </p:cTn>
+                                        <p:tgtEl>
+                                          <p:spTgt spid="3">
+                                            <p:txEl>
+                                              <p:pRg st="7" end="7"/>
+                                            </p:txEl>
+                                          </p:spTgt>
+                                        </p:tgtEl>
+                                        <p:attrNameLst>
+                                          <p:attrName>style.visibility</p:attrName>
+                                        </p:attrNameLst>
+                                      </p:cBhvr>
+                                      <p:to>
+                                        <p:strVal val="visible"/>
+                                      </p:to>
+                                    </p:set>
+                                  </p:childTnLst>
+                                </p:cTn>
+                              </p:par>
+                            </p:childTnLst>
+                          </p:cTn>
+                        </p:par>
+                      </p:childTnLst>
+                    </p:cTn>
+                  </p:par>
+                  <p:par>
+                    <p:cTn id="23" fill="hold">
+                      <p:stCondLst>
+                        <p:cond delay="indefinite"/>
+                      </p:stCondLst>
+                      <p:childTnLst>
+                        <p:par>
+                          <p:cTn id="24" fill="hold">
+                            <p:stCondLst>
+                              <p:cond delay="0"/>
+                            </p:stCondLst>
+                            <p:childTnLst>
+                              <p:par>
+                                <p:cTn id="25" presetID="1" presetClass="entr" presetSubtype="0" fill="hold" grpId="0" nodeType="clickEffect">
+                                  <p:stCondLst>
+                                    <p:cond delay="0"/>
+                                  </p:stCondLst>
+                                  <p:childTnLst>
+                                    <p:set>
+                                      <p:cBhvr>
+                                        <p:cTn id="26" dur="1" fill="hold">
+                                          <p:stCondLst>
+                                            <p:cond delay="0"/>
+                                          </p:stCondLst>
+                                        </p:cTn>
+                                        <p:tgtEl>
+                                          <p:spTgt spid="3">
+                                            <p:txEl>
+                                              <p:pRg st="8" end="8"/>
+                                            </p:txEl>
+                                          </p:spTgt>
+                                        </p:tgtEl>
+                                        <p:attrNameLst>
+                                          <p:attrName>style.visibility</p:attrName>
+                                        </p:attrNameLst>
+                                      </p:cBhvr>
+                                      <p:to>
+                                        <p:strVal val="visible"/>
+                                      </p:to>
+                                    </p:set>
+                                  </p:childTnLst>
+                                </p:cTn>
+                              </p:par>
+                            </p:childTnLst>
+                          </p:cTn>
+                        </p:par>
+                      </p:childTnLst>
+                    </p:cTn>
+                  </p:par>
+                </p:childTnLst>
+              </p:cTn>
+              <p:prevCondLst>
+                <p:cond evt="onPrev" delay="0">
+                  <p:tgtEl>
+                    <p:sldTgt/>
+                  </p:tgtEl>
+                </p:cond>
+              </p:prevCondLst>
+              <p:nextCondLst>
+                <p:cond evt="onNext" delay="0">
+                  <p:tgtEl>
+                    <p:sldTgt/>
+                  </p:tgtEl>
+                </p:cond>
+              </p:nextCondLst>
+            </p:seq>
+          </p:childTnLst>
+        </p:cTn>
+      </p:par>
+    </p:tnLst>
+    <p:bldLst>
+      <p:bldP spid="3" grpId="0" build="p"/>
+    </p:bldLst>
+  </p:timing>
 </p:sld>
 </file>
 

--- a/ManagedIdentity.pptx
+++ b/ManagedIdentity.pptx
@@ -6,13 +6,14 @@
   </p:sldMasterIdLst>
   <p:sldIdLst>
     <p:sldId id="256" r:id="rId2"/>
-    <p:sldId id="261" r:id="rId3"/>
-    <p:sldId id="257" r:id="rId4"/>
-    <p:sldId id="258" r:id="rId5"/>
-    <p:sldId id="259" r:id="rId6"/>
-    <p:sldId id="260" r:id="rId7"/>
-    <p:sldId id="262" r:id="rId8"/>
-    <p:sldId id="263" r:id="rId9"/>
+    <p:sldId id="2076138468" r:id="rId3"/>
+    <p:sldId id="261" r:id="rId4"/>
+    <p:sldId id="257" r:id="rId5"/>
+    <p:sldId id="258" r:id="rId6"/>
+    <p:sldId id="259" r:id="rId7"/>
+    <p:sldId id="260" r:id="rId8"/>
+    <p:sldId id="262" r:id="rId9"/>
+    <p:sldId id="263" r:id="rId10"/>
   </p:sldIdLst>
   <p:sldSz cx="12192000" cy="6858000"/>
   <p:notesSz cx="6858000" cy="9144000"/>
@@ -268,7 +269,7 @@
           <a:p>
             <a:fld id="{D72136B4-92FF-4E8F-B70B-3CB00DD468A9}" type="datetimeFigureOut">
               <a:rPr lang="da-DK" smtClean="0"/>
-              <a:t>05-06-2024</a:t>
+              <a:t>19-06-2024</a:t>
             </a:fld>
             <a:endParaRPr lang="da-DK"/>
           </a:p>
@@ -468,7 +469,7 @@
           <a:p>
             <a:fld id="{D72136B4-92FF-4E8F-B70B-3CB00DD468A9}" type="datetimeFigureOut">
               <a:rPr lang="da-DK" smtClean="0"/>
-              <a:t>05-06-2024</a:t>
+              <a:t>19-06-2024</a:t>
             </a:fld>
             <a:endParaRPr lang="da-DK"/>
           </a:p>
@@ -678,7 +679,7 @@
           <a:p>
             <a:fld id="{D72136B4-92FF-4E8F-B70B-3CB00DD468A9}" type="datetimeFigureOut">
               <a:rPr lang="da-DK" smtClean="0"/>
-              <a:t>05-06-2024</a:t>
+              <a:t>19-06-2024</a:t>
             </a:fld>
             <a:endParaRPr lang="da-DK"/>
           </a:p>
@@ -748,6 +749,256 @@
   <p:clrMapOvr>
     <a:masterClrMapping/>
   </p:clrMapOvr>
+</p:sldLayout>
+</file>
+
+<file path=ppt/slideLayouts/slideLayout12.xml><?xml version="1.0" encoding="utf-8"?>
+<p:sldLayout xmlns:a="http://schemas.openxmlformats.org/drawingml/2006/main" xmlns:r="http://schemas.openxmlformats.org/officeDocument/2006/relationships" xmlns:p="http://schemas.openxmlformats.org/presentationml/2006/main" userDrawn="1">
+  <p:cSld name="Header Line Blank">
+    <p:spTree>
+      <p:nvGrpSpPr>
+        <p:cNvPr id="1" name=""/>
+        <p:cNvGrpSpPr/>
+        <p:nvPr/>
+      </p:nvGrpSpPr>
+      <p:grpSpPr>
+        <a:xfrm>
+          <a:off x="0" y="0"/>
+          <a:ext cx="0" cy="0"/>
+          <a:chOff x="0" y="0"/>
+          <a:chExt cx="0" cy="0"/>
+        </a:xfrm>
+      </p:grpSpPr>
+      <p:sp>
+        <p:nvSpPr>
+          <p:cNvPr id="2" name="Title 2">
+            <a:extLst>
+              <a:ext uri="{FF2B5EF4-FFF2-40B4-BE49-F238E27FC236}">
+                <a16:creationId xmlns:a16="http://schemas.microsoft.com/office/drawing/2014/main" id="{BB973DD2-1476-E74C-99DF-240F2E508778}"/>
+              </a:ext>
+            </a:extLst>
+          </p:cNvPr>
+          <p:cNvSpPr>
+            <a:spLocks noGrp="1"/>
+          </p:cNvSpPr>
+          <p:nvPr>
+            <p:ph type="title"/>
+          </p:nvPr>
+        </p:nvSpPr>
+        <p:spPr>
+          <a:xfrm>
+            <a:off x="588263" y="457200"/>
+            <a:ext cx="11018520" cy="553998"/>
+          </a:xfrm>
+        </p:spPr>
+        <p:txBody>
+          <a:bodyPr anchor="ctr">
+            <a:spAutoFit/>
+          </a:bodyPr>
+          <a:lstStyle>
+            <a:lvl1pPr>
+              <a:defRPr>
+                <a:solidFill>
+                  <a:schemeClr val="tx1"/>
+                </a:solidFill>
+              </a:defRPr>
+            </a:lvl1pPr>
+          </a:lstStyle>
+          <a:p>
+            <a:r>
+              <a:rPr lang="en-US"/>
+              <a:t>Click to edit Master title style</a:t>
+            </a:r>
+          </a:p>
+        </p:txBody>
+      </p:sp>
+      <p:cxnSp>
+        <p:nvCxnSpPr>
+          <p:cNvPr id="3" name="Straight Connector 2">
+            <a:extLst>
+              <a:ext uri="{FF2B5EF4-FFF2-40B4-BE49-F238E27FC236}">
+                <a16:creationId xmlns:a16="http://schemas.microsoft.com/office/drawing/2014/main" id="{2502F9BD-EF25-7144-AB08-9EDFAA5C2CEA}"/>
+              </a:ext>
+            </a:extLst>
+          </p:cNvPr>
+          <p:cNvCxnSpPr/>
+          <p:nvPr userDrawn="1"/>
+        </p:nvCxnSpPr>
+        <p:spPr>
+          <a:xfrm>
+            <a:off x="584200" y="1219200"/>
+            <a:ext cx="11025188" cy="0"/>
+          </a:xfrm>
+          <a:prstGeom prst="line">
+            <a:avLst/>
+          </a:prstGeom>
+          <a:ln w="25400">
+            <a:solidFill>
+              <a:schemeClr val="tx2"/>
+            </a:solidFill>
+            <a:headEnd type="none" w="lg" len="med"/>
+            <a:tailEnd type="none" w="lg" len="med"/>
+          </a:ln>
+        </p:spPr>
+        <p:style>
+          <a:lnRef idx="1">
+            <a:schemeClr val="accent1"/>
+          </a:lnRef>
+          <a:fillRef idx="0">
+            <a:schemeClr val="accent1"/>
+          </a:fillRef>
+          <a:effectRef idx="0">
+            <a:schemeClr val="accent1"/>
+          </a:effectRef>
+          <a:fontRef idx="minor">
+            <a:schemeClr val="tx1"/>
+          </a:fontRef>
+        </p:style>
+      </p:cxnSp>
+    </p:spTree>
+    <p:extLst>
+      <p:ext uri="{BB962C8B-B14F-4D97-AF65-F5344CB8AC3E}">
+        <p14:creationId xmlns:p14="http://schemas.microsoft.com/office/powerpoint/2010/main" val="1837416806"/>
+      </p:ext>
+    </p:extLst>
+  </p:cSld>
+  <p:clrMapOvr>
+    <a:masterClrMapping/>
+  </p:clrMapOvr>
+  <p:transition>
+    <p:fade/>
+  </p:transition>
+  <p:extLst>
+    <p:ext uri="{DCECCB84-F9BA-43D5-87BE-67443E8EF086}">
+      <p15:sldGuideLst xmlns:p15="http://schemas.microsoft.com/office/powerpoint/2012/main">
+        <p15:guide id="6" pos="779">
+          <p15:clr>
+            <a:srgbClr val="A4A3A4"/>
+          </p15:clr>
+        </p15:guide>
+        <p15:guide id="7" pos="962">
+          <p15:clr>
+            <a:srgbClr val="A4A3A4"/>
+          </p15:clr>
+        </p15:guide>
+        <p15:guide id="8" pos="1373">
+          <p15:clr>
+            <a:srgbClr val="A4A3A4"/>
+          </p15:clr>
+        </p15:guide>
+        <p15:guide id="9" pos="1556">
+          <p15:clr>
+            <a:srgbClr val="A4A3A4"/>
+          </p15:clr>
+        </p15:guide>
+        <p15:guide id="10" pos="1967">
+          <p15:clr>
+            <a:srgbClr val="A4A3A4"/>
+          </p15:clr>
+        </p15:guide>
+        <p15:guide id="11" pos="2150">
+          <p15:clr>
+            <a:srgbClr val="A4A3A4"/>
+          </p15:clr>
+        </p15:guide>
+        <p15:guide id="12" pos="2561">
+          <p15:clr>
+            <a:srgbClr val="A4A3A4"/>
+          </p15:clr>
+        </p15:guide>
+        <p15:guide id="13" pos="2744">
+          <p15:clr>
+            <a:srgbClr val="A4A3A4"/>
+          </p15:clr>
+        </p15:guide>
+        <p15:guide id="14" pos="3161">
+          <p15:clr>
+            <a:srgbClr val="A4A3A4"/>
+          </p15:clr>
+        </p15:guide>
+        <p15:guide id="15" pos="3348">
+          <p15:clr>
+            <a:srgbClr val="A4A3A4"/>
+          </p15:clr>
+        </p15:guide>
+        <p15:guide id="16" pos="3754">
+          <p15:clr>
+            <a:srgbClr val="A4A3A4"/>
+          </p15:clr>
+        </p15:guide>
+        <p15:guide id="17" pos="3931">
+          <p15:clr>
+            <a:srgbClr val="A4A3A4"/>
+          </p15:clr>
+        </p15:guide>
+        <p15:guide id="18" pos="4342">
+          <p15:clr>
+            <a:srgbClr val="A4A3A4"/>
+          </p15:clr>
+        </p15:guide>
+        <p15:guide id="19" pos="4531">
+          <p15:clr>
+            <a:srgbClr val="A4A3A4"/>
+          </p15:clr>
+        </p15:guide>
+        <p15:guide id="20" pos="4937">
+          <p15:clr>
+            <a:srgbClr val="A4A3A4"/>
+          </p15:clr>
+        </p15:guide>
+        <p15:guide id="21" pos="5120">
+          <p15:clr>
+            <a:srgbClr val="A4A3A4"/>
+          </p15:clr>
+        </p15:guide>
+        <p15:guide id="22" pos="5529">
+          <p15:clr>
+            <a:srgbClr val="A4A3A4"/>
+          </p15:clr>
+        </p15:guide>
+        <p15:guide id="23" pos="5714">
+          <p15:clr>
+            <a:srgbClr val="A4A3A4"/>
+          </p15:clr>
+        </p15:guide>
+        <p15:guide id="24" pos="6123">
+          <p15:clr>
+            <a:srgbClr val="A4A3A4"/>
+          </p15:clr>
+        </p15:guide>
+        <p15:guide id="25" pos="6308">
+          <p15:clr>
+            <a:srgbClr val="A4A3A4"/>
+          </p15:clr>
+        </p15:guide>
+        <p15:guide id="26" pos="6717">
+          <p15:clr>
+            <a:srgbClr val="A4A3A4"/>
+          </p15:clr>
+        </p15:guide>
+        <p15:guide id="27" pos="6900">
+          <p15:clr>
+            <a:srgbClr val="A4A3A4"/>
+          </p15:clr>
+        </p15:guide>
+        <p15:guide id="28" orient="horz" pos="905">
+          <p15:clr>
+            <a:srgbClr val="5ACBF0"/>
+          </p15:clr>
+        </p15:guide>
+        <p15:guide id="29" orient="horz" pos="1271">
+          <p15:clr>
+            <a:srgbClr val="5ACBF0"/>
+          </p15:clr>
+        </p15:guide>
+        <p15:guide id="30" orient="horz" pos="288">
+          <p15:clr>
+            <a:srgbClr val="5ACBF0"/>
+          </p15:clr>
+        </p15:guide>
+      </p15:sldGuideLst>
+    </p:ext>
+  </p:extLst>
 </p:sldLayout>
 </file>
 
@@ -878,7 +1129,7 @@
           <a:p>
             <a:fld id="{D72136B4-92FF-4E8F-B70B-3CB00DD468A9}" type="datetimeFigureOut">
               <a:rPr lang="da-DK" smtClean="0"/>
-              <a:t>05-06-2024</a:t>
+              <a:t>19-06-2024</a:t>
             </a:fld>
             <a:endParaRPr lang="da-DK"/>
           </a:p>
@@ -1154,7 +1405,7 @@
           <a:p>
             <a:fld id="{D72136B4-92FF-4E8F-B70B-3CB00DD468A9}" type="datetimeFigureOut">
               <a:rPr lang="da-DK" smtClean="0"/>
-              <a:t>05-06-2024</a:t>
+              <a:t>19-06-2024</a:t>
             </a:fld>
             <a:endParaRPr lang="da-DK"/>
           </a:p>
@@ -1422,7 +1673,7 @@
           <a:p>
             <a:fld id="{D72136B4-92FF-4E8F-B70B-3CB00DD468A9}" type="datetimeFigureOut">
               <a:rPr lang="da-DK" smtClean="0"/>
-              <a:t>05-06-2024</a:t>
+              <a:t>19-06-2024</a:t>
             </a:fld>
             <a:endParaRPr lang="da-DK"/>
           </a:p>
@@ -1837,7 +2088,7 @@
           <a:p>
             <a:fld id="{D72136B4-92FF-4E8F-B70B-3CB00DD468A9}" type="datetimeFigureOut">
               <a:rPr lang="da-DK" smtClean="0"/>
-              <a:t>05-06-2024</a:t>
+              <a:t>19-06-2024</a:t>
             </a:fld>
             <a:endParaRPr lang="da-DK"/>
           </a:p>
@@ -1979,7 +2230,7 @@
           <a:p>
             <a:fld id="{D72136B4-92FF-4E8F-B70B-3CB00DD468A9}" type="datetimeFigureOut">
               <a:rPr lang="da-DK" smtClean="0"/>
-              <a:t>05-06-2024</a:t>
+              <a:t>19-06-2024</a:t>
             </a:fld>
             <a:endParaRPr lang="da-DK"/>
           </a:p>
@@ -2092,7 +2343,7 @@
           <a:p>
             <a:fld id="{D72136B4-92FF-4E8F-B70B-3CB00DD468A9}" type="datetimeFigureOut">
               <a:rPr lang="da-DK" smtClean="0"/>
-              <a:t>05-06-2024</a:t>
+              <a:t>19-06-2024</a:t>
             </a:fld>
             <a:endParaRPr lang="da-DK"/>
           </a:p>
@@ -2405,7 +2656,7 @@
           <a:p>
             <a:fld id="{D72136B4-92FF-4E8F-B70B-3CB00DD468A9}" type="datetimeFigureOut">
               <a:rPr lang="da-DK" smtClean="0"/>
-              <a:t>05-06-2024</a:t>
+              <a:t>19-06-2024</a:t>
             </a:fld>
             <a:endParaRPr lang="da-DK"/>
           </a:p>
@@ -2694,7 +2945,7 @@
           <a:p>
             <a:fld id="{D72136B4-92FF-4E8F-B70B-3CB00DD468A9}" type="datetimeFigureOut">
               <a:rPr lang="da-DK" smtClean="0"/>
-              <a:t>05-06-2024</a:t>
+              <a:t>19-06-2024</a:t>
             </a:fld>
             <a:endParaRPr lang="da-DK"/>
           </a:p>
@@ -2937,7 +3188,7 @@
           <a:p>
             <a:fld id="{D72136B4-92FF-4E8F-B70B-3CB00DD468A9}" type="datetimeFigureOut">
               <a:rPr lang="da-DK" smtClean="0"/>
-              <a:t>05-06-2024</a:t>
+              <a:t>19-06-2024</a:t>
             </a:fld>
             <a:endParaRPr lang="da-DK"/>
           </a:p>
@@ -3053,6 +3304,7 @@
     <p:sldLayoutId id="2147483657" r:id="rId9"/>
     <p:sldLayoutId id="2147483658" r:id="rId10"/>
     <p:sldLayoutId id="2147483659" r:id="rId11"/>
+    <p:sldLayoutId id="2147483660" r:id="rId12"/>
   </p:sldLayoutIdLst>
   <p:txStyles>
     <p:titleStyle>
@@ -3530,7 +3782,7 @@
           <p:cNvPr id="2" name="Title 1">
             <a:extLst>
               <a:ext uri="{FF2B5EF4-FFF2-40B4-BE49-F238E27FC236}">
-                <a16:creationId xmlns:a16="http://schemas.microsoft.com/office/drawing/2014/main" id="{EA6B1837-FDD6-81E5-71A0-48A2BA1C7D5A}"/>
+                <a16:creationId xmlns:a16="http://schemas.microsoft.com/office/drawing/2014/main" id="{20D04137-ED43-1F4B-A8A8-FBBDF2B6789C}"/>
               </a:ext>
             </a:extLst>
           </p:cNvPr>
@@ -3541,111 +3793,264 @@
             <p:ph type="title"/>
           </p:nvPr>
         </p:nvSpPr>
-        <p:spPr/>
-        <p:txBody>
-          <a:bodyPr/>
-          <a:lstStyle/>
-          <a:p>
-            <a:r>
-              <a:rPr lang="da-DK" dirty="0" err="1"/>
-              <a:t>Topics</a:t>
-            </a:r>
-            <a:endParaRPr lang="da-DK" dirty="0"/>
-          </a:p>
-        </p:txBody>
-      </p:sp>
-      <p:sp>
-        <p:nvSpPr>
-          <p:cNvPr id="3" name="Content Placeholder 2">
-            <a:extLst>
-              <a:ext uri="{FF2B5EF4-FFF2-40B4-BE49-F238E27FC236}">
-                <a16:creationId xmlns:a16="http://schemas.microsoft.com/office/drawing/2014/main" id="{513BA811-85A3-1B6C-A726-81DCF7D9450C}"/>
-              </a:ext>
-            </a:extLst>
-          </p:cNvPr>
-          <p:cNvSpPr>
-            <a:spLocks noGrp="1"/>
-          </p:cNvSpPr>
-          <p:nvPr>
-            <p:ph idx="1"/>
-          </p:nvPr>
-        </p:nvSpPr>
-        <p:spPr/>
-        <p:txBody>
-          <a:bodyPr/>
-          <a:lstStyle/>
-          <a:p>
-            <a:r>
-              <a:rPr lang="da-DK" dirty="0" err="1"/>
-              <a:t>Managed</a:t>
-            </a:r>
-            <a:r>
-              <a:rPr lang="da-DK" dirty="0"/>
-              <a:t> Identity overview</a:t>
-            </a:r>
-          </a:p>
-          <a:p>
-            <a:r>
-              <a:rPr lang="da-DK" dirty="0"/>
-              <a:t>Sample </a:t>
-            </a:r>
-            <a:r>
-              <a:rPr lang="da-DK" dirty="0" err="1"/>
-              <a:t>deployment</a:t>
-            </a:r>
-            <a:r>
-              <a:rPr lang="da-DK" dirty="0"/>
-              <a:t> – </a:t>
-            </a:r>
-            <a:r>
-              <a:rPr lang="da-DK" dirty="0" err="1"/>
-              <a:t>you</a:t>
-            </a:r>
-            <a:r>
-              <a:rPr lang="da-DK" dirty="0"/>
-              <a:t> </a:t>
-            </a:r>
-            <a:r>
-              <a:rPr lang="da-DK" dirty="0" err="1"/>
-              <a:t>can</a:t>
-            </a:r>
-            <a:r>
-              <a:rPr lang="da-DK" dirty="0"/>
-              <a:t> do it </a:t>
-            </a:r>
-            <a:r>
-              <a:rPr lang="da-DK" dirty="0" err="1"/>
-              <a:t>too</a:t>
-            </a:r>
-            <a:r>
-              <a:rPr lang="da-DK" dirty="0"/>
-              <a:t>!</a:t>
-            </a:r>
-          </a:p>
-          <a:p>
-            <a:r>
-              <a:rPr lang="da-DK" dirty="0"/>
-              <a:t>Look under the hood</a:t>
-            </a:r>
-          </a:p>
-          <a:p>
-            <a:endParaRPr lang="da-DK" dirty="0"/>
-          </a:p>
-          <a:p>
-            <a:endParaRPr lang="da-DK" dirty="0"/>
-          </a:p>
-        </p:txBody>
-      </p:sp>
+        <p:spPr>
+          <a:xfrm>
+            <a:off x="588263" y="457200"/>
+            <a:ext cx="11018520" cy="553998"/>
+          </a:xfrm>
+        </p:spPr>
+        <p:txBody>
+          <a:bodyPr/>
+          <a:lstStyle/>
+          <a:p>
+            <a:r>
+              <a:rPr lang="en-US">
+                <a:latin typeface="Segoe UI"/>
+                <a:cs typeface="Segoe UI"/>
+              </a:rPr>
+              <a:t>Friendly Reminders Before Getting Started</a:t>
+            </a:r>
+            <a:endParaRPr lang="en-US">
+              <a:ea typeface="+mj-lt"/>
+              <a:cs typeface="+mj-lt"/>
+            </a:endParaRPr>
+          </a:p>
+        </p:txBody>
+      </p:sp>
+      <p:sp>
+        <p:nvSpPr>
+          <p:cNvPr id="3" name="TextBox 2">
+            <a:extLst>
+              <a:ext uri="{FF2B5EF4-FFF2-40B4-BE49-F238E27FC236}">
+                <a16:creationId xmlns:a16="http://schemas.microsoft.com/office/drawing/2014/main" id="{468B45B4-DC09-0A48-9F89-97F8FB70C14E}"/>
+              </a:ext>
+            </a:extLst>
+          </p:cNvPr>
+          <p:cNvSpPr txBox="1"/>
+          <p:nvPr/>
+        </p:nvSpPr>
+        <p:spPr>
+          <a:xfrm flipH="1">
+            <a:off x="583406" y="1436688"/>
+            <a:ext cx="11025188" cy="581025"/>
+          </a:xfrm>
+          <a:prstGeom prst="rect">
+            <a:avLst/>
+          </a:prstGeom>
+          <a:noFill/>
+        </p:spPr>
+        <p:txBody>
+          <a:bodyPr wrap="square" lIns="0" tIns="0" rIns="0" bIns="0" rtlCol="0" anchor="t">
+            <a:noAutofit/>
+          </a:bodyPr>
+          <a:lstStyle/>
+          <a:p>
+            <a:pPr marL="285750" indent="-285750">
+              <a:spcBef>
+                <a:spcPct val="20000"/>
+              </a:spcBef>
+              <a:buFont typeface="Arial"/>
+              <a:buChar char="•"/>
+            </a:pPr>
+            <a:endParaRPr lang="en-US" sz="1750" dirty="0"/>
+          </a:p>
+          <a:p>
+            <a:pPr marL="285750" indent="-285750">
+              <a:spcBef>
+                <a:spcPct val="20000"/>
+              </a:spcBef>
+              <a:buFont typeface="Arial"/>
+              <a:buChar char="•"/>
+            </a:pPr>
+            <a:endParaRPr lang="en-US" sz="1750" dirty="0">
+              <a:cs typeface="Segoe UI"/>
+            </a:endParaRPr>
+          </a:p>
+          <a:p>
+            <a:pPr marL="285750" indent="-285750">
+              <a:spcBef>
+                <a:spcPct val="20000"/>
+              </a:spcBef>
+              <a:buFont typeface="Arial"/>
+              <a:buChar char="•"/>
+            </a:pPr>
+            <a:endParaRPr lang="en-US" sz="1750" dirty="0">
+              <a:cs typeface="Segoe UI"/>
+            </a:endParaRPr>
+          </a:p>
+          <a:p>
+            <a:pPr marL="285750" indent="-285750">
+              <a:spcBef>
+                <a:spcPct val="20000"/>
+              </a:spcBef>
+              <a:buFont typeface="Arial"/>
+              <a:buChar char="•"/>
+            </a:pPr>
+            <a:endParaRPr lang="en-US" sz="1750" dirty="0">
+              <a:cs typeface="Segoe UI"/>
+            </a:endParaRPr>
+          </a:p>
+          <a:p>
+            <a:pPr marL="285750" indent="-285750">
+              <a:spcBef>
+                <a:spcPct val="20000"/>
+              </a:spcBef>
+              <a:buFont typeface="Arial"/>
+              <a:buChar char="•"/>
+            </a:pPr>
+            <a:endParaRPr lang="en-US" sz="1750" dirty="0"/>
+          </a:p>
+          <a:p>
+            <a:pPr marL="285750" indent="-285750">
+              <a:spcBef>
+                <a:spcPct val="20000"/>
+              </a:spcBef>
+              <a:buFont typeface="Arial"/>
+              <a:buChar char="•"/>
+            </a:pPr>
+            <a:endParaRPr lang="en-US" sz="1750" dirty="0"/>
+          </a:p>
+          <a:p>
+            <a:pPr marL="285750" indent="-285750">
+              <a:spcBef>
+                <a:spcPct val="20000"/>
+              </a:spcBef>
+              <a:buFont typeface="Arial"/>
+              <a:buChar char="•"/>
+            </a:pPr>
+            <a:r>
+              <a:rPr lang="en-US" sz="1750" dirty="0"/>
+              <a:t>This call and content is under Microsoft NDA; please </a:t>
+            </a:r>
+            <a:r>
+              <a:rPr lang="en-US" sz="1750" u="sng" dirty="0"/>
+              <a:t>do not share</a:t>
+            </a:r>
+            <a:r>
+              <a:rPr lang="en-US" sz="1750" dirty="0"/>
+              <a:t> information publicly.</a:t>
+            </a:r>
+            <a:endParaRPr lang="en-US" sz="1750" dirty="0">
+              <a:ea typeface="+mn-lt"/>
+              <a:cs typeface="+mn-lt"/>
+            </a:endParaRPr>
+          </a:p>
+          <a:p>
+            <a:pPr marL="285750" indent="-285750">
+              <a:spcBef>
+                <a:spcPct val="20000"/>
+              </a:spcBef>
+              <a:buFont typeface="Arial"/>
+              <a:buChar char="•"/>
+            </a:pPr>
+            <a:r>
+              <a:rPr lang="en-US" sz="1750" dirty="0"/>
+              <a:t>Please keep your mics muted for the best sound quality.</a:t>
+            </a:r>
+            <a:endParaRPr lang="en-US" sz="1750" dirty="0">
+              <a:ea typeface="+mn-lt"/>
+              <a:cs typeface="+mn-lt"/>
+            </a:endParaRPr>
+          </a:p>
+          <a:p>
+            <a:pPr marL="285750" indent="-285750">
+              <a:spcBef>
+                <a:spcPct val="20000"/>
+              </a:spcBef>
+              <a:buFont typeface="Arial"/>
+              <a:buChar char="•"/>
+            </a:pPr>
+            <a:r>
+              <a:rPr lang="en-US" sz="1750" dirty="0"/>
+              <a:t>Feel free to unmute and ask questions or use the chat window.</a:t>
+            </a:r>
+            <a:endParaRPr lang="en-US" sz="1750" dirty="0">
+              <a:ea typeface="+mn-lt"/>
+              <a:cs typeface="+mn-lt"/>
+            </a:endParaRPr>
+          </a:p>
+          <a:p>
+            <a:pPr marL="285750" indent="-285750">
+              <a:spcBef>
+                <a:spcPct val="20000"/>
+              </a:spcBef>
+              <a:buFont typeface="Arial"/>
+              <a:buChar char="•"/>
+            </a:pPr>
+            <a:r>
+              <a:rPr lang="en-US" sz="1750" dirty="0"/>
+              <a:t>Thank you all for joining! Please share your feedback on this session</a:t>
+            </a:r>
+            <a:r>
+              <a:rPr lang="en-US" sz="1800" dirty="0">
+                <a:effectLst/>
+                <a:latin typeface="Calibri" panose="020F0502020204030204" pitchFamily="34" charset="0"/>
+              </a:rPr>
+              <a:t>: </a:t>
+            </a:r>
+            <a:r>
+              <a:rPr lang="en-US" sz="1800" dirty="0">
+                <a:effectLst/>
+                <a:latin typeface="Calibri" panose="020F0502020204030204" pitchFamily="34" charset="0"/>
+                <a:hlinkClick r:id="rId2"/>
+              </a:rPr>
+              <a:t>https://aka.ms/acpwebcastfeedback</a:t>
+            </a:r>
+            <a:endParaRPr lang="en-US" sz="1800" dirty="0">
+              <a:effectLst/>
+              <a:latin typeface="Calibri" panose="020F0502020204030204" pitchFamily="34" charset="0"/>
+            </a:endParaRPr>
+          </a:p>
+          <a:p>
+            <a:endParaRPr lang="en-US" sz="1750" dirty="0">
+              <a:cs typeface="Segoe UI"/>
+            </a:endParaRPr>
+          </a:p>
+        </p:txBody>
+      </p:sp>
+      <p:pic>
+        <p:nvPicPr>
+          <p:cNvPr id="5" name="Picture 4" descr="Icon&#10;&#10;Description automatically generated">
+            <a:extLst>
+              <a:ext uri="{FF2B5EF4-FFF2-40B4-BE49-F238E27FC236}">
+                <a16:creationId xmlns:a16="http://schemas.microsoft.com/office/drawing/2014/main" id="{C0496C47-87CA-3372-9E81-3686BD590E42}"/>
+              </a:ext>
+            </a:extLst>
+          </p:cNvPr>
+          <p:cNvPicPr>
+            <a:picLocks noChangeAspect="1"/>
+          </p:cNvPicPr>
+          <p:nvPr/>
+        </p:nvPicPr>
+        <p:blipFill>
+          <a:blip r:embed="rId3"/>
+          <a:stretch>
+            <a:fillRect/>
+          </a:stretch>
+        </p:blipFill>
+        <p:spPr>
+          <a:xfrm>
+            <a:off x="2602688" y="1623501"/>
+            <a:ext cx="6064265" cy="1237606"/>
+          </a:xfrm>
+          <a:prstGeom prst="rect">
+            <a:avLst/>
+          </a:prstGeom>
+        </p:spPr>
+      </p:pic>
     </p:spTree>
     <p:extLst>
       <p:ext uri="{BB962C8B-B14F-4D97-AF65-F5344CB8AC3E}">
-        <p14:creationId xmlns:p14="http://schemas.microsoft.com/office/powerpoint/2010/main" val="3044412914"/>
+        <p14:creationId xmlns:p14="http://schemas.microsoft.com/office/powerpoint/2010/main" val="3377815631"/>
       </p:ext>
     </p:extLst>
   </p:cSld>
   <p:clrMapOvr>
     <a:masterClrMapping/>
   </p:clrMapOvr>
+  <p:transition>
+    <p:fade/>
+  </p:transition>
 </p:sld>
 </file>
 
@@ -3671,6 +4076,147 @@
           <p:cNvPr id="2" name="Title 1">
             <a:extLst>
               <a:ext uri="{FF2B5EF4-FFF2-40B4-BE49-F238E27FC236}">
+                <a16:creationId xmlns:a16="http://schemas.microsoft.com/office/drawing/2014/main" id="{EA6B1837-FDD6-81E5-71A0-48A2BA1C7D5A}"/>
+              </a:ext>
+            </a:extLst>
+          </p:cNvPr>
+          <p:cNvSpPr>
+            <a:spLocks noGrp="1"/>
+          </p:cNvSpPr>
+          <p:nvPr>
+            <p:ph type="title"/>
+          </p:nvPr>
+        </p:nvSpPr>
+        <p:spPr/>
+        <p:txBody>
+          <a:bodyPr/>
+          <a:lstStyle/>
+          <a:p>
+            <a:r>
+              <a:rPr lang="da-DK" dirty="0" err="1"/>
+              <a:t>Topics</a:t>
+            </a:r>
+            <a:endParaRPr lang="da-DK" dirty="0"/>
+          </a:p>
+        </p:txBody>
+      </p:sp>
+      <p:sp>
+        <p:nvSpPr>
+          <p:cNvPr id="3" name="Content Placeholder 2">
+            <a:extLst>
+              <a:ext uri="{FF2B5EF4-FFF2-40B4-BE49-F238E27FC236}">
+                <a16:creationId xmlns:a16="http://schemas.microsoft.com/office/drawing/2014/main" id="{513BA811-85A3-1B6C-A726-81DCF7D9450C}"/>
+              </a:ext>
+            </a:extLst>
+          </p:cNvPr>
+          <p:cNvSpPr>
+            <a:spLocks noGrp="1"/>
+          </p:cNvSpPr>
+          <p:nvPr>
+            <p:ph idx="1"/>
+          </p:nvPr>
+        </p:nvSpPr>
+        <p:spPr/>
+        <p:txBody>
+          <a:bodyPr/>
+          <a:lstStyle/>
+          <a:p>
+            <a:r>
+              <a:rPr lang="da-DK" dirty="0" err="1"/>
+              <a:t>Managed</a:t>
+            </a:r>
+            <a:r>
+              <a:rPr lang="da-DK" dirty="0"/>
+              <a:t> Identity overview</a:t>
+            </a:r>
+          </a:p>
+          <a:p>
+            <a:r>
+              <a:rPr lang="da-DK" dirty="0"/>
+              <a:t>Sample </a:t>
+            </a:r>
+            <a:r>
+              <a:rPr lang="da-DK" dirty="0" err="1"/>
+              <a:t>deployment</a:t>
+            </a:r>
+            <a:r>
+              <a:rPr lang="da-DK" dirty="0"/>
+              <a:t> – </a:t>
+            </a:r>
+            <a:r>
+              <a:rPr lang="da-DK" dirty="0" err="1"/>
+              <a:t>you</a:t>
+            </a:r>
+            <a:r>
+              <a:rPr lang="da-DK" dirty="0"/>
+              <a:t> </a:t>
+            </a:r>
+            <a:r>
+              <a:rPr lang="da-DK" dirty="0" err="1"/>
+              <a:t>can</a:t>
+            </a:r>
+            <a:r>
+              <a:rPr lang="da-DK" dirty="0"/>
+              <a:t> do it </a:t>
+            </a:r>
+            <a:r>
+              <a:rPr lang="da-DK" dirty="0" err="1"/>
+              <a:t>too</a:t>
+            </a:r>
+            <a:r>
+              <a:rPr lang="da-DK" dirty="0"/>
+              <a:t>!</a:t>
+            </a:r>
+          </a:p>
+          <a:p>
+            <a:r>
+              <a:rPr lang="da-DK" dirty="0"/>
+              <a:t>Look under the hood</a:t>
+            </a:r>
+          </a:p>
+          <a:p>
+            <a:endParaRPr lang="da-DK" dirty="0"/>
+          </a:p>
+          <a:p>
+            <a:endParaRPr lang="da-DK" dirty="0"/>
+          </a:p>
+        </p:txBody>
+      </p:sp>
+    </p:spTree>
+    <p:extLst>
+      <p:ext uri="{BB962C8B-B14F-4D97-AF65-F5344CB8AC3E}">
+        <p14:creationId xmlns:p14="http://schemas.microsoft.com/office/powerpoint/2010/main" val="3044412914"/>
+      </p:ext>
+    </p:extLst>
+  </p:cSld>
+  <p:clrMapOvr>
+    <a:masterClrMapping/>
+  </p:clrMapOvr>
+</p:sld>
+</file>
+
+<file path=ppt/slides/slide4.xml><?xml version="1.0" encoding="utf-8"?>
+<p:sld xmlns:a="http://schemas.openxmlformats.org/drawingml/2006/main" xmlns:r="http://schemas.openxmlformats.org/officeDocument/2006/relationships" xmlns:p="http://schemas.openxmlformats.org/presentationml/2006/main">
+  <p:cSld>
+    <p:spTree>
+      <p:nvGrpSpPr>
+        <p:cNvPr id="1" name=""/>
+        <p:cNvGrpSpPr/>
+        <p:nvPr/>
+      </p:nvGrpSpPr>
+      <p:grpSpPr>
+        <a:xfrm>
+          <a:off x="0" y="0"/>
+          <a:ext cx="0" cy="0"/>
+          <a:chOff x="0" y="0"/>
+          <a:chExt cx="0" cy="0"/>
+        </a:xfrm>
+      </p:grpSpPr>
+      <p:sp>
+        <p:nvSpPr>
+          <p:cNvPr id="2" name="Title 1">
+            <a:extLst>
+              <a:ext uri="{FF2B5EF4-FFF2-40B4-BE49-F238E27FC236}">
                 <a16:creationId xmlns:a16="http://schemas.microsoft.com/office/drawing/2014/main" id="{EFC8247B-B4DA-1EBD-7F84-A21F082A52B4}"/>
               </a:ext>
             </a:extLst>
@@ -3774,7 +4320,7 @@
 </p:sld>
 </file>
 
-<file path=ppt/slides/slide4.xml><?xml version="1.0" encoding="utf-8"?>
+<file path=ppt/slides/slide5.xml><?xml version="1.0" encoding="utf-8"?>
 <p:sld xmlns:a="http://schemas.openxmlformats.org/drawingml/2006/main" xmlns:r="http://schemas.openxmlformats.org/officeDocument/2006/relationships" xmlns:p="http://schemas.openxmlformats.org/presentationml/2006/main">
   <p:cSld>
     <p:bg>
@@ -3860,7 +4406,7 @@
 </p:sld>
 </file>
 
-<file path=ppt/slides/slide5.xml><?xml version="1.0" encoding="utf-8"?>
+<file path=ppt/slides/slide6.xml><?xml version="1.0" encoding="utf-8"?>
 <p:sld xmlns:a="http://schemas.openxmlformats.org/drawingml/2006/main" xmlns:r="http://schemas.openxmlformats.org/officeDocument/2006/relationships" xmlns:p="http://schemas.openxmlformats.org/presentationml/2006/main">
   <p:cSld>
     <p:spTree>
@@ -4086,7 +4632,7 @@
 </p:sld>
 </file>
 
-<file path=ppt/slides/slide6.xml><?xml version="1.0" encoding="utf-8"?>
+<file path=ppt/slides/slide7.xml><?xml version="1.0" encoding="utf-8"?>
 <p:sld xmlns:a="http://schemas.openxmlformats.org/drawingml/2006/main" xmlns:r="http://schemas.openxmlformats.org/officeDocument/2006/relationships" xmlns:p="http://schemas.openxmlformats.org/presentationml/2006/main">
   <p:cSld>
     <p:bg>
@@ -4199,7 +4745,7 @@
 </p:sld>
 </file>
 
-<file path=ppt/slides/slide7.xml><?xml version="1.0" encoding="utf-8"?>
+<file path=ppt/slides/slide8.xml><?xml version="1.0" encoding="utf-8"?>
 <p:sld xmlns:a="http://schemas.openxmlformats.org/drawingml/2006/main" xmlns:r="http://schemas.openxmlformats.org/officeDocument/2006/relationships" xmlns:p="http://schemas.openxmlformats.org/presentationml/2006/main">
   <p:cSld>
     <p:spTree>
@@ -4423,7 +4969,7 @@
 </p:sld>
 </file>
 
-<file path=ppt/slides/slide8.xml><?xml version="1.0" encoding="utf-8"?>
+<file path=ppt/slides/slide9.xml><?xml version="1.0" encoding="utf-8"?>
 <p:sld xmlns:a="http://schemas.openxmlformats.org/drawingml/2006/main" xmlns:r="http://schemas.openxmlformats.org/officeDocument/2006/relationships" xmlns:p="http://schemas.openxmlformats.org/presentationml/2006/main">
   <p:cSld>
     <p:spTree>

--- a/ManagedIdentity.pptx
+++ b/ManagedIdentity.pptx
@@ -13,7 +13,9 @@
     <p:sldId id="259" r:id="rId7"/>
     <p:sldId id="260" r:id="rId8"/>
     <p:sldId id="262" r:id="rId9"/>
-    <p:sldId id="263" r:id="rId10"/>
+    <p:sldId id="2076138469" r:id="rId10"/>
+    <p:sldId id="2076138470" r:id="rId11"/>
+    <p:sldId id="263" r:id="rId12"/>
   </p:sldIdLst>
   <p:sldSz cx="12192000" cy="6858000"/>
   <p:notesSz cx="6858000" cy="9144000"/>
@@ -269,7 +271,7 @@
           <a:p>
             <a:fld id="{D72136B4-92FF-4E8F-B70B-3CB00DD468A9}" type="datetimeFigureOut">
               <a:rPr lang="da-DK" smtClean="0"/>
-              <a:t>19-06-2024</a:t>
+              <a:t>22-06-2024</a:t>
             </a:fld>
             <a:endParaRPr lang="da-DK"/>
           </a:p>
@@ -469,7 +471,7 @@
           <a:p>
             <a:fld id="{D72136B4-92FF-4E8F-B70B-3CB00DD468A9}" type="datetimeFigureOut">
               <a:rPr lang="da-DK" smtClean="0"/>
-              <a:t>19-06-2024</a:t>
+              <a:t>22-06-2024</a:t>
             </a:fld>
             <a:endParaRPr lang="da-DK"/>
           </a:p>
@@ -679,7 +681,7 @@
           <a:p>
             <a:fld id="{D72136B4-92FF-4E8F-B70B-3CB00DD468A9}" type="datetimeFigureOut">
               <a:rPr lang="da-DK" smtClean="0"/>
-              <a:t>19-06-2024</a:t>
+              <a:t>22-06-2024</a:t>
             </a:fld>
             <a:endParaRPr lang="da-DK"/>
           </a:p>
@@ -1129,7 +1131,7 @@
           <a:p>
             <a:fld id="{D72136B4-92FF-4E8F-B70B-3CB00DD468A9}" type="datetimeFigureOut">
               <a:rPr lang="da-DK" smtClean="0"/>
-              <a:t>19-06-2024</a:t>
+              <a:t>22-06-2024</a:t>
             </a:fld>
             <a:endParaRPr lang="da-DK"/>
           </a:p>
@@ -1405,7 +1407,7 @@
           <a:p>
             <a:fld id="{D72136B4-92FF-4E8F-B70B-3CB00DD468A9}" type="datetimeFigureOut">
               <a:rPr lang="da-DK" smtClean="0"/>
-              <a:t>19-06-2024</a:t>
+              <a:t>22-06-2024</a:t>
             </a:fld>
             <a:endParaRPr lang="da-DK"/>
           </a:p>
@@ -1673,7 +1675,7 @@
           <a:p>
             <a:fld id="{D72136B4-92FF-4E8F-B70B-3CB00DD468A9}" type="datetimeFigureOut">
               <a:rPr lang="da-DK" smtClean="0"/>
-              <a:t>19-06-2024</a:t>
+              <a:t>22-06-2024</a:t>
             </a:fld>
             <a:endParaRPr lang="da-DK"/>
           </a:p>
@@ -2088,7 +2090,7 @@
           <a:p>
             <a:fld id="{D72136B4-92FF-4E8F-B70B-3CB00DD468A9}" type="datetimeFigureOut">
               <a:rPr lang="da-DK" smtClean="0"/>
-              <a:t>19-06-2024</a:t>
+              <a:t>22-06-2024</a:t>
             </a:fld>
             <a:endParaRPr lang="da-DK"/>
           </a:p>
@@ -2230,7 +2232,7 @@
           <a:p>
             <a:fld id="{D72136B4-92FF-4E8F-B70B-3CB00DD468A9}" type="datetimeFigureOut">
               <a:rPr lang="da-DK" smtClean="0"/>
-              <a:t>19-06-2024</a:t>
+              <a:t>22-06-2024</a:t>
             </a:fld>
             <a:endParaRPr lang="da-DK"/>
           </a:p>
@@ -2343,7 +2345,7 @@
           <a:p>
             <a:fld id="{D72136B4-92FF-4E8F-B70B-3CB00DD468A9}" type="datetimeFigureOut">
               <a:rPr lang="da-DK" smtClean="0"/>
-              <a:t>19-06-2024</a:t>
+              <a:t>22-06-2024</a:t>
             </a:fld>
             <a:endParaRPr lang="da-DK"/>
           </a:p>
@@ -2656,7 +2658,7 @@
           <a:p>
             <a:fld id="{D72136B4-92FF-4E8F-B70B-3CB00DD468A9}" type="datetimeFigureOut">
               <a:rPr lang="da-DK" smtClean="0"/>
-              <a:t>19-06-2024</a:t>
+              <a:t>22-06-2024</a:t>
             </a:fld>
             <a:endParaRPr lang="da-DK"/>
           </a:p>
@@ -2945,7 +2947,7 @@
           <a:p>
             <a:fld id="{D72136B4-92FF-4E8F-B70B-3CB00DD468A9}" type="datetimeFigureOut">
               <a:rPr lang="da-DK" smtClean="0"/>
-              <a:t>19-06-2024</a:t>
+              <a:t>22-06-2024</a:t>
             </a:fld>
             <a:endParaRPr lang="da-DK"/>
           </a:p>
@@ -3188,7 +3190,7 @@
           <a:p>
             <a:fld id="{D72136B4-92FF-4E8F-B70B-3CB00DD468A9}" type="datetimeFigureOut">
               <a:rPr lang="da-DK" smtClean="0"/>
-              <a:t>19-06-2024</a:t>
+              <a:t>22-06-2024</a:t>
             </a:fld>
             <a:endParaRPr lang="da-DK"/>
           </a:p>
@@ -3760,7 +3762,7 @@
 </p:sld>
 </file>
 
-<file path=ppt/slides/slide2.xml><?xml version="1.0" encoding="utf-8"?>
+<file path=ppt/slides/slide10.xml><?xml version="1.0" encoding="utf-8"?>
 <p:sld xmlns:a="http://schemas.openxmlformats.org/drawingml/2006/main" xmlns:r="http://schemas.openxmlformats.org/officeDocument/2006/relationships" xmlns:p="http://schemas.openxmlformats.org/presentationml/2006/main">
   <p:cSld>
     <p:spTree>
@@ -3782,410 +3784,58 @@
           <p:cNvPr id="2" name="Title 1">
             <a:extLst>
               <a:ext uri="{FF2B5EF4-FFF2-40B4-BE49-F238E27FC236}">
-                <a16:creationId xmlns:a16="http://schemas.microsoft.com/office/drawing/2014/main" id="{20D04137-ED43-1F4B-A8A8-FBBDF2B6789C}"/>
-              </a:ext>
-            </a:extLst>
-          </p:cNvPr>
-          <p:cNvSpPr>
-            <a:spLocks noGrp="1"/>
-          </p:cNvSpPr>
-          <p:nvPr>
-            <p:ph type="title"/>
-          </p:nvPr>
-        </p:nvSpPr>
-        <p:spPr>
-          <a:xfrm>
-            <a:off x="588263" y="457200"/>
-            <a:ext cx="11018520" cy="553998"/>
-          </a:xfrm>
-        </p:spPr>
-        <p:txBody>
-          <a:bodyPr/>
-          <a:lstStyle/>
-          <a:p>
-            <a:r>
-              <a:rPr lang="en-US">
-                <a:latin typeface="Segoe UI"/>
-                <a:cs typeface="Segoe UI"/>
-              </a:rPr>
-              <a:t>Friendly Reminders Before Getting Started</a:t>
-            </a:r>
-            <a:endParaRPr lang="en-US">
-              <a:ea typeface="+mj-lt"/>
-              <a:cs typeface="+mj-lt"/>
-            </a:endParaRPr>
-          </a:p>
-        </p:txBody>
-      </p:sp>
-      <p:sp>
-        <p:nvSpPr>
-          <p:cNvPr id="3" name="TextBox 2">
-            <a:extLst>
-              <a:ext uri="{FF2B5EF4-FFF2-40B4-BE49-F238E27FC236}">
-                <a16:creationId xmlns:a16="http://schemas.microsoft.com/office/drawing/2014/main" id="{468B45B4-DC09-0A48-9F89-97F8FB70C14E}"/>
-              </a:ext>
-            </a:extLst>
-          </p:cNvPr>
-          <p:cNvSpPr txBox="1"/>
-          <p:nvPr/>
-        </p:nvSpPr>
-        <p:spPr>
-          <a:xfrm flipH="1">
-            <a:off x="583406" y="1436688"/>
-            <a:ext cx="11025188" cy="581025"/>
-          </a:xfrm>
-          <a:prstGeom prst="rect">
-            <a:avLst/>
-          </a:prstGeom>
-          <a:noFill/>
-        </p:spPr>
-        <p:txBody>
-          <a:bodyPr wrap="square" lIns="0" tIns="0" rIns="0" bIns="0" rtlCol="0" anchor="t">
-            <a:noAutofit/>
-          </a:bodyPr>
-          <a:lstStyle/>
-          <a:p>
-            <a:pPr marL="285750" indent="-285750">
-              <a:spcBef>
-                <a:spcPct val="20000"/>
-              </a:spcBef>
-              <a:buFont typeface="Arial"/>
-              <a:buChar char="•"/>
-            </a:pPr>
-            <a:endParaRPr lang="en-US" sz="1750" dirty="0"/>
-          </a:p>
-          <a:p>
-            <a:pPr marL="285750" indent="-285750">
-              <a:spcBef>
-                <a:spcPct val="20000"/>
-              </a:spcBef>
-              <a:buFont typeface="Arial"/>
-              <a:buChar char="•"/>
-            </a:pPr>
-            <a:endParaRPr lang="en-US" sz="1750" dirty="0">
-              <a:cs typeface="Segoe UI"/>
-            </a:endParaRPr>
-          </a:p>
-          <a:p>
-            <a:pPr marL="285750" indent="-285750">
-              <a:spcBef>
-                <a:spcPct val="20000"/>
-              </a:spcBef>
-              <a:buFont typeface="Arial"/>
-              <a:buChar char="•"/>
-            </a:pPr>
-            <a:endParaRPr lang="en-US" sz="1750" dirty="0">
-              <a:cs typeface="Segoe UI"/>
-            </a:endParaRPr>
-          </a:p>
-          <a:p>
-            <a:pPr marL="285750" indent="-285750">
-              <a:spcBef>
-                <a:spcPct val="20000"/>
-              </a:spcBef>
-              <a:buFont typeface="Arial"/>
-              <a:buChar char="•"/>
-            </a:pPr>
-            <a:endParaRPr lang="en-US" sz="1750" dirty="0">
-              <a:cs typeface="Segoe UI"/>
-            </a:endParaRPr>
-          </a:p>
-          <a:p>
-            <a:pPr marL="285750" indent="-285750">
-              <a:spcBef>
-                <a:spcPct val="20000"/>
-              </a:spcBef>
-              <a:buFont typeface="Arial"/>
-              <a:buChar char="•"/>
-            </a:pPr>
-            <a:endParaRPr lang="en-US" sz="1750" dirty="0"/>
-          </a:p>
-          <a:p>
-            <a:pPr marL="285750" indent="-285750">
-              <a:spcBef>
-                <a:spcPct val="20000"/>
-              </a:spcBef>
-              <a:buFont typeface="Arial"/>
-              <a:buChar char="•"/>
-            </a:pPr>
-            <a:endParaRPr lang="en-US" sz="1750" dirty="0"/>
-          </a:p>
-          <a:p>
-            <a:pPr marL="285750" indent="-285750">
-              <a:spcBef>
-                <a:spcPct val="20000"/>
-              </a:spcBef>
-              <a:buFont typeface="Arial"/>
-              <a:buChar char="•"/>
-            </a:pPr>
-            <a:r>
-              <a:rPr lang="en-US" sz="1750" dirty="0"/>
-              <a:t>This call and content is under Microsoft NDA; please </a:t>
-            </a:r>
-            <a:r>
-              <a:rPr lang="en-US" sz="1750" u="sng" dirty="0"/>
-              <a:t>do not share</a:t>
-            </a:r>
-            <a:r>
-              <a:rPr lang="en-US" sz="1750" dirty="0"/>
-              <a:t> information publicly.</a:t>
-            </a:r>
-            <a:endParaRPr lang="en-US" sz="1750" dirty="0">
-              <a:ea typeface="+mn-lt"/>
-              <a:cs typeface="+mn-lt"/>
-            </a:endParaRPr>
-          </a:p>
-          <a:p>
-            <a:pPr marL="285750" indent="-285750">
-              <a:spcBef>
-                <a:spcPct val="20000"/>
-              </a:spcBef>
-              <a:buFont typeface="Arial"/>
-              <a:buChar char="•"/>
-            </a:pPr>
-            <a:r>
-              <a:rPr lang="en-US" sz="1750" dirty="0"/>
-              <a:t>Please keep your mics muted for the best sound quality.</a:t>
-            </a:r>
-            <a:endParaRPr lang="en-US" sz="1750" dirty="0">
-              <a:ea typeface="+mn-lt"/>
-              <a:cs typeface="+mn-lt"/>
-            </a:endParaRPr>
-          </a:p>
-          <a:p>
-            <a:pPr marL="285750" indent="-285750">
-              <a:spcBef>
-                <a:spcPct val="20000"/>
-              </a:spcBef>
-              <a:buFont typeface="Arial"/>
-              <a:buChar char="•"/>
-            </a:pPr>
-            <a:r>
-              <a:rPr lang="en-US" sz="1750" dirty="0"/>
-              <a:t>Feel free to unmute and ask questions or use the chat window.</a:t>
-            </a:r>
-            <a:endParaRPr lang="en-US" sz="1750" dirty="0">
-              <a:ea typeface="+mn-lt"/>
-              <a:cs typeface="+mn-lt"/>
-            </a:endParaRPr>
-          </a:p>
-          <a:p>
-            <a:pPr marL="285750" indent="-285750">
-              <a:spcBef>
-                <a:spcPct val="20000"/>
-              </a:spcBef>
-              <a:buFont typeface="Arial"/>
-              <a:buChar char="•"/>
-            </a:pPr>
-            <a:r>
-              <a:rPr lang="en-US" sz="1750" dirty="0"/>
-              <a:t>Thank you all for joining! Please share your feedback on this session</a:t>
-            </a:r>
-            <a:r>
-              <a:rPr lang="en-US" sz="1800" dirty="0">
-                <a:effectLst/>
-                <a:latin typeface="Calibri" panose="020F0502020204030204" pitchFamily="34" charset="0"/>
-              </a:rPr>
-              <a:t>: </a:t>
-            </a:r>
-            <a:r>
-              <a:rPr lang="en-US" sz="1800" dirty="0">
-                <a:effectLst/>
-                <a:latin typeface="Calibri" panose="020F0502020204030204" pitchFamily="34" charset="0"/>
-                <a:hlinkClick r:id="rId2"/>
-              </a:rPr>
-              <a:t>https://aka.ms/acpwebcastfeedback</a:t>
-            </a:r>
-            <a:endParaRPr lang="en-US" sz="1800" dirty="0">
-              <a:effectLst/>
-              <a:latin typeface="Calibri" panose="020F0502020204030204" pitchFamily="34" charset="0"/>
-            </a:endParaRPr>
-          </a:p>
-          <a:p>
-            <a:endParaRPr lang="en-US" sz="1750" dirty="0">
-              <a:cs typeface="Segoe UI"/>
-            </a:endParaRPr>
-          </a:p>
-        </p:txBody>
-      </p:sp>
-      <p:pic>
-        <p:nvPicPr>
-          <p:cNvPr id="5" name="Picture 4" descr="Icon&#10;&#10;Description automatically generated">
-            <a:extLst>
-              <a:ext uri="{FF2B5EF4-FFF2-40B4-BE49-F238E27FC236}">
-                <a16:creationId xmlns:a16="http://schemas.microsoft.com/office/drawing/2014/main" id="{C0496C47-87CA-3372-9E81-3686BD590E42}"/>
-              </a:ext>
-            </a:extLst>
-          </p:cNvPr>
-          <p:cNvPicPr>
-            <a:picLocks noChangeAspect="1"/>
-          </p:cNvPicPr>
-          <p:nvPr/>
-        </p:nvPicPr>
-        <p:blipFill>
-          <a:blip r:embed="rId3"/>
-          <a:stretch>
-            <a:fillRect/>
-          </a:stretch>
-        </p:blipFill>
-        <p:spPr>
-          <a:xfrm>
-            <a:off x="2602688" y="1623501"/>
-            <a:ext cx="6064265" cy="1237606"/>
-          </a:xfrm>
-          <a:prstGeom prst="rect">
-            <a:avLst/>
-          </a:prstGeom>
-        </p:spPr>
-      </p:pic>
+                <a16:creationId xmlns:a16="http://schemas.microsoft.com/office/drawing/2014/main" id="{5343C03F-70BE-ED2A-57F3-4134741A8226}"/>
+              </a:ext>
+            </a:extLst>
+          </p:cNvPr>
+          <p:cNvSpPr>
+            <a:spLocks noGrp="1"/>
+          </p:cNvSpPr>
+          <p:nvPr>
+            <p:ph type="ctrTitle"/>
+          </p:nvPr>
+        </p:nvSpPr>
+        <p:spPr/>
+        <p:txBody>
+          <a:bodyPr/>
+          <a:lstStyle/>
+          <a:p>
+            <a:r>
+              <a:rPr lang="da-DK"/>
+              <a:t>DEMO!</a:t>
+            </a:r>
+          </a:p>
+        </p:txBody>
+      </p:sp>
+      <p:sp>
+        <p:nvSpPr>
+          <p:cNvPr id="3" name="Subtitle 2">
+            <a:extLst>
+              <a:ext uri="{FF2B5EF4-FFF2-40B4-BE49-F238E27FC236}">
+                <a16:creationId xmlns:a16="http://schemas.microsoft.com/office/drawing/2014/main" id="{B593FB83-F910-F183-B58B-FC8310566C10}"/>
+              </a:ext>
+            </a:extLst>
+          </p:cNvPr>
+          <p:cNvSpPr>
+            <a:spLocks noGrp="1"/>
+          </p:cNvSpPr>
+          <p:nvPr>
+            <p:ph type="subTitle" idx="1"/>
+          </p:nvPr>
+        </p:nvSpPr>
+        <p:spPr/>
+        <p:txBody>
+          <a:bodyPr/>
+          <a:lstStyle/>
+          <a:p>
+            <a:endParaRPr lang="da-DK"/>
+          </a:p>
+        </p:txBody>
+      </p:sp>
     </p:spTree>
     <p:extLst>
       <p:ext uri="{BB962C8B-B14F-4D97-AF65-F5344CB8AC3E}">
-        <p14:creationId xmlns:p14="http://schemas.microsoft.com/office/powerpoint/2010/main" val="3377815631"/>
-      </p:ext>
-    </p:extLst>
-  </p:cSld>
-  <p:clrMapOvr>
-    <a:masterClrMapping/>
-  </p:clrMapOvr>
-  <p:transition>
-    <p:fade/>
-  </p:transition>
-</p:sld>
-</file>
-
-<file path=ppt/slides/slide3.xml><?xml version="1.0" encoding="utf-8"?>
-<p:sld xmlns:a="http://schemas.openxmlformats.org/drawingml/2006/main" xmlns:r="http://schemas.openxmlformats.org/officeDocument/2006/relationships" xmlns:p="http://schemas.openxmlformats.org/presentationml/2006/main">
-  <p:cSld>
-    <p:spTree>
-      <p:nvGrpSpPr>
-        <p:cNvPr id="1" name=""/>
-        <p:cNvGrpSpPr/>
-        <p:nvPr/>
-      </p:nvGrpSpPr>
-      <p:grpSpPr>
-        <a:xfrm>
-          <a:off x="0" y="0"/>
-          <a:ext cx="0" cy="0"/>
-          <a:chOff x="0" y="0"/>
-          <a:chExt cx="0" cy="0"/>
-        </a:xfrm>
-      </p:grpSpPr>
-      <p:sp>
-        <p:nvSpPr>
-          <p:cNvPr id="2" name="Title 1">
-            <a:extLst>
-              <a:ext uri="{FF2B5EF4-FFF2-40B4-BE49-F238E27FC236}">
-                <a16:creationId xmlns:a16="http://schemas.microsoft.com/office/drawing/2014/main" id="{EA6B1837-FDD6-81E5-71A0-48A2BA1C7D5A}"/>
-              </a:ext>
-            </a:extLst>
-          </p:cNvPr>
-          <p:cNvSpPr>
-            <a:spLocks noGrp="1"/>
-          </p:cNvSpPr>
-          <p:nvPr>
-            <p:ph type="title"/>
-          </p:nvPr>
-        </p:nvSpPr>
-        <p:spPr/>
-        <p:txBody>
-          <a:bodyPr/>
-          <a:lstStyle/>
-          <a:p>
-            <a:r>
-              <a:rPr lang="da-DK" dirty="0" err="1"/>
-              <a:t>Topics</a:t>
-            </a:r>
-            <a:endParaRPr lang="da-DK" dirty="0"/>
-          </a:p>
-        </p:txBody>
-      </p:sp>
-      <p:sp>
-        <p:nvSpPr>
-          <p:cNvPr id="3" name="Content Placeholder 2">
-            <a:extLst>
-              <a:ext uri="{FF2B5EF4-FFF2-40B4-BE49-F238E27FC236}">
-                <a16:creationId xmlns:a16="http://schemas.microsoft.com/office/drawing/2014/main" id="{513BA811-85A3-1B6C-A726-81DCF7D9450C}"/>
-              </a:ext>
-            </a:extLst>
-          </p:cNvPr>
-          <p:cNvSpPr>
-            <a:spLocks noGrp="1"/>
-          </p:cNvSpPr>
-          <p:nvPr>
-            <p:ph idx="1"/>
-          </p:nvPr>
-        </p:nvSpPr>
-        <p:spPr/>
-        <p:txBody>
-          <a:bodyPr/>
-          <a:lstStyle/>
-          <a:p>
-            <a:r>
-              <a:rPr lang="da-DK" dirty="0" err="1"/>
-              <a:t>Managed</a:t>
-            </a:r>
-            <a:r>
-              <a:rPr lang="da-DK" dirty="0"/>
-              <a:t> Identity overview</a:t>
-            </a:r>
-          </a:p>
-          <a:p>
-            <a:r>
-              <a:rPr lang="da-DK" dirty="0"/>
-              <a:t>Sample </a:t>
-            </a:r>
-            <a:r>
-              <a:rPr lang="da-DK" dirty="0" err="1"/>
-              <a:t>deployment</a:t>
-            </a:r>
-            <a:r>
-              <a:rPr lang="da-DK" dirty="0"/>
-              <a:t> – </a:t>
-            </a:r>
-            <a:r>
-              <a:rPr lang="da-DK" dirty="0" err="1"/>
-              <a:t>you</a:t>
-            </a:r>
-            <a:r>
-              <a:rPr lang="da-DK" dirty="0"/>
-              <a:t> </a:t>
-            </a:r>
-            <a:r>
-              <a:rPr lang="da-DK" dirty="0" err="1"/>
-              <a:t>can</a:t>
-            </a:r>
-            <a:r>
-              <a:rPr lang="da-DK" dirty="0"/>
-              <a:t> do it </a:t>
-            </a:r>
-            <a:r>
-              <a:rPr lang="da-DK" dirty="0" err="1"/>
-              <a:t>too</a:t>
-            </a:r>
-            <a:r>
-              <a:rPr lang="da-DK" dirty="0"/>
-              <a:t>!</a:t>
-            </a:r>
-          </a:p>
-          <a:p>
-            <a:r>
-              <a:rPr lang="da-DK" dirty="0"/>
-              <a:t>Look under the hood</a:t>
-            </a:r>
-          </a:p>
-          <a:p>
-            <a:endParaRPr lang="da-DK" dirty="0"/>
-          </a:p>
-          <a:p>
-            <a:endParaRPr lang="da-DK" dirty="0"/>
-          </a:p>
-        </p:txBody>
-      </p:sp>
-    </p:spTree>
-    <p:extLst>
-      <p:ext uri="{BB962C8B-B14F-4D97-AF65-F5344CB8AC3E}">
-        <p14:creationId xmlns:p14="http://schemas.microsoft.com/office/powerpoint/2010/main" val="3044412914"/>
+        <p14:creationId xmlns:p14="http://schemas.microsoft.com/office/powerpoint/2010/main" val="2927823029"/>
       </p:ext>
     </p:extLst>
   </p:cSld>
@@ -4195,781 +3845,7 @@
 </p:sld>
 </file>
 
-<file path=ppt/slides/slide4.xml><?xml version="1.0" encoding="utf-8"?>
-<p:sld xmlns:a="http://schemas.openxmlformats.org/drawingml/2006/main" xmlns:r="http://schemas.openxmlformats.org/officeDocument/2006/relationships" xmlns:p="http://schemas.openxmlformats.org/presentationml/2006/main">
-  <p:cSld>
-    <p:spTree>
-      <p:nvGrpSpPr>
-        <p:cNvPr id="1" name=""/>
-        <p:cNvGrpSpPr/>
-        <p:nvPr/>
-      </p:nvGrpSpPr>
-      <p:grpSpPr>
-        <a:xfrm>
-          <a:off x="0" y="0"/>
-          <a:ext cx="0" cy="0"/>
-          <a:chOff x="0" y="0"/>
-          <a:chExt cx="0" cy="0"/>
-        </a:xfrm>
-      </p:grpSpPr>
-      <p:sp>
-        <p:nvSpPr>
-          <p:cNvPr id="2" name="Title 1">
-            <a:extLst>
-              <a:ext uri="{FF2B5EF4-FFF2-40B4-BE49-F238E27FC236}">
-                <a16:creationId xmlns:a16="http://schemas.microsoft.com/office/drawing/2014/main" id="{EFC8247B-B4DA-1EBD-7F84-A21F082A52B4}"/>
-              </a:ext>
-            </a:extLst>
-          </p:cNvPr>
-          <p:cNvSpPr>
-            <a:spLocks noGrp="1"/>
-          </p:cNvSpPr>
-          <p:nvPr>
-            <p:ph type="title"/>
-          </p:nvPr>
-        </p:nvSpPr>
-        <p:spPr/>
-        <p:txBody>
-          <a:bodyPr/>
-          <a:lstStyle/>
-          <a:p>
-            <a:r>
-              <a:rPr lang="da-DK" dirty="0" err="1"/>
-              <a:t>What</a:t>
-            </a:r>
-            <a:r>
-              <a:rPr lang="da-DK" dirty="0"/>
-              <a:t> is </a:t>
-            </a:r>
-            <a:r>
-              <a:rPr lang="da-DK" dirty="0" err="1"/>
-              <a:t>Managed</a:t>
-            </a:r>
-            <a:r>
-              <a:rPr lang="da-DK" dirty="0"/>
-              <a:t> Identity (</a:t>
-            </a:r>
-            <a:r>
-              <a:rPr lang="da-DK" dirty="0" err="1"/>
-              <a:t>formerly</a:t>
-            </a:r>
-            <a:r>
-              <a:rPr lang="da-DK" dirty="0"/>
-              <a:t> MSI)</a:t>
-            </a:r>
-          </a:p>
-        </p:txBody>
-      </p:sp>
-      <p:sp>
-        <p:nvSpPr>
-          <p:cNvPr id="3" name="Content Placeholder 2">
-            <a:extLst>
-              <a:ext uri="{FF2B5EF4-FFF2-40B4-BE49-F238E27FC236}">
-                <a16:creationId xmlns:a16="http://schemas.microsoft.com/office/drawing/2014/main" id="{6B7C228D-E1C9-CDE1-8652-EB63C4DE0F96}"/>
-              </a:ext>
-            </a:extLst>
-          </p:cNvPr>
-          <p:cNvSpPr>
-            <a:spLocks noGrp="1"/>
-          </p:cNvSpPr>
-          <p:nvPr>
-            <p:ph idx="1"/>
-          </p:nvPr>
-        </p:nvSpPr>
-        <p:spPr/>
-        <p:txBody>
-          <a:bodyPr/>
-          <a:lstStyle/>
-          <a:p>
-            <a:r>
-              <a:rPr lang="en-US" dirty="0"/>
-              <a:t>Managed Identities is a feature of Azure AD which automatically creates a service principal that is tied to the Azure service itself (or associated with)</a:t>
-            </a:r>
-          </a:p>
-          <a:p>
-            <a:r>
-              <a:rPr lang="en-US" dirty="0"/>
-              <a:t>Applications hosted on those services can generate tokens using this identity without a need to provide any credentials.</a:t>
-            </a:r>
-          </a:p>
-          <a:p>
-            <a:r>
-              <a:rPr lang="en-US" dirty="0"/>
-              <a:t>It is secure because only applications hosted on that service which has an associated managed identity enabled will be able to generate tokens</a:t>
-            </a:r>
-          </a:p>
-          <a:p>
-            <a:r>
-              <a:rPr lang="en-US" dirty="0"/>
-              <a:t>Allows centralized control of lifecycle and permissions, incl. revocation/disabling</a:t>
-            </a:r>
-            <a:endParaRPr lang="da-DK" dirty="0"/>
-          </a:p>
-        </p:txBody>
-      </p:sp>
-    </p:spTree>
-    <p:extLst>
-      <p:ext uri="{BB962C8B-B14F-4D97-AF65-F5344CB8AC3E}">
-        <p14:creationId xmlns:p14="http://schemas.microsoft.com/office/powerpoint/2010/main" val="3512933769"/>
-      </p:ext>
-    </p:extLst>
-  </p:cSld>
-  <p:clrMapOvr>
-    <a:masterClrMapping/>
-  </p:clrMapOvr>
-</p:sld>
-</file>
-
-<file path=ppt/slides/slide5.xml><?xml version="1.0" encoding="utf-8"?>
-<p:sld xmlns:a="http://schemas.openxmlformats.org/drawingml/2006/main" xmlns:r="http://schemas.openxmlformats.org/officeDocument/2006/relationships" xmlns:p="http://schemas.openxmlformats.org/presentationml/2006/main">
-  <p:cSld>
-    <p:bg>
-      <p:bgPr>
-        <a:solidFill>
-          <a:schemeClr val="bg1"/>
-        </a:solidFill>
-        <a:effectLst/>
-      </p:bgPr>
-    </p:bg>
-    <p:spTree>
-      <p:nvGrpSpPr>
-        <p:cNvPr id="1" name=""/>
-        <p:cNvGrpSpPr/>
-        <p:nvPr/>
-      </p:nvGrpSpPr>
-      <p:grpSpPr>
-        <a:xfrm>
-          <a:off x="0" y="0"/>
-          <a:ext cx="0" cy="0"/>
-          <a:chOff x="0" y="0"/>
-          <a:chExt cx="0" cy="0"/>
-        </a:xfrm>
-      </p:grpSpPr>
-      <p:pic>
-        <p:nvPicPr>
-          <p:cNvPr id="1026" name="Picture 2">
-            <a:extLst>
-              <a:ext uri="{FF2B5EF4-FFF2-40B4-BE49-F238E27FC236}">
-                <a16:creationId xmlns:a16="http://schemas.microsoft.com/office/drawing/2014/main" id="{2F36CD15-9293-B1CC-4EF2-8F33ED6A413C}"/>
-              </a:ext>
-            </a:extLst>
-          </p:cNvPr>
-          <p:cNvPicPr>
-            <a:picLocks noGrp="1" noChangeAspect="1" noChangeArrowheads="1"/>
-          </p:cNvPicPr>
-          <p:nvPr>
-            <p:ph idx="1"/>
-          </p:nvPr>
-        </p:nvPicPr>
-        <p:blipFill>
-          <a:blip r:embed="rId2">
-            <a:extLst>
-              <a:ext uri="{28A0092B-C50C-407E-A947-70E740481C1C}">
-                <a14:useLocalDpi xmlns:a14="http://schemas.microsoft.com/office/drawing/2010/main" val="0"/>
-              </a:ext>
-            </a:extLst>
-          </a:blip>
-          <a:stretch>
-            <a:fillRect/>
-          </a:stretch>
-        </p:blipFill>
-        <p:spPr bwMode="auto">
-          <a:xfrm>
-            <a:off x="643467" y="723144"/>
-            <a:ext cx="10905066" cy="5411710"/>
-          </a:xfrm>
-          <a:prstGeom prst="rect">
-            <a:avLst/>
-          </a:prstGeom>
-          <a:noFill/>
-          <a:extLst>
-            <a:ext uri="{909E8E84-426E-40DD-AFC4-6F175D3DCCD1}">
-              <a14:hiddenFill xmlns:a14="http://schemas.microsoft.com/office/drawing/2010/main">
-                <a:solidFill>
-                  <a:srgbClr val="FFFFFF"/>
-                </a:solidFill>
-              </a14:hiddenFill>
-            </a:ext>
-          </a:extLst>
-        </p:spPr>
-      </p:pic>
-    </p:spTree>
-    <p:extLst>
-      <p:ext uri="{BB962C8B-B14F-4D97-AF65-F5344CB8AC3E}">
-        <p14:creationId xmlns:p14="http://schemas.microsoft.com/office/powerpoint/2010/main" val="3157443795"/>
-      </p:ext>
-    </p:extLst>
-  </p:cSld>
-  <p:clrMapOvr>
-    <a:masterClrMapping/>
-  </p:clrMapOvr>
-</p:sld>
-</file>
-
-<file path=ppt/slides/slide6.xml><?xml version="1.0" encoding="utf-8"?>
-<p:sld xmlns:a="http://schemas.openxmlformats.org/drawingml/2006/main" xmlns:r="http://schemas.openxmlformats.org/officeDocument/2006/relationships" xmlns:p="http://schemas.openxmlformats.org/presentationml/2006/main">
-  <p:cSld>
-    <p:spTree>
-      <p:nvGrpSpPr>
-        <p:cNvPr id="1" name=""/>
-        <p:cNvGrpSpPr/>
-        <p:nvPr/>
-      </p:nvGrpSpPr>
-      <p:grpSpPr>
-        <a:xfrm>
-          <a:off x="0" y="0"/>
-          <a:ext cx="0" cy="0"/>
-          <a:chOff x="0" y="0"/>
-          <a:chExt cx="0" cy="0"/>
-        </a:xfrm>
-      </p:grpSpPr>
-      <p:sp>
-        <p:nvSpPr>
-          <p:cNvPr id="2" name="Title 1">
-            <a:extLst>
-              <a:ext uri="{FF2B5EF4-FFF2-40B4-BE49-F238E27FC236}">
-                <a16:creationId xmlns:a16="http://schemas.microsoft.com/office/drawing/2014/main" id="{E606558A-5AAE-EA26-5C47-8E469F33D766}"/>
-              </a:ext>
-            </a:extLst>
-          </p:cNvPr>
-          <p:cNvSpPr>
-            <a:spLocks noGrp="1"/>
-          </p:cNvSpPr>
-          <p:nvPr>
-            <p:ph type="title"/>
-          </p:nvPr>
-        </p:nvSpPr>
-        <p:spPr/>
-        <p:txBody>
-          <a:bodyPr/>
-          <a:lstStyle/>
-          <a:p>
-            <a:r>
-              <a:rPr lang="da-DK" dirty="0" err="1"/>
-              <a:t>Managed</a:t>
-            </a:r>
-            <a:r>
-              <a:rPr lang="da-DK" dirty="0"/>
-              <a:t> Identity types</a:t>
-            </a:r>
-          </a:p>
-        </p:txBody>
-      </p:sp>
-      <p:sp>
-        <p:nvSpPr>
-          <p:cNvPr id="3" name="Content Placeholder 2">
-            <a:extLst>
-              <a:ext uri="{FF2B5EF4-FFF2-40B4-BE49-F238E27FC236}">
-                <a16:creationId xmlns:a16="http://schemas.microsoft.com/office/drawing/2014/main" id="{6EC52D89-242C-86CC-D05F-C85F276E50B6}"/>
-              </a:ext>
-            </a:extLst>
-          </p:cNvPr>
-          <p:cNvSpPr>
-            <a:spLocks noGrp="1"/>
-          </p:cNvSpPr>
-          <p:nvPr>
-            <p:ph idx="1"/>
-          </p:nvPr>
-        </p:nvSpPr>
-        <p:spPr/>
-        <p:txBody>
-          <a:bodyPr/>
-          <a:lstStyle/>
-          <a:p>
-            <a:r>
-              <a:rPr lang="da-DK" dirty="0"/>
-              <a:t>System </a:t>
-            </a:r>
-            <a:r>
-              <a:rPr lang="da-DK" dirty="0" err="1"/>
-              <a:t>assigned</a:t>
-            </a:r>
-            <a:r>
-              <a:rPr lang="da-DK" dirty="0"/>
-              <a:t>: </a:t>
-            </a:r>
-            <a:r>
-              <a:rPr lang="da-DK" dirty="0" err="1"/>
-              <a:t>Lifecycle</a:t>
-            </a:r>
-            <a:r>
-              <a:rPr lang="da-DK" dirty="0"/>
-              <a:t> same a </a:t>
-            </a:r>
-            <a:r>
-              <a:rPr lang="da-DK" dirty="0" err="1"/>
-              <a:t>associated</a:t>
-            </a:r>
-            <a:r>
-              <a:rPr lang="da-DK" dirty="0"/>
-              <a:t> ressource</a:t>
-            </a:r>
-          </a:p>
-          <a:p>
-            <a:r>
-              <a:rPr lang="da-DK" dirty="0"/>
-              <a:t>User </a:t>
-            </a:r>
-            <a:r>
-              <a:rPr lang="da-DK" dirty="0" err="1"/>
-              <a:t>assigned</a:t>
-            </a:r>
-            <a:r>
-              <a:rPr lang="da-DK" dirty="0"/>
-              <a:t>: </a:t>
-            </a:r>
-            <a:r>
-              <a:rPr lang="da-DK" dirty="0" err="1"/>
-              <a:t>Standalone</a:t>
-            </a:r>
-            <a:r>
-              <a:rPr lang="da-DK" dirty="0"/>
-              <a:t> ressource </a:t>
-            </a:r>
-            <a:r>
-              <a:rPr lang="da-DK" dirty="0" err="1"/>
-              <a:t>that</a:t>
-            </a:r>
-            <a:r>
-              <a:rPr lang="da-DK" dirty="0"/>
-              <a:t> </a:t>
-            </a:r>
-            <a:r>
-              <a:rPr lang="da-DK" dirty="0" err="1"/>
-              <a:t>can</a:t>
-            </a:r>
-            <a:r>
-              <a:rPr lang="da-DK" dirty="0"/>
-              <a:t> </a:t>
-            </a:r>
-            <a:r>
-              <a:rPr lang="da-DK" dirty="0" err="1"/>
-              <a:t>be</a:t>
-            </a:r>
-            <a:r>
-              <a:rPr lang="da-DK" dirty="0"/>
-              <a:t> </a:t>
-            </a:r>
-            <a:r>
-              <a:rPr lang="da-DK" dirty="0" err="1"/>
-              <a:t>assoicated</a:t>
-            </a:r>
-            <a:r>
-              <a:rPr lang="da-DK" dirty="0"/>
-              <a:t> with multiple </a:t>
-            </a:r>
-            <a:r>
-              <a:rPr lang="da-DK" dirty="0" err="1"/>
-              <a:t>compute</a:t>
-            </a:r>
-            <a:r>
-              <a:rPr lang="da-DK" dirty="0"/>
-              <a:t> services</a:t>
-            </a:r>
-          </a:p>
-          <a:p>
-            <a:r>
-              <a:rPr lang="da-DK" dirty="0"/>
-              <a:t>Issue with (</a:t>
-            </a:r>
-            <a:r>
-              <a:rPr lang="da-DK" dirty="0" err="1"/>
-              <a:t>accidential</a:t>
-            </a:r>
-            <a:r>
-              <a:rPr lang="da-DK" dirty="0"/>
-              <a:t>) deletion of </a:t>
-            </a:r>
-            <a:r>
-              <a:rPr lang="da-DK" dirty="0" err="1"/>
-              <a:t>managed</a:t>
-            </a:r>
-            <a:r>
-              <a:rPr lang="da-DK" dirty="0"/>
-              <a:t> </a:t>
-            </a:r>
-            <a:r>
-              <a:rPr lang="da-DK" dirty="0" err="1"/>
-              <a:t>identities</a:t>
-            </a:r>
-            <a:endParaRPr lang="da-DK" dirty="0"/>
-          </a:p>
-          <a:p>
-            <a:r>
-              <a:rPr lang="da-DK" dirty="0" err="1"/>
-              <a:t>Use</a:t>
-            </a:r>
-            <a:r>
-              <a:rPr lang="da-DK" dirty="0"/>
-              <a:t> Locks – Microsoft is </a:t>
-            </a:r>
-            <a:r>
-              <a:rPr lang="da-DK" dirty="0" err="1"/>
-              <a:t>improving</a:t>
-            </a:r>
-            <a:r>
-              <a:rPr lang="da-DK" dirty="0"/>
-              <a:t> </a:t>
-            </a:r>
-            <a:r>
-              <a:rPr lang="da-DK"/>
-              <a:t>this</a:t>
-            </a:r>
-            <a:endParaRPr lang="da-DK" dirty="0"/>
-          </a:p>
-        </p:txBody>
-      </p:sp>
-    </p:spTree>
-    <p:extLst>
-      <p:ext uri="{BB962C8B-B14F-4D97-AF65-F5344CB8AC3E}">
-        <p14:creationId xmlns:p14="http://schemas.microsoft.com/office/powerpoint/2010/main" val="98024007"/>
-      </p:ext>
-    </p:extLst>
-  </p:cSld>
-  <p:clrMapOvr>
-    <a:masterClrMapping/>
-  </p:clrMapOvr>
-</p:sld>
-</file>
-
-<file path=ppt/slides/slide7.xml><?xml version="1.0" encoding="utf-8"?>
-<p:sld xmlns:a="http://schemas.openxmlformats.org/drawingml/2006/main" xmlns:r="http://schemas.openxmlformats.org/officeDocument/2006/relationships" xmlns:p="http://schemas.openxmlformats.org/presentationml/2006/main">
-  <p:cSld>
-    <p:bg>
-      <p:bgPr>
-        <a:solidFill>
-          <a:schemeClr val="bg1"/>
-        </a:solidFill>
-        <a:effectLst/>
-      </p:bgPr>
-    </p:bg>
-    <p:spTree>
-      <p:nvGrpSpPr>
-        <p:cNvPr id="1" name=""/>
-        <p:cNvGrpSpPr/>
-        <p:nvPr/>
-      </p:nvGrpSpPr>
-      <p:grpSpPr>
-        <a:xfrm>
-          <a:off x="0" y="0"/>
-          <a:ext cx="0" cy="0"/>
-          <a:chOff x="0" y="0"/>
-          <a:chExt cx="0" cy="0"/>
-        </a:xfrm>
-      </p:grpSpPr>
-      <p:sp>
-        <p:nvSpPr>
-          <p:cNvPr id="2" name="Title 1">
-            <a:extLst>
-              <a:ext uri="{FF2B5EF4-FFF2-40B4-BE49-F238E27FC236}">
-                <a16:creationId xmlns:a16="http://schemas.microsoft.com/office/drawing/2014/main" id="{65EAB350-06DA-458E-269B-8A2DC05772C2}"/>
-              </a:ext>
-            </a:extLst>
-          </p:cNvPr>
-          <p:cNvSpPr>
-            <a:spLocks noGrp="1"/>
-          </p:cNvSpPr>
-          <p:nvPr>
-            <p:ph type="title"/>
-          </p:nvPr>
-        </p:nvSpPr>
-        <p:spPr>
-          <a:xfrm>
-            <a:off x="838199" y="291090"/>
-            <a:ext cx="10515599" cy="932688"/>
-          </a:xfrm>
-        </p:spPr>
-        <p:txBody>
-          <a:bodyPr vert="horz" lIns="91440" tIns="45720" rIns="91440" bIns="45720" rtlCol="0" anchor="b">
-            <a:normAutofit/>
-          </a:bodyPr>
-          <a:lstStyle/>
-          <a:p>
-            <a:pPr algn="ctr"/>
-            <a:r>
-              <a:rPr lang="en-US" sz="5400" kern="1200">
-                <a:solidFill>
-                  <a:schemeClr val="tx1"/>
-                </a:solidFill>
-                <a:latin typeface="+mj-lt"/>
-                <a:ea typeface="+mj-ea"/>
-                <a:cs typeface="+mj-cs"/>
-              </a:rPr>
-              <a:t>Sample deployment</a:t>
-            </a:r>
-          </a:p>
-        </p:txBody>
-      </p:sp>
-      <p:pic>
-        <p:nvPicPr>
-          <p:cNvPr id="5" name="Content Placeholder 4" descr="Diagram&#10;&#10;Description automatically generated">
-            <a:extLst>
-              <a:ext uri="{FF2B5EF4-FFF2-40B4-BE49-F238E27FC236}">
-                <a16:creationId xmlns:a16="http://schemas.microsoft.com/office/drawing/2014/main" id="{0FB0C361-D7EE-28CB-5910-5597936BBC47}"/>
-              </a:ext>
-            </a:extLst>
-          </p:cNvPr>
-          <p:cNvPicPr>
-            <a:picLocks noGrp="1" noChangeAspect="1"/>
-          </p:cNvPicPr>
-          <p:nvPr>
-            <p:ph idx="1"/>
-          </p:nvPr>
-        </p:nvPicPr>
-        <p:blipFill>
-          <a:blip r:embed="rId2"/>
-          <a:stretch>
-            <a:fillRect/>
-          </a:stretch>
-        </p:blipFill>
-        <p:spPr>
-          <a:xfrm>
-            <a:off x="838200" y="2125644"/>
-            <a:ext cx="10515599" cy="3917060"/>
-          </a:xfrm>
-          <a:prstGeom prst="rect">
-            <a:avLst/>
-          </a:prstGeom>
-        </p:spPr>
-      </p:pic>
-    </p:spTree>
-    <p:extLst>
-      <p:ext uri="{BB962C8B-B14F-4D97-AF65-F5344CB8AC3E}">
-        <p14:creationId xmlns:p14="http://schemas.microsoft.com/office/powerpoint/2010/main" val="764537341"/>
-      </p:ext>
-    </p:extLst>
-  </p:cSld>
-  <p:clrMapOvr>
-    <a:masterClrMapping/>
-  </p:clrMapOvr>
-</p:sld>
-</file>
-
-<file path=ppt/slides/slide8.xml><?xml version="1.0" encoding="utf-8"?>
-<p:sld xmlns:a="http://schemas.openxmlformats.org/drawingml/2006/main" xmlns:r="http://schemas.openxmlformats.org/officeDocument/2006/relationships" xmlns:p="http://schemas.openxmlformats.org/presentationml/2006/main">
-  <p:cSld>
-    <p:spTree>
-      <p:nvGrpSpPr>
-        <p:cNvPr id="1" name=""/>
-        <p:cNvGrpSpPr/>
-        <p:nvPr/>
-      </p:nvGrpSpPr>
-      <p:grpSpPr>
-        <a:xfrm>
-          <a:off x="0" y="0"/>
-          <a:ext cx="0" cy="0"/>
-          <a:chOff x="0" y="0"/>
-          <a:chExt cx="0" cy="0"/>
-        </a:xfrm>
-      </p:grpSpPr>
-      <p:sp>
-        <p:nvSpPr>
-          <p:cNvPr id="2" name="Title 1">
-            <a:extLst>
-              <a:ext uri="{FF2B5EF4-FFF2-40B4-BE49-F238E27FC236}">
-                <a16:creationId xmlns:a16="http://schemas.microsoft.com/office/drawing/2014/main" id="{01327C8D-D8DB-6708-B3BD-93A8F47EA5FB}"/>
-              </a:ext>
-            </a:extLst>
-          </p:cNvPr>
-          <p:cNvSpPr>
-            <a:spLocks noGrp="1"/>
-          </p:cNvSpPr>
-          <p:nvPr>
-            <p:ph type="title"/>
-          </p:nvPr>
-        </p:nvSpPr>
-        <p:spPr/>
-        <p:txBody>
-          <a:bodyPr/>
-          <a:lstStyle/>
-          <a:p>
-            <a:r>
-              <a:rPr lang="da-DK" dirty="0"/>
-              <a:t>Deployment parts</a:t>
-            </a:r>
-          </a:p>
-        </p:txBody>
-      </p:sp>
-      <p:sp>
-        <p:nvSpPr>
-          <p:cNvPr id="3" name="Content Placeholder 2">
-            <a:extLst>
-              <a:ext uri="{FF2B5EF4-FFF2-40B4-BE49-F238E27FC236}">
-                <a16:creationId xmlns:a16="http://schemas.microsoft.com/office/drawing/2014/main" id="{000342E8-A2A2-FBD5-FA76-C17FB3DD7561}"/>
-              </a:ext>
-            </a:extLst>
-          </p:cNvPr>
-          <p:cNvSpPr>
-            <a:spLocks noGrp="1"/>
-          </p:cNvSpPr>
-          <p:nvPr>
-            <p:ph idx="1"/>
-          </p:nvPr>
-        </p:nvSpPr>
-        <p:spPr/>
-        <p:txBody>
-          <a:bodyPr/>
-          <a:lstStyle/>
-          <a:p>
-            <a:r>
-              <a:rPr lang="da-DK" dirty="0" err="1"/>
-              <a:t>Goal</a:t>
-            </a:r>
-            <a:r>
-              <a:rPr lang="da-DK" dirty="0"/>
-              <a:t>: Provide a web app with </a:t>
-            </a:r>
-            <a:r>
-              <a:rPr lang="da-DK" dirty="0" err="1"/>
-              <a:t>passwordless</a:t>
-            </a:r>
-            <a:r>
-              <a:rPr lang="da-DK" dirty="0"/>
-              <a:t> </a:t>
-            </a:r>
-            <a:r>
-              <a:rPr lang="da-DK" dirty="0" err="1"/>
-              <a:t>access</a:t>
-            </a:r>
-            <a:r>
-              <a:rPr lang="da-DK" dirty="0"/>
-              <a:t> to a </a:t>
-            </a:r>
-            <a:r>
-              <a:rPr lang="da-DK" dirty="0" err="1"/>
-              <a:t>Azure</a:t>
-            </a:r>
-            <a:r>
-              <a:rPr lang="da-DK" dirty="0"/>
-              <a:t> SQL DB</a:t>
-            </a:r>
-          </a:p>
-          <a:p>
-            <a:pPr marL="0" indent="0">
-              <a:buNone/>
-            </a:pPr>
-            <a:endParaRPr lang="da-DK" dirty="0"/>
-          </a:p>
-          <a:p>
-            <a:r>
-              <a:rPr lang="da-DK" dirty="0"/>
-              <a:t>Design </a:t>
-            </a:r>
-            <a:r>
-              <a:rPr lang="da-DK" dirty="0" err="1"/>
-              <a:t>goals</a:t>
-            </a:r>
-            <a:r>
-              <a:rPr lang="da-DK" dirty="0"/>
-              <a:t>: Minimal </a:t>
-            </a:r>
-            <a:r>
-              <a:rPr lang="da-DK" dirty="0" err="1"/>
-              <a:t>amount</a:t>
-            </a:r>
-            <a:r>
-              <a:rPr lang="da-DK" dirty="0"/>
-              <a:t> of ”</a:t>
-            </a:r>
-            <a:r>
-              <a:rPr lang="da-DK" dirty="0" err="1"/>
-              <a:t>code</a:t>
-            </a:r>
-            <a:r>
-              <a:rPr lang="da-DK" dirty="0"/>
-              <a:t>”</a:t>
-            </a:r>
-          </a:p>
-          <a:p>
-            <a:pPr lvl="1"/>
-            <a:r>
-              <a:rPr lang="da-DK" dirty="0" err="1"/>
-              <a:t>Infrastructure</a:t>
-            </a:r>
-            <a:r>
-              <a:rPr lang="da-DK" dirty="0"/>
-              <a:t> - .</a:t>
-            </a:r>
-            <a:r>
-              <a:rPr lang="da-DK" dirty="0" err="1"/>
-              <a:t>bicep</a:t>
-            </a:r>
-            <a:r>
-              <a:rPr lang="da-DK" dirty="0"/>
-              <a:t> (ARM)</a:t>
-            </a:r>
-          </a:p>
-          <a:p>
-            <a:pPr lvl="1"/>
-            <a:r>
-              <a:rPr lang="da-DK" dirty="0"/>
-              <a:t>App - .NET 6 minimal Web API </a:t>
-            </a:r>
-            <a:r>
-              <a:rPr lang="da-DK" dirty="0" err="1"/>
-              <a:t>published</a:t>
-            </a:r>
-            <a:r>
-              <a:rPr lang="da-DK" dirty="0"/>
-              <a:t> to Web App</a:t>
-            </a:r>
-          </a:p>
-          <a:p>
-            <a:pPr lvl="1"/>
-            <a:r>
-              <a:rPr lang="da-DK" dirty="0"/>
-              <a:t>Configuration (PS Core) (</a:t>
-            </a:r>
-            <a:r>
-              <a:rPr lang="da-DK" dirty="0" err="1"/>
-              <a:t>solving</a:t>
-            </a:r>
-            <a:r>
-              <a:rPr lang="da-DK" dirty="0"/>
-              <a:t> issue with </a:t>
-            </a:r>
-            <a:r>
-              <a:rPr lang="da-DK" dirty="0" err="1"/>
-              <a:t>limited</a:t>
-            </a:r>
-            <a:r>
-              <a:rPr lang="da-DK" dirty="0"/>
-              <a:t> AAD </a:t>
-            </a:r>
-            <a:r>
-              <a:rPr lang="da-DK" dirty="0" err="1"/>
-              <a:t>rights</a:t>
-            </a:r>
-            <a:r>
-              <a:rPr lang="da-DK" dirty="0"/>
-              <a:t>)</a:t>
-            </a:r>
-          </a:p>
-          <a:p>
-            <a:endParaRPr lang="da-DK" dirty="0"/>
-          </a:p>
-          <a:p>
-            <a:r>
-              <a:rPr lang="da-DK" dirty="0"/>
-              <a:t>DEMO!</a:t>
-            </a:r>
-          </a:p>
-        </p:txBody>
-      </p:sp>
-    </p:spTree>
-    <p:extLst>
-      <p:ext uri="{BB962C8B-B14F-4D97-AF65-F5344CB8AC3E}">
-        <p14:creationId xmlns:p14="http://schemas.microsoft.com/office/powerpoint/2010/main" val="2509243018"/>
-      </p:ext>
-    </p:extLst>
-  </p:cSld>
-  <p:clrMapOvr>
-    <a:masterClrMapping/>
-  </p:clrMapOvr>
-</p:sld>
-</file>
-
-<file path=ppt/slides/slide9.xml><?xml version="1.0" encoding="utf-8"?>
+<file path=ppt/slides/slide11.xml><?xml version="1.0" encoding="utf-8"?>
 <p:sld xmlns:a="http://schemas.openxmlformats.org/drawingml/2006/main" xmlns:r="http://schemas.openxmlformats.org/officeDocument/2006/relationships" xmlns:p="http://schemas.openxmlformats.org/presentationml/2006/main">
   <p:cSld>
     <p:spTree>
@@ -5509,6 +4385,1462 @@
 </p:sld>
 </file>
 
+<file path=ppt/slides/slide2.xml><?xml version="1.0" encoding="utf-8"?>
+<p:sld xmlns:a="http://schemas.openxmlformats.org/drawingml/2006/main" xmlns:r="http://schemas.openxmlformats.org/officeDocument/2006/relationships" xmlns:p="http://schemas.openxmlformats.org/presentationml/2006/main">
+  <p:cSld>
+    <p:spTree>
+      <p:nvGrpSpPr>
+        <p:cNvPr id="1" name=""/>
+        <p:cNvGrpSpPr/>
+        <p:nvPr/>
+      </p:nvGrpSpPr>
+      <p:grpSpPr>
+        <a:xfrm>
+          <a:off x="0" y="0"/>
+          <a:ext cx="0" cy="0"/>
+          <a:chOff x="0" y="0"/>
+          <a:chExt cx="0" cy="0"/>
+        </a:xfrm>
+      </p:grpSpPr>
+      <p:sp>
+        <p:nvSpPr>
+          <p:cNvPr id="2" name="Title 1">
+            <a:extLst>
+              <a:ext uri="{FF2B5EF4-FFF2-40B4-BE49-F238E27FC236}">
+                <a16:creationId xmlns:a16="http://schemas.microsoft.com/office/drawing/2014/main" id="{20D04137-ED43-1F4B-A8A8-FBBDF2B6789C}"/>
+              </a:ext>
+            </a:extLst>
+          </p:cNvPr>
+          <p:cNvSpPr>
+            <a:spLocks noGrp="1"/>
+          </p:cNvSpPr>
+          <p:nvPr>
+            <p:ph type="title"/>
+          </p:nvPr>
+        </p:nvSpPr>
+        <p:spPr>
+          <a:xfrm>
+            <a:off x="588263" y="457200"/>
+            <a:ext cx="11018520" cy="553998"/>
+          </a:xfrm>
+        </p:spPr>
+        <p:txBody>
+          <a:bodyPr/>
+          <a:lstStyle/>
+          <a:p>
+            <a:r>
+              <a:rPr lang="en-US">
+                <a:latin typeface="Segoe UI"/>
+                <a:cs typeface="Segoe UI"/>
+              </a:rPr>
+              <a:t>Friendly Reminders Before Getting Started</a:t>
+            </a:r>
+            <a:endParaRPr lang="en-US">
+              <a:ea typeface="+mj-lt"/>
+              <a:cs typeface="+mj-lt"/>
+            </a:endParaRPr>
+          </a:p>
+        </p:txBody>
+      </p:sp>
+      <p:sp>
+        <p:nvSpPr>
+          <p:cNvPr id="3" name="TextBox 2">
+            <a:extLst>
+              <a:ext uri="{FF2B5EF4-FFF2-40B4-BE49-F238E27FC236}">
+                <a16:creationId xmlns:a16="http://schemas.microsoft.com/office/drawing/2014/main" id="{468B45B4-DC09-0A48-9F89-97F8FB70C14E}"/>
+              </a:ext>
+            </a:extLst>
+          </p:cNvPr>
+          <p:cNvSpPr txBox="1"/>
+          <p:nvPr/>
+        </p:nvSpPr>
+        <p:spPr>
+          <a:xfrm flipH="1">
+            <a:off x="583406" y="1436688"/>
+            <a:ext cx="11025188" cy="581025"/>
+          </a:xfrm>
+          <a:prstGeom prst="rect">
+            <a:avLst/>
+          </a:prstGeom>
+          <a:noFill/>
+        </p:spPr>
+        <p:txBody>
+          <a:bodyPr wrap="square" lIns="0" tIns="0" rIns="0" bIns="0" rtlCol="0" anchor="t">
+            <a:noAutofit/>
+          </a:bodyPr>
+          <a:lstStyle/>
+          <a:p>
+            <a:pPr marL="285750" indent="-285750">
+              <a:spcBef>
+                <a:spcPct val="20000"/>
+              </a:spcBef>
+              <a:buFont typeface="Arial"/>
+              <a:buChar char="•"/>
+            </a:pPr>
+            <a:endParaRPr lang="en-US" sz="1750" dirty="0"/>
+          </a:p>
+          <a:p>
+            <a:pPr marL="285750" indent="-285750">
+              <a:spcBef>
+                <a:spcPct val="20000"/>
+              </a:spcBef>
+              <a:buFont typeface="Arial"/>
+              <a:buChar char="•"/>
+            </a:pPr>
+            <a:endParaRPr lang="en-US" sz="1750" dirty="0">
+              <a:cs typeface="Segoe UI"/>
+            </a:endParaRPr>
+          </a:p>
+          <a:p>
+            <a:pPr marL="285750" indent="-285750">
+              <a:spcBef>
+                <a:spcPct val="20000"/>
+              </a:spcBef>
+              <a:buFont typeface="Arial"/>
+              <a:buChar char="•"/>
+            </a:pPr>
+            <a:endParaRPr lang="en-US" sz="1750" dirty="0">
+              <a:cs typeface="Segoe UI"/>
+            </a:endParaRPr>
+          </a:p>
+          <a:p>
+            <a:pPr marL="285750" indent="-285750">
+              <a:spcBef>
+                <a:spcPct val="20000"/>
+              </a:spcBef>
+              <a:buFont typeface="Arial"/>
+              <a:buChar char="•"/>
+            </a:pPr>
+            <a:endParaRPr lang="en-US" sz="1750" dirty="0">
+              <a:cs typeface="Segoe UI"/>
+            </a:endParaRPr>
+          </a:p>
+          <a:p>
+            <a:pPr marL="285750" indent="-285750">
+              <a:spcBef>
+                <a:spcPct val="20000"/>
+              </a:spcBef>
+              <a:buFont typeface="Arial"/>
+              <a:buChar char="•"/>
+            </a:pPr>
+            <a:endParaRPr lang="en-US" sz="1750" dirty="0"/>
+          </a:p>
+          <a:p>
+            <a:pPr marL="285750" indent="-285750">
+              <a:spcBef>
+                <a:spcPct val="20000"/>
+              </a:spcBef>
+              <a:buFont typeface="Arial"/>
+              <a:buChar char="•"/>
+            </a:pPr>
+            <a:endParaRPr lang="en-US" sz="1750" dirty="0"/>
+          </a:p>
+          <a:p>
+            <a:pPr marL="285750" indent="-285750">
+              <a:spcBef>
+                <a:spcPct val="20000"/>
+              </a:spcBef>
+              <a:buFont typeface="Arial"/>
+              <a:buChar char="•"/>
+            </a:pPr>
+            <a:r>
+              <a:rPr lang="en-US" sz="1750" dirty="0"/>
+              <a:t>This call and content is under Microsoft NDA; please </a:t>
+            </a:r>
+            <a:r>
+              <a:rPr lang="en-US" sz="1750" u="sng" dirty="0"/>
+              <a:t>do not share</a:t>
+            </a:r>
+            <a:r>
+              <a:rPr lang="en-US" sz="1750" dirty="0"/>
+              <a:t> information publicly.</a:t>
+            </a:r>
+            <a:endParaRPr lang="en-US" sz="1750" dirty="0">
+              <a:ea typeface="+mn-lt"/>
+              <a:cs typeface="+mn-lt"/>
+            </a:endParaRPr>
+          </a:p>
+          <a:p>
+            <a:pPr marL="285750" indent="-285750">
+              <a:spcBef>
+                <a:spcPct val="20000"/>
+              </a:spcBef>
+              <a:buFont typeface="Arial"/>
+              <a:buChar char="•"/>
+            </a:pPr>
+            <a:r>
+              <a:rPr lang="en-US" sz="1750" dirty="0"/>
+              <a:t>Please keep your mics muted for the best sound quality.</a:t>
+            </a:r>
+            <a:endParaRPr lang="en-US" sz="1750" dirty="0">
+              <a:ea typeface="+mn-lt"/>
+              <a:cs typeface="+mn-lt"/>
+            </a:endParaRPr>
+          </a:p>
+          <a:p>
+            <a:pPr marL="285750" indent="-285750">
+              <a:spcBef>
+                <a:spcPct val="20000"/>
+              </a:spcBef>
+              <a:buFont typeface="Arial"/>
+              <a:buChar char="•"/>
+            </a:pPr>
+            <a:r>
+              <a:rPr lang="en-US" sz="1750" dirty="0"/>
+              <a:t>Feel free to unmute and ask questions or use the chat window.</a:t>
+            </a:r>
+            <a:endParaRPr lang="en-US" sz="1750" dirty="0">
+              <a:ea typeface="+mn-lt"/>
+              <a:cs typeface="+mn-lt"/>
+            </a:endParaRPr>
+          </a:p>
+          <a:p>
+            <a:pPr marL="285750" indent="-285750">
+              <a:spcBef>
+                <a:spcPct val="20000"/>
+              </a:spcBef>
+              <a:buFont typeface="Arial"/>
+              <a:buChar char="•"/>
+            </a:pPr>
+            <a:r>
+              <a:rPr lang="en-US" sz="1750" dirty="0"/>
+              <a:t>Thank you all for joining! Please share your feedback on this session</a:t>
+            </a:r>
+            <a:r>
+              <a:rPr lang="en-US" sz="1800" dirty="0">
+                <a:effectLst/>
+                <a:latin typeface="Calibri" panose="020F0502020204030204" pitchFamily="34" charset="0"/>
+              </a:rPr>
+              <a:t>: </a:t>
+            </a:r>
+            <a:r>
+              <a:rPr lang="en-US" sz="1800" dirty="0">
+                <a:effectLst/>
+                <a:latin typeface="Calibri" panose="020F0502020204030204" pitchFamily="34" charset="0"/>
+                <a:hlinkClick r:id="rId2"/>
+              </a:rPr>
+              <a:t>https://aka.ms/acpwebcastfeedback</a:t>
+            </a:r>
+            <a:endParaRPr lang="en-US" sz="1800" dirty="0">
+              <a:effectLst/>
+              <a:latin typeface="Calibri" panose="020F0502020204030204" pitchFamily="34" charset="0"/>
+            </a:endParaRPr>
+          </a:p>
+          <a:p>
+            <a:endParaRPr lang="en-US" sz="1750" dirty="0">
+              <a:cs typeface="Segoe UI"/>
+            </a:endParaRPr>
+          </a:p>
+        </p:txBody>
+      </p:sp>
+      <p:pic>
+        <p:nvPicPr>
+          <p:cNvPr id="5" name="Picture 4" descr="Icon&#10;&#10;Description automatically generated">
+            <a:extLst>
+              <a:ext uri="{FF2B5EF4-FFF2-40B4-BE49-F238E27FC236}">
+                <a16:creationId xmlns:a16="http://schemas.microsoft.com/office/drawing/2014/main" id="{C0496C47-87CA-3372-9E81-3686BD590E42}"/>
+              </a:ext>
+            </a:extLst>
+          </p:cNvPr>
+          <p:cNvPicPr>
+            <a:picLocks noChangeAspect="1"/>
+          </p:cNvPicPr>
+          <p:nvPr/>
+        </p:nvPicPr>
+        <p:blipFill>
+          <a:blip r:embed="rId3"/>
+          <a:stretch>
+            <a:fillRect/>
+          </a:stretch>
+        </p:blipFill>
+        <p:spPr>
+          <a:xfrm>
+            <a:off x="2602688" y="1623501"/>
+            <a:ext cx="6064265" cy="1237606"/>
+          </a:xfrm>
+          <a:prstGeom prst="rect">
+            <a:avLst/>
+          </a:prstGeom>
+        </p:spPr>
+      </p:pic>
+    </p:spTree>
+    <p:extLst>
+      <p:ext uri="{BB962C8B-B14F-4D97-AF65-F5344CB8AC3E}">
+        <p14:creationId xmlns:p14="http://schemas.microsoft.com/office/powerpoint/2010/main" val="3377815631"/>
+      </p:ext>
+    </p:extLst>
+  </p:cSld>
+  <p:clrMapOvr>
+    <a:masterClrMapping/>
+  </p:clrMapOvr>
+  <p:transition>
+    <p:fade/>
+  </p:transition>
+</p:sld>
+</file>
+
+<file path=ppt/slides/slide3.xml><?xml version="1.0" encoding="utf-8"?>
+<p:sld xmlns:a="http://schemas.openxmlformats.org/drawingml/2006/main" xmlns:r="http://schemas.openxmlformats.org/officeDocument/2006/relationships" xmlns:p="http://schemas.openxmlformats.org/presentationml/2006/main">
+  <p:cSld>
+    <p:spTree>
+      <p:nvGrpSpPr>
+        <p:cNvPr id="1" name=""/>
+        <p:cNvGrpSpPr/>
+        <p:nvPr/>
+      </p:nvGrpSpPr>
+      <p:grpSpPr>
+        <a:xfrm>
+          <a:off x="0" y="0"/>
+          <a:ext cx="0" cy="0"/>
+          <a:chOff x="0" y="0"/>
+          <a:chExt cx="0" cy="0"/>
+        </a:xfrm>
+      </p:grpSpPr>
+      <p:sp>
+        <p:nvSpPr>
+          <p:cNvPr id="2" name="Title 1">
+            <a:extLst>
+              <a:ext uri="{FF2B5EF4-FFF2-40B4-BE49-F238E27FC236}">
+                <a16:creationId xmlns:a16="http://schemas.microsoft.com/office/drawing/2014/main" id="{EA6B1837-FDD6-81E5-71A0-48A2BA1C7D5A}"/>
+              </a:ext>
+            </a:extLst>
+          </p:cNvPr>
+          <p:cNvSpPr>
+            <a:spLocks noGrp="1"/>
+          </p:cNvSpPr>
+          <p:nvPr>
+            <p:ph type="title"/>
+          </p:nvPr>
+        </p:nvSpPr>
+        <p:spPr/>
+        <p:txBody>
+          <a:bodyPr/>
+          <a:lstStyle/>
+          <a:p>
+            <a:r>
+              <a:rPr lang="da-DK" dirty="0" err="1"/>
+              <a:t>Topics</a:t>
+            </a:r>
+            <a:endParaRPr lang="da-DK" dirty="0"/>
+          </a:p>
+        </p:txBody>
+      </p:sp>
+      <p:sp>
+        <p:nvSpPr>
+          <p:cNvPr id="3" name="Content Placeholder 2">
+            <a:extLst>
+              <a:ext uri="{FF2B5EF4-FFF2-40B4-BE49-F238E27FC236}">
+                <a16:creationId xmlns:a16="http://schemas.microsoft.com/office/drawing/2014/main" id="{513BA811-85A3-1B6C-A726-81DCF7D9450C}"/>
+              </a:ext>
+            </a:extLst>
+          </p:cNvPr>
+          <p:cNvSpPr>
+            <a:spLocks noGrp="1"/>
+          </p:cNvSpPr>
+          <p:nvPr>
+            <p:ph idx="1"/>
+          </p:nvPr>
+        </p:nvSpPr>
+        <p:spPr/>
+        <p:txBody>
+          <a:bodyPr/>
+          <a:lstStyle/>
+          <a:p>
+            <a:r>
+              <a:rPr lang="da-DK" dirty="0" err="1"/>
+              <a:t>Managed</a:t>
+            </a:r>
+            <a:r>
+              <a:rPr lang="da-DK" dirty="0"/>
+              <a:t> Identity overview</a:t>
+            </a:r>
+          </a:p>
+          <a:p>
+            <a:r>
+              <a:rPr lang="da-DK" dirty="0"/>
+              <a:t>Sample </a:t>
+            </a:r>
+            <a:r>
+              <a:rPr lang="da-DK" dirty="0" err="1"/>
+              <a:t>deployment</a:t>
+            </a:r>
+            <a:r>
+              <a:rPr lang="da-DK" dirty="0"/>
+              <a:t> – </a:t>
+            </a:r>
+            <a:r>
+              <a:rPr lang="da-DK" dirty="0" err="1"/>
+              <a:t>you</a:t>
+            </a:r>
+            <a:r>
+              <a:rPr lang="da-DK" dirty="0"/>
+              <a:t> </a:t>
+            </a:r>
+            <a:r>
+              <a:rPr lang="da-DK" dirty="0" err="1"/>
+              <a:t>can</a:t>
+            </a:r>
+            <a:r>
+              <a:rPr lang="da-DK" dirty="0"/>
+              <a:t> do it </a:t>
+            </a:r>
+            <a:r>
+              <a:rPr lang="da-DK" dirty="0" err="1"/>
+              <a:t>too</a:t>
+            </a:r>
+            <a:r>
+              <a:rPr lang="da-DK" dirty="0"/>
+              <a:t>!</a:t>
+            </a:r>
+          </a:p>
+          <a:p>
+            <a:r>
+              <a:rPr lang="da-DK" dirty="0"/>
+              <a:t>Look under the hood</a:t>
+            </a:r>
+          </a:p>
+          <a:p>
+            <a:endParaRPr lang="da-DK" dirty="0"/>
+          </a:p>
+          <a:p>
+            <a:endParaRPr lang="da-DK" dirty="0"/>
+          </a:p>
+        </p:txBody>
+      </p:sp>
+    </p:spTree>
+    <p:extLst>
+      <p:ext uri="{BB962C8B-B14F-4D97-AF65-F5344CB8AC3E}">
+        <p14:creationId xmlns:p14="http://schemas.microsoft.com/office/powerpoint/2010/main" val="3044412914"/>
+      </p:ext>
+    </p:extLst>
+  </p:cSld>
+  <p:clrMapOvr>
+    <a:masterClrMapping/>
+  </p:clrMapOvr>
+</p:sld>
+</file>
+
+<file path=ppt/slides/slide4.xml><?xml version="1.0" encoding="utf-8"?>
+<p:sld xmlns:a="http://schemas.openxmlformats.org/drawingml/2006/main" xmlns:r="http://schemas.openxmlformats.org/officeDocument/2006/relationships" xmlns:p="http://schemas.openxmlformats.org/presentationml/2006/main">
+  <p:cSld>
+    <p:spTree>
+      <p:nvGrpSpPr>
+        <p:cNvPr id="1" name=""/>
+        <p:cNvGrpSpPr/>
+        <p:nvPr/>
+      </p:nvGrpSpPr>
+      <p:grpSpPr>
+        <a:xfrm>
+          <a:off x="0" y="0"/>
+          <a:ext cx="0" cy="0"/>
+          <a:chOff x="0" y="0"/>
+          <a:chExt cx="0" cy="0"/>
+        </a:xfrm>
+      </p:grpSpPr>
+      <p:sp>
+        <p:nvSpPr>
+          <p:cNvPr id="2" name="Title 1">
+            <a:extLst>
+              <a:ext uri="{FF2B5EF4-FFF2-40B4-BE49-F238E27FC236}">
+                <a16:creationId xmlns:a16="http://schemas.microsoft.com/office/drawing/2014/main" id="{EFC8247B-B4DA-1EBD-7F84-A21F082A52B4}"/>
+              </a:ext>
+            </a:extLst>
+          </p:cNvPr>
+          <p:cNvSpPr>
+            <a:spLocks noGrp="1"/>
+          </p:cNvSpPr>
+          <p:nvPr>
+            <p:ph type="title"/>
+          </p:nvPr>
+        </p:nvSpPr>
+        <p:spPr/>
+        <p:txBody>
+          <a:bodyPr/>
+          <a:lstStyle/>
+          <a:p>
+            <a:r>
+              <a:rPr lang="da-DK" dirty="0" err="1"/>
+              <a:t>What</a:t>
+            </a:r>
+            <a:r>
+              <a:rPr lang="da-DK" dirty="0"/>
+              <a:t> is </a:t>
+            </a:r>
+            <a:r>
+              <a:rPr lang="da-DK" dirty="0" err="1"/>
+              <a:t>Managed</a:t>
+            </a:r>
+            <a:r>
+              <a:rPr lang="da-DK" dirty="0"/>
+              <a:t> Identity (</a:t>
+            </a:r>
+            <a:r>
+              <a:rPr lang="da-DK" dirty="0" err="1"/>
+              <a:t>formerly</a:t>
+            </a:r>
+            <a:r>
+              <a:rPr lang="da-DK" dirty="0"/>
+              <a:t> MSI)</a:t>
+            </a:r>
+          </a:p>
+        </p:txBody>
+      </p:sp>
+      <p:sp>
+        <p:nvSpPr>
+          <p:cNvPr id="3" name="Content Placeholder 2">
+            <a:extLst>
+              <a:ext uri="{FF2B5EF4-FFF2-40B4-BE49-F238E27FC236}">
+                <a16:creationId xmlns:a16="http://schemas.microsoft.com/office/drawing/2014/main" id="{6B7C228D-E1C9-CDE1-8652-EB63C4DE0F96}"/>
+              </a:ext>
+            </a:extLst>
+          </p:cNvPr>
+          <p:cNvSpPr>
+            <a:spLocks noGrp="1"/>
+          </p:cNvSpPr>
+          <p:nvPr>
+            <p:ph idx="1"/>
+          </p:nvPr>
+        </p:nvSpPr>
+        <p:spPr/>
+        <p:txBody>
+          <a:bodyPr/>
+          <a:lstStyle/>
+          <a:p>
+            <a:r>
+              <a:rPr lang="en-US" dirty="0"/>
+              <a:t>Managed Identities is a feature of Azure AD which automatically creates a service principal that is tied to the Azure service itself (or associated with)</a:t>
+            </a:r>
+          </a:p>
+          <a:p>
+            <a:r>
+              <a:rPr lang="en-US" dirty="0"/>
+              <a:t>Applications hosted on those services can generate tokens using this identity without a need to provide any credentials.</a:t>
+            </a:r>
+          </a:p>
+          <a:p>
+            <a:r>
+              <a:rPr lang="en-US" dirty="0"/>
+              <a:t>It is secure because only applications hosted on that service which has an associated managed identity enabled will be able to generate tokens</a:t>
+            </a:r>
+          </a:p>
+          <a:p>
+            <a:r>
+              <a:rPr lang="en-US" dirty="0"/>
+              <a:t>Allows centralized control of lifecycle and permissions, incl. revocation/disabling</a:t>
+            </a:r>
+            <a:endParaRPr lang="da-DK" dirty="0"/>
+          </a:p>
+        </p:txBody>
+      </p:sp>
+    </p:spTree>
+    <p:extLst>
+      <p:ext uri="{BB962C8B-B14F-4D97-AF65-F5344CB8AC3E}">
+        <p14:creationId xmlns:p14="http://schemas.microsoft.com/office/powerpoint/2010/main" val="3512933769"/>
+      </p:ext>
+    </p:extLst>
+  </p:cSld>
+  <p:clrMapOvr>
+    <a:masterClrMapping/>
+  </p:clrMapOvr>
+</p:sld>
+</file>
+
+<file path=ppt/slides/slide5.xml><?xml version="1.0" encoding="utf-8"?>
+<p:sld xmlns:a="http://schemas.openxmlformats.org/drawingml/2006/main" xmlns:r="http://schemas.openxmlformats.org/officeDocument/2006/relationships" xmlns:p="http://schemas.openxmlformats.org/presentationml/2006/main">
+  <p:cSld>
+    <p:bg>
+      <p:bgPr>
+        <a:solidFill>
+          <a:schemeClr val="bg1"/>
+        </a:solidFill>
+        <a:effectLst/>
+      </p:bgPr>
+    </p:bg>
+    <p:spTree>
+      <p:nvGrpSpPr>
+        <p:cNvPr id="1" name=""/>
+        <p:cNvGrpSpPr/>
+        <p:nvPr/>
+      </p:nvGrpSpPr>
+      <p:grpSpPr>
+        <a:xfrm>
+          <a:off x="0" y="0"/>
+          <a:ext cx="0" cy="0"/>
+          <a:chOff x="0" y="0"/>
+          <a:chExt cx="0" cy="0"/>
+        </a:xfrm>
+      </p:grpSpPr>
+      <p:pic>
+        <p:nvPicPr>
+          <p:cNvPr id="1026" name="Picture 2">
+            <a:extLst>
+              <a:ext uri="{FF2B5EF4-FFF2-40B4-BE49-F238E27FC236}">
+                <a16:creationId xmlns:a16="http://schemas.microsoft.com/office/drawing/2014/main" id="{2F36CD15-9293-B1CC-4EF2-8F33ED6A413C}"/>
+              </a:ext>
+            </a:extLst>
+          </p:cNvPr>
+          <p:cNvPicPr>
+            <a:picLocks noGrp="1" noChangeAspect="1" noChangeArrowheads="1"/>
+          </p:cNvPicPr>
+          <p:nvPr>
+            <p:ph idx="1"/>
+          </p:nvPr>
+        </p:nvPicPr>
+        <p:blipFill>
+          <a:blip r:embed="rId2">
+            <a:extLst>
+              <a:ext uri="{28A0092B-C50C-407E-A947-70E740481C1C}">
+                <a14:useLocalDpi xmlns:a14="http://schemas.microsoft.com/office/drawing/2010/main" val="0"/>
+              </a:ext>
+            </a:extLst>
+          </a:blip>
+          <a:stretch>
+            <a:fillRect/>
+          </a:stretch>
+        </p:blipFill>
+        <p:spPr bwMode="auto">
+          <a:xfrm>
+            <a:off x="643467" y="723144"/>
+            <a:ext cx="10905066" cy="5411710"/>
+          </a:xfrm>
+          <a:prstGeom prst="rect">
+            <a:avLst/>
+          </a:prstGeom>
+          <a:noFill/>
+          <a:extLst>
+            <a:ext uri="{909E8E84-426E-40DD-AFC4-6F175D3DCCD1}">
+              <a14:hiddenFill xmlns:a14="http://schemas.microsoft.com/office/drawing/2010/main">
+                <a:solidFill>
+                  <a:srgbClr val="FFFFFF"/>
+                </a:solidFill>
+              </a14:hiddenFill>
+            </a:ext>
+          </a:extLst>
+        </p:spPr>
+      </p:pic>
+    </p:spTree>
+    <p:extLst>
+      <p:ext uri="{BB962C8B-B14F-4D97-AF65-F5344CB8AC3E}">
+        <p14:creationId xmlns:p14="http://schemas.microsoft.com/office/powerpoint/2010/main" val="3157443795"/>
+      </p:ext>
+    </p:extLst>
+  </p:cSld>
+  <p:clrMapOvr>
+    <a:masterClrMapping/>
+  </p:clrMapOvr>
+</p:sld>
+</file>
+
+<file path=ppt/slides/slide6.xml><?xml version="1.0" encoding="utf-8"?>
+<p:sld xmlns:a="http://schemas.openxmlformats.org/drawingml/2006/main" xmlns:r="http://schemas.openxmlformats.org/officeDocument/2006/relationships" xmlns:p="http://schemas.openxmlformats.org/presentationml/2006/main">
+  <p:cSld>
+    <p:spTree>
+      <p:nvGrpSpPr>
+        <p:cNvPr id="1" name=""/>
+        <p:cNvGrpSpPr/>
+        <p:nvPr/>
+      </p:nvGrpSpPr>
+      <p:grpSpPr>
+        <a:xfrm>
+          <a:off x="0" y="0"/>
+          <a:ext cx="0" cy="0"/>
+          <a:chOff x="0" y="0"/>
+          <a:chExt cx="0" cy="0"/>
+        </a:xfrm>
+      </p:grpSpPr>
+      <p:sp>
+        <p:nvSpPr>
+          <p:cNvPr id="2" name="Title 1">
+            <a:extLst>
+              <a:ext uri="{FF2B5EF4-FFF2-40B4-BE49-F238E27FC236}">
+                <a16:creationId xmlns:a16="http://schemas.microsoft.com/office/drawing/2014/main" id="{E606558A-5AAE-EA26-5C47-8E469F33D766}"/>
+              </a:ext>
+            </a:extLst>
+          </p:cNvPr>
+          <p:cNvSpPr>
+            <a:spLocks noGrp="1"/>
+          </p:cNvSpPr>
+          <p:nvPr>
+            <p:ph type="title"/>
+          </p:nvPr>
+        </p:nvSpPr>
+        <p:spPr/>
+        <p:txBody>
+          <a:bodyPr/>
+          <a:lstStyle/>
+          <a:p>
+            <a:r>
+              <a:rPr lang="da-DK" dirty="0" err="1"/>
+              <a:t>Managed</a:t>
+            </a:r>
+            <a:r>
+              <a:rPr lang="da-DK" dirty="0"/>
+              <a:t> Identity types</a:t>
+            </a:r>
+          </a:p>
+        </p:txBody>
+      </p:sp>
+      <p:sp>
+        <p:nvSpPr>
+          <p:cNvPr id="3" name="Content Placeholder 2">
+            <a:extLst>
+              <a:ext uri="{FF2B5EF4-FFF2-40B4-BE49-F238E27FC236}">
+                <a16:creationId xmlns:a16="http://schemas.microsoft.com/office/drawing/2014/main" id="{6EC52D89-242C-86CC-D05F-C85F276E50B6}"/>
+              </a:ext>
+            </a:extLst>
+          </p:cNvPr>
+          <p:cNvSpPr>
+            <a:spLocks noGrp="1"/>
+          </p:cNvSpPr>
+          <p:nvPr>
+            <p:ph idx="1"/>
+          </p:nvPr>
+        </p:nvSpPr>
+        <p:spPr/>
+        <p:txBody>
+          <a:bodyPr/>
+          <a:lstStyle/>
+          <a:p>
+            <a:r>
+              <a:rPr lang="da-DK" dirty="0"/>
+              <a:t>System </a:t>
+            </a:r>
+            <a:r>
+              <a:rPr lang="da-DK" dirty="0" err="1"/>
+              <a:t>assigned</a:t>
+            </a:r>
+            <a:r>
+              <a:rPr lang="da-DK" dirty="0"/>
+              <a:t>: </a:t>
+            </a:r>
+            <a:r>
+              <a:rPr lang="da-DK" dirty="0" err="1"/>
+              <a:t>Lifecycle</a:t>
+            </a:r>
+            <a:r>
+              <a:rPr lang="da-DK" dirty="0"/>
+              <a:t> same a </a:t>
+            </a:r>
+            <a:r>
+              <a:rPr lang="da-DK" dirty="0" err="1"/>
+              <a:t>associated</a:t>
+            </a:r>
+            <a:r>
+              <a:rPr lang="da-DK" dirty="0"/>
+              <a:t> ressource</a:t>
+            </a:r>
+          </a:p>
+          <a:p>
+            <a:r>
+              <a:rPr lang="da-DK" dirty="0"/>
+              <a:t>User </a:t>
+            </a:r>
+            <a:r>
+              <a:rPr lang="da-DK" dirty="0" err="1"/>
+              <a:t>assigned</a:t>
+            </a:r>
+            <a:r>
+              <a:rPr lang="da-DK" dirty="0"/>
+              <a:t>: </a:t>
+            </a:r>
+            <a:r>
+              <a:rPr lang="da-DK" dirty="0" err="1"/>
+              <a:t>Standalone</a:t>
+            </a:r>
+            <a:r>
+              <a:rPr lang="da-DK" dirty="0"/>
+              <a:t> ressource </a:t>
+            </a:r>
+            <a:r>
+              <a:rPr lang="da-DK" dirty="0" err="1"/>
+              <a:t>that</a:t>
+            </a:r>
+            <a:r>
+              <a:rPr lang="da-DK" dirty="0"/>
+              <a:t> </a:t>
+            </a:r>
+            <a:r>
+              <a:rPr lang="da-DK" dirty="0" err="1"/>
+              <a:t>can</a:t>
+            </a:r>
+            <a:r>
+              <a:rPr lang="da-DK" dirty="0"/>
+              <a:t> </a:t>
+            </a:r>
+            <a:r>
+              <a:rPr lang="da-DK" dirty="0" err="1"/>
+              <a:t>be</a:t>
+            </a:r>
+            <a:r>
+              <a:rPr lang="da-DK" dirty="0"/>
+              <a:t> </a:t>
+            </a:r>
+            <a:r>
+              <a:rPr lang="da-DK" dirty="0" err="1"/>
+              <a:t>assoicated</a:t>
+            </a:r>
+            <a:r>
+              <a:rPr lang="da-DK" dirty="0"/>
+              <a:t> with multiple </a:t>
+            </a:r>
+            <a:r>
+              <a:rPr lang="da-DK" dirty="0" err="1"/>
+              <a:t>compute</a:t>
+            </a:r>
+            <a:r>
+              <a:rPr lang="da-DK" dirty="0"/>
+              <a:t> services</a:t>
+            </a:r>
+          </a:p>
+          <a:p>
+            <a:r>
+              <a:rPr lang="da-DK" dirty="0"/>
+              <a:t>Issue with (</a:t>
+            </a:r>
+            <a:r>
+              <a:rPr lang="da-DK" dirty="0" err="1"/>
+              <a:t>accidential</a:t>
+            </a:r>
+            <a:r>
+              <a:rPr lang="da-DK" dirty="0"/>
+              <a:t>) deletion of </a:t>
+            </a:r>
+            <a:r>
+              <a:rPr lang="da-DK" dirty="0" err="1"/>
+              <a:t>managed</a:t>
+            </a:r>
+            <a:r>
+              <a:rPr lang="da-DK" dirty="0"/>
+              <a:t> </a:t>
+            </a:r>
+            <a:r>
+              <a:rPr lang="da-DK" dirty="0" err="1"/>
+              <a:t>identities</a:t>
+            </a:r>
+            <a:endParaRPr lang="da-DK" dirty="0"/>
+          </a:p>
+          <a:p>
+            <a:r>
+              <a:rPr lang="da-DK" dirty="0" err="1"/>
+              <a:t>Use</a:t>
+            </a:r>
+            <a:r>
+              <a:rPr lang="da-DK" dirty="0"/>
+              <a:t> Locks – Microsoft is </a:t>
+            </a:r>
+            <a:r>
+              <a:rPr lang="da-DK" dirty="0" err="1"/>
+              <a:t>improving</a:t>
+            </a:r>
+            <a:r>
+              <a:rPr lang="da-DK" dirty="0"/>
+              <a:t> </a:t>
+            </a:r>
+            <a:r>
+              <a:rPr lang="da-DK"/>
+              <a:t>this</a:t>
+            </a:r>
+            <a:endParaRPr lang="da-DK" dirty="0"/>
+          </a:p>
+        </p:txBody>
+      </p:sp>
+    </p:spTree>
+    <p:extLst>
+      <p:ext uri="{BB962C8B-B14F-4D97-AF65-F5344CB8AC3E}">
+        <p14:creationId xmlns:p14="http://schemas.microsoft.com/office/powerpoint/2010/main" val="98024007"/>
+      </p:ext>
+    </p:extLst>
+  </p:cSld>
+  <p:clrMapOvr>
+    <a:masterClrMapping/>
+  </p:clrMapOvr>
+</p:sld>
+</file>
+
+<file path=ppt/slides/slide7.xml><?xml version="1.0" encoding="utf-8"?>
+<p:sld xmlns:a="http://schemas.openxmlformats.org/drawingml/2006/main" xmlns:r="http://schemas.openxmlformats.org/officeDocument/2006/relationships" xmlns:p="http://schemas.openxmlformats.org/presentationml/2006/main">
+  <p:cSld>
+    <p:bg>
+      <p:bgPr>
+        <a:solidFill>
+          <a:schemeClr val="bg1"/>
+        </a:solidFill>
+        <a:effectLst/>
+      </p:bgPr>
+    </p:bg>
+    <p:spTree>
+      <p:nvGrpSpPr>
+        <p:cNvPr id="1" name=""/>
+        <p:cNvGrpSpPr/>
+        <p:nvPr/>
+      </p:nvGrpSpPr>
+      <p:grpSpPr>
+        <a:xfrm>
+          <a:off x="0" y="0"/>
+          <a:ext cx="0" cy="0"/>
+          <a:chOff x="0" y="0"/>
+          <a:chExt cx="0" cy="0"/>
+        </a:xfrm>
+      </p:grpSpPr>
+      <p:sp>
+        <p:nvSpPr>
+          <p:cNvPr id="2" name="Title 1">
+            <a:extLst>
+              <a:ext uri="{FF2B5EF4-FFF2-40B4-BE49-F238E27FC236}">
+                <a16:creationId xmlns:a16="http://schemas.microsoft.com/office/drawing/2014/main" id="{65EAB350-06DA-458E-269B-8A2DC05772C2}"/>
+              </a:ext>
+            </a:extLst>
+          </p:cNvPr>
+          <p:cNvSpPr>
+            <a:spLocks noGrp="1"/>
+          </p:cNvSpPr>
+          <p:nvPr>
+            <p:ph type="title"/>
+          </p:nvPr>
+        </p:nvSpPr>
+        <p:spPr>
+          <a:xfrm>
+            <a:off x="838199" y="291090"/>
+            <a:ext cx="10515599" cy="932688"/>
+          </a:xfrm>
+        </p:spPr>
+        <p:txBody>
+          <a:bodyPr vert="horz" lIns="91440" tIns="45720" rIns="91440" bIns="45720" rtlCol="0" anchor="b">
+            <a:normAutofit/>
+          </a:bodyPr>
+          <a:lstStyle/>
+          <a:p>
+            <a:pPr algn="ctr"/>
+            <a:r>
+              <a:rPr lang="en-US" sz="5400" kern="1200">
+                <a:solidFill>
+                  <a:schemeClr val="tx1"/>
+                </a:solidFill>
+                <a:latin typeface="+mj-lt"/>
+                <a:ea typeface="+mj-ea"/>
+                <a:cs typeface="+mj-cs"/>
+              </a:rPr>
+              <a:t>Sample deployment</a:t>
+            </a:r>
+          </a:p>
+        </p:txBody>
+      </p:sp>
+      <p:pic>
+        <p:nvPicPr>
+          <p:cNvPr id="5" name="Content Placeholder 4" descr="Diagram&#10;&#10;Description automatically generated">
+            <a:extLst>
+              <a:ext uri="{FF2B5EF4-FFF2-40B4-BE49-F238E27FC236}">
+                <a16:creationId xmlns:a16="http://schemas.microsoft.com/office/drawing/2014/main" id="{0FB0C361-D7EE-28CB-5910-5597936BBC47}"/>
+              </a:ext>
+            </a:extLst>
+          </p:cNvPr>
+          <p:cNvPicPr>
+            <a:picLocks noGrp="1" noChangeAspect="1"/>
+          </p:cNvPicPr>
+          <p:nvPr>
+            <p:ph idx="1"/>
+          </p:nvPr>
+        </p:nvPicPr>
+        <p:blipFill>
+          <a:blip r:embed="rId2"/>
+          <a:stretch>
+            <a:fillRect/>
+          </a:stretch>
+        </p:blipFill>
+        <p:spPr>
+          <a:xfrm>
+            <a:off x="838200" y="2125644"/>
+            <a:ext cx="10515599" cy="3917060"/>
+          </a:xfrm>
+          <a:prstGeom prst="rect">
+            <a:avLst/>
+          </a:prstGeom>
+        </p:spPr>
+      </p:pic>
+    </p:spTree>
+    <p:extLst>
+      <p:ext uri="{BB962C8B-B14F-4D97-AF65-F5344CB8AC3E}">
+        <p14:creationId xmlns:p14="http://schemas.microsoft.com/office/powerpoint/2010/main" val="764537341"/>
+      </p:ext>
+    </p:extLst>
+  </p:cSld>
+  <p:clrMapOvr>
+    <a:masterClrMapping/>
+  </p:clrMapOvr>
+</p:sld>
+</file>
+
+<file path=ppt/slides/slide8.xml><?xml version="1.0" encoding="utf-8"?>
+<p:sld xmlns:a="http://schemas.openxmlformats.org/drawingml/2006/main" xmlns:r="http://schemas.openxmlformats.org/officeDocument/2006/relationships" xmlns:p="http://schemas.openxmlformats.org/presentationml/2006/main">
+  <p:cSld>
+    <p:spTree>
+      <p:nvGrpSpPr>
+        <p:cNvPr id="1" name=""/>
+        <p:cNvGrpSpPr/>
+        <p:nvPr/>
+      </p:nvGrpSpPr>
+      <p:grpSpPr>
+        <a:xfrm>
+          <a:off x="0" y="0"/>
+          <a:ext cx="0" cy="0"/>
+          <a:chOff x="0" y="0"/>
+          <a:chExt cx="0" cy="0"/>
+        </a:xfrm>
+      </p:grpSpPr>
+      <p:sp>
+        <p:nvSpPr>
+          <p:cNvPr id="2" name="Title 1">
+            <a:extLst>
+              <a:ext uri="{FF2B5EF4-FFF2-40B4-BE49-F238E27FC236}">
+                <a16:creationId xmlns:a16="http://schemas.microsoft.com/office/drawing/2014/main" id="{01327C8D-D8DB-6708-B3BD-93A8F47EA5FB}"/>
+              </a:ext>
+            </a:extLst>
+          </p:cNvPr>
+          <p:cNvSpPr>
+            <a:spLocks noGrp="1"/>
+          </p:cNvSpPr>
+          <p:nvPr>
+            <p:ph type="title"/>
+          </p:nvPr>
+        </p:nvSpPr>
+        <p:spPr/>
+        <p:txBody>
+          <a:bodyPr/>
+          <a:lstStyle/>
+          <a:p>
+            <a:r>
+              <a:rPr lang="da-DK" dirty="0"/>
+              <a:t>Deployment parts</a:t>
+            </a:r>
+          </a:p>
+        </p:txBody>
+      </p:sp>
+      <p:sp>
+        <p:nvSpPr>
+          <p:cNvPr id="3" name="Content Placeholder 2">
+            <a:extLst>
+              <a:ext uri="{FF2B5EF4-FFF2-40B4-BE49-F238E27FC236}">
+                <a16:creationId xmlns:a16="http://schemas.microsoft.com/office/drawing/2014/main" id="{000342E8-A2A2-FBD5-FA76-C17FB3DD7561}"/>
+              </a:ext>
+            </a:extLst>
+          </p:cNvPr>
+          <p:cNvSpPr>
+            <a:spLocks noGrp="1"/>
+          </p:cNvSpPr>
+          <p:nvPr>
+            <p:ph idx="1"/>
+          </p:nvPr>
+        </p:nvSpPr>
+        <p:spPr/>
+        <p:txBody>
+          <a:bodyPr/>
+          <a:lstStyle/>
+          <a:p>
+            <a:r>
+              <a:rPr lang="da-DK" dirty="0" err="1"/>
+              <a:t>Goal</a:t>
+            </a:r>
+            <a:r>
+              <a:rPr lang="da-DK" dirty="0"/>
+              <a:t>: Provide a web app with </a:t>
+            </a:r>
+            <a:r>
+              <a:rPr lang="da-DK" dirty="0" err="1"/>
+              <a:t>passwordless</a:t>
+            </a:r>
+            <a:r>
+              <a:rPr lang="da-DK" dirty="0"/>
+              <a:t> </a:t>
+            </a:r>
+            <a:r>
+              <a:rPr lang="da-DK" dirty="0" err="1"/>
+              <a:t>access</a:t>
+            </a:r>
+            <a:r>
+              <a:rPr lang="da-DK" dirty="0"/>
+              <a:t> to a </a:t>
+            </a:r>
+            <a:r>
+              <a:rPr lang="da-DK" dirty="0" err="1"/>
+              <a:t>Azure</a:t>
+            </a:r>
+            <a:r>
+              <a:rPr lang="da-DK" dirty="0"/>
+              <a:t> SQL DB</a:t>
+            </a:r>
+          </a:p>
+          <a:p>
+            <a:pPr marL="0" indent="0">
+              <a:buNone/>
+            </a:pPr>
+            <a:endParaRPr lang="da-DK" dirty="0"/>
+          </a:p>
+          <a:p>
+            <a:r>
+              <a:rPr lang="da-DK" dirty="0"/>
+              <a:t>Design </a:t>
+            </a:r>
+            <a:r>
+              <a:rPr lang="da-DK" dirty="0" err="1"/>
+              <a:t>goals</a:t>
+            </a:r>
+            <a:r>
+              <a:rPr lang="da-DK" dirty="0"/>
+              <a:t>: Minimal </a:t>
+            </a:r>
+            <a:r>
+              <a:rPr lang="da-DK" dirty="0" err="1"/>
+              <a:t>amount</a:t>
+            </a:r>
+            <a:r>
+              <a:rPr lang="da-DK" dirty="0"/>
+              <a:t> of ”</a:t>
+            </a:r>
+            <a:r>
+              <a:rPr lang="da-DK" dirty="0" err="1"/>
+              <a:t>code</a:t>
+            </a:r>
+            <a:r>
+              <a:rPr lang="da-DK" dirty="0"/>
+              <a:t>”</a:t>
+            </a:r>
+          </a:p>
+          <a:p>
+            <a:pPr lvl="1"/>
+            <a:r>
+              <a:rPr lang="da-DK" dirty="0" err="1"/>
+              <a:t>Infrastructure</a:t>
+            </a:r>
+            <a:r>
+              <a:rPr lang="da-DK" dirty="0"/>
+              <a:t> - .</a:t>
+            </a:r>
+            <a:r>
+              <a:rPr lang="da-DK" dirty="0" err="1"/>
+              <a:t>bicep</a:t>
+            </a:r>
+            <a:r>
+              <a:rPr lang="da-DK" dirty="0"/>
+              <a:t> (ARM)</a:t>
+            </a:r>
+          </a:p>
+          <a:p>
+            <a:pPr lvl="1"/>
+            <a:r>
+              <a:rPr lang="da-DK" dirty="0"/>
+              <a:t>App - .NET 6 minimal Web API </a:t>
+            </a:r>
+            <a:r>
+              <a:rPr lang="da-DK" dirty="0" err="1"/>
+              <a:t>published</a:t>
+            </a:r>
+            <a:r>
+              <a:rPr lang="da-DK" dirty="0"/>
+              <a:t> to Web App</a:t>
+            </a:r>
+          </a:p>
+          <a:p>
+            <a:pPr lvl="1"/>
+            <a:r>
+              <a:rPr lang="da-DK" dirty="0"/>
+              <a:t>Configuration (PS Core) (</a:t>
+            </a:r>
+            <a:r>
+              <a:rPr lang="da-DK" dirty="0" err="1"/>
+              <a:t>solving</a:t>
+            </a:r>
+            <a:r>
+              <a:rPr lang="da-DK" dirty="0"/>
+              <a:t> issue with </a:t>
+            </a:r>
+            <a:r>
+              <a:rPr lang="da-DK" dirty="0" err="1"/>
+              <a:t>limited</a:t>
+            </a:r>
+            <a:r>
+              <a:rPr lang="da-DK" dirty="0"/>
+              <a:t> AAD </a:t>
+            </a:r>
+            <a:r>
+              <a:rPr lang="da-DK" dirty="0" err="1"/>
+              <a:t>rights</a:t>
+            </a:r>
+            <a:r>
+              <a:rPr lang="da-DK" dirty="0"/>
+              <a:t>)</a:t>
+            </a:r>
+          </a:p>
+          <a:p>
+            <a:endParaRPr lang="da-DK" dirty="0"/>
+          </a:p>
+        </p:txBody>
+      </p:sp>
+    </p:spTree>
+    <p:extLst>
+      <p:ext uri="{BB962C8B-B14F-4D97-AF65-F5344CB8AC3E}">
+        <p14:creationId xmlns:p14="http://schemas.microsoft.com/office/powerpoint/2010/main" val="2509243018"/>
+      </p:ext>
+    </p:extLst>
+  </p:cSld>
+  <p:clrMapOvr>
+    <a:masterClrMapping/>
+  </p:clrMapOvr>
+</p:sld>
+</file>
+
+<file path=ppt/slides/slide9.xml><?xml version="1.0" encoding="utf-8"?>
+<p:sld xmlns:a="http://schemas.openxmlformats.org/drawingml/2006/main" xmlns:r="http://schemas.openxmlformats.org/officeDocument/2006/relationships" xmlns:p="http://schemas.openxmlformats.org/presentationml/2006/main">
+  <p:cSld>
+    <p:spTree>
+      <p:nvGrpSpPr>
+        <p:cNvPr id="1" name=""/>
+        <p:cNvGrpSpPr/>
+        <p:nvPr/>
+      </p:nvGrpSpPr>
+      <p:grpSpPr>
+        <a:xfrm>
+          <a:off x="0" y="0"/>
+          <a:ext cx="0" cy="0"/>
+          <a:chOff x="0" y="0"/>
+          <a:chExt cx="0" cy="0"/>
+        </a:xfrm>
+      </p:grpSpPr>
+      <p:sp>
+        <p:nvSpPr>
+          <p:cNvPr id="2" name="Title 1">
+            <a:extLst>
+              <a:ext uri="{FF2B5EF4-FFF2-40B4-BE49-F238E27FC236}">
+                <a16:creationId xmlns:a16="http://schemas.microsoft.com/office/drawing/2014/main" id="{ADBCAF20-CC7C-8306-4456-AE8013C00B18}"/>
+              </a:ext>
+            </a:extLst>
+          </p:cNvPr>
+          <p:cNvSpPr>
+            <a:spLocks noGrp="1"/>
+          </p:cNvSpPr>
+          <p:nvPr>
+            <p:ph type="title"/>
+          </p:nvPr>
+        </p:nvSpPr>
+        <p:spPr/>
+        <p:txBody>
+          <a:bodyPr/>
+          <a:lstStyle/>
+          <a:p>
+            <a:r>
+              <a:rPr lang="da-DK" dirty="0" err="1"/>
+              <a:t>Preparations</a:t>
+            </a:r>
+            <a:endParaRPr lang="da-DK" dirty="0"/>
+          </a:p>
+        </p:txBody>
+      </p:sp>
+      <p:sp>
+        <p:nvSpPr>
+          <p:cNvPr id="3" name="Content Placeholder 2">
+            <a:extLst>
+              <a:ext uri="{FF2B5EF4-FFF2-40B4-BE49-F238E27FC236}">
+                <a16:creationId xmlns:a16="http://schemas.microsoft.com/office/drawing/2014/main" id="{20F260CC-5C1F-2005-D3FC-BD04D82B794B}"/>
+              </a:ext>
+            </a:extLst>
+          </p:cNvPr>
+          <p:cNvSpPr>
+            <a:spLocks noGrp="1"/>
+          </p:cNvSpPr>
+          <p:nvPr>
+            <p:ph idx="1"/>
+          </p:nvPr>
+        </p:nvSpPr>
+        <p:spPr>
+          <a:xfrm>
+            <a:off x="461394" y="1825625"/>
+            <a:ext cx="10892406" cy="4351338"/>
+          </a:xfrm>
+        </p:spPr>
+        <p:txBody>
+          <a:bodyPr>
+            <a:normAutofit/>
+          </a:bodyPr>
+          <a:lstStyle/>
+          <a:p>
+            <a:pPr marL="0" indent="0">
+              <a:buNone/>
+            </a:pPr>
+            <a:r>
+              <a:rPr lang="en-US" sz="3600" kern="100" dirty="0" err="1">
+                <a:solidFill>
+                  <a:srgbClr val="161616"/>
+                </a:solidFill>
+                <a:effectLst/>
+                <a:highlight>
+                  <a:srgbClr val="F2F2F2"/>
+                </a:highlight>
+                <a:latin typeface="Consolas" panose="020B0609020204030204" pitchFamily="49" charset="0"/>
+                <a:ea typeface="Calibri" panose="020F0502020204030204" pitchFamily="34" charset="0"/>
+                <a:cs typeface="Times New Roman" panose="02020603050405020304" pitchFamily="18" charset="0"/>
+              </a:rPr>
+              <a:t>winget</a:t>
+            </a:r>
+            <a:r>
+              <a:rPr lang="en-US" sz="3600" kern="100" dirty="0">
+                <a:solidFill>
+                  <a:srgbClr val="161616"/>
+                </a:solidFill>
+                <a:effectLst/>
+                <a:highlight>
+                  <a:srgbClr val="F2F2F2"/>
+                </a:highlight>
+                <a:latin typeface="Consolas" panose="020B0609020204030204" pitchFamily="49" charset="0"/>
+                <a:ea typeface="Calibri" panose="020F0502020204030204" pitchFamily="34" charset="0"/>
+                <a:cs typeface="Times New Roman" panose="02020603050405020304" pitchFamily="18" charset="0"/>
+              </a:rPr>
+              <a:t> install</a:t>
+            </a:r>
+            <a:r>
+              <a:rPr lang="en-US" sz="3600" kern="100" dirty="0">
+                <a:solidFill>
+                  <a:srgbClr val="006881"/>
+                </a:solidFill>
+                <a:effectLst/>
+                <a:highlight>
+                  <a:srgbClr val="F2F2F2"/>
+                </a:highlight>
+                <a:latin typeface="Consolas" panose="020B0609020204030204" pitchFamily="49" charset="0"/>
+                <a:ea typeface="Calibri" panose="020F0502020204030204" pitchFamily="34" charset="0"/>
+                <a:cs typeface="Times New Roman" panose="02020603050405020304" pitchFamily="18" charset="0"/>
+              </a:rPr>
+              <a:t> -e --id</a:t>
+            </a:r>
+            <a:r>
+              <a:rPr lang="en-US" sz="3600" kern="100" dirty="0">
+                <a:solidFill>
+                  <a:srgbClr val="161616"/>
+                </a:solidFill>
+                <a:effectLst/>
+                <a:highlight>
+                  <a:srgbClr val="F2F2F2"/>
+                </a:highlight>
+                <a:latin typeface="Consolas" panose="020B0609020204030204" pitchFamily="49" charset="0"/>
+                <a:ea typeface="Calibri" panose="020F0502020204030204" pitchFamily="34" charset="0"/>
+                <a:cs typeface="Times New Roman" panose="02020603050405020304" pitchFamily="18" charset="0"/>
+              </a:rPr>
+              <a:t> </a:t>
+            </a:r>
+            <a:r>
+              <a:rPr lang="en-US" sz="3600" kern="100" dirty="0" err="1">
+                <a:solidFill>
+                  <a:srgbClr val="161616"/>
+                </a:solidFill>
+                <a:effectLst/>
+                <a:highlight>
+                  <a:srgbClr val="F2F2F2"/>
+                </a:highlight>
+                <a:latin typeface="Consolas" panose="020B0609020204030204" pitchFamily="49" charset="0"/>
+                <a:ea typeface="Calibri" panose="020F0502020204030204" pitchFamily="34" charset="0"/>
+                <a:cs typeface="Times New Roman" panose="02020603050405020304" pitchFamily="18" charset="0"/>
+              </a:rPr>
+              <a:t>Microsoft.Bicep</a:t>
+            </a:r>
+            <a:r>
+              <a:rPr lang="en-US" sz="3600" kern="100" dirty="0">
+                <a:effectLst/>
+                <a:latin typeface="Calibri" panose="020F0502020204030204" pitchFamily="34" charset="0"/>
+                <a:ea typeface="Calibri" panose="020F0502020204030204" pitchFamily="34" charset="0"/>
+                <a:cs typeface="Times New Roman" panose="02020603050405020304" pitchFamily="18" charset="0"/>
+              </a:rPr>
+              <a:t> </a:t>
+            </a:r>
+            <a:endParaRPr lang="da-DK" sz="3600" kern="100" dirty="0">
+              <a:effectLst/>
+              <a:latin typeface="Calibri" panose="020F0502020204030204" pitchFamily="34" charset="0"/>
+              <a:ea typeface="Calibri" panose="020F0502020204030204" pitchFamily="34" charset="0"/>
+              <a:cs typeface="Times New Roman" panose="02020603050405020304" pitchFamily="18" charset="0"/>
+            </a:endParaRPr>
+          </a:p>
+          <a:p>
+            <a:pPr marL="0" indent="0">
+              <a:buNone/>
+            </a:pPr>
+            <a:r>
+              <a:rPr lang="en-US" sz="3600" kern="100" dirty="0">
+                <a:effectLst/>
+                <a:latin typeface="Calibri" panose="020F0502020204030204" pitchFamily="34" charset="0"/>
+                <a:ea typeface="Calibri" panose="020F0502020204030204" pitchFamily="34" charset="0"/>
+                <a:cs typeface="Times New Roman" panose="02020603050405020304" pitchFamily="18" charset="0"/>
+              </a:rPr>
+              <a:t>Connect-</a:t>
+            </a:r>
+            <a:r>
+              <a:rPr lang="en-US" sz="3600" kern="100" dirty="0" err="1">
+                <a:effectLst/>
+                <a:latin typeface="Calibri" panose="020F0502020204030204" pitchFamily="34" charset="0"/>
+                <a:ea typeface="Calibri" panose="020F0502020204030204" pitchFamily="34" charset="0"/>
+                <a:cs typeface="Times New Roman" panose="02020603050405020304" pitchFamily="18" charset="0"/>
+              </a:rPr>
+              <a:t>AzAccount</a:t>
+            </a:r>
+            <a:endParaRPr lang="da-DK" sz="3600" kern="100" dirty="0">
+              <a:effectLst/>
+              <a:latin typeface="Calibri" panose="020F0502020204030204" pitchFamily="34" charset="0"/>
+              <a:ea typeface="Calibri" panose="020F0502020204030204" pitchFamily="34" charset="0"/>
+              <a:cs typeface="Times New Roman" panose="02020603050405020304" pitchFamily="18" charset="0"/>
+            </a:endParaRPr>
+          </a:p>
+          <a:p>
+            <a:pPr marL="0" indent="0">
+              <a:buNone/>
+            </a:pPr>
+            <a:r>
+              <a:rPr lang="en-US" sz="3600" kern="100" dirty="0">
+                <a:effectLst/>
+                <a:latin typeface="Calibri" panose="020F0502020204030204" pitchFamily="34" charset="0"/>
+                <a:ea typeface="Calibri" panose="020F0502020204030204" pitchFamily="34" charset="0"/>
+                <a:cs typeface="Times New Roman" panose="02020603050405020304" pitchFamily="18" charset="0"/>
+              </a:rPr>
+              <a:t>Set-</a:t>
+            </a:r>
+            <a:r>
+              <a:rPr lang="en-US" sz="3600" kern="100" dirty="0" err="1">
+                <a:effectLst/>
+                <a:latin typeface="Calibri" panose="020F0502020204030204" pitchFamily="34" charset="0"/>
+                <a:ea typeface="Calibri" panose="020F0502020204030204" pitchFamily="34" charset="0"/>
+                <a:cs typeface="Times New Roman" panose="02020603050405020304" pitchFamily="18" charset="0"/>
+              </a:rPr>
+              <a:t>AzContext</a:t>
+            </a:r>
+            <a:r>
+              <a:rPr lang="en-US" sz="3600" kern="100" dirty="0">
+                <a:effectLst/>
+                <a:latin typeface="Calibri" panose="020F0502020204030204" pitchFamily="34" charset="0"/>
+                <a:ea typeface="Calibri" panose="020F0502020204030204" pitchFamily="34" charset="0"/>
+                <a:cs typeface="Times New Roman" panose="02020603050405020304" pitchFamily="18" charset="0"/>
+              </a:rPr>
+              <a:t> -Subscription ”xxx”</a:t>
+            </a:r>
+            <a:endParaRPr lang="da-DK" sz="3600" kern="100" dirty="0">
+              <a:effectLst/>
+              <a:latin typeface="Calibri" panose="020F0502020204030204" pitchFamily="34" charset="0"/>
+              <a:ea typeface="Calibri" panose="020F0502020204030204" pitchFamily="34" charset="0"/>
+              <a:cs typeface="Times New Roman" panose="02020603050405020304" pitchFamily="18" charset="0"/>
+            </a:endParaRPr>
+          </a:p>
+          <a:p>
+            <a:endParaRPr lang="da-DK" sz="3600" dirty="0"/>
+          </a:p>
+        </p:txBody>
+      </p:sp>
+    </p:spTree>
+    <p:extLst>
+      <p:ext uri="{BB962C8B-B14F-4D97-AF65-F5344CB8AC3E}">
+        <p14:creationId xmlns:p14="http://schemas.microsoft.com/office/powerpoint/2010/main" val="480076927"/>
+      </p:ext>
+    </p:extLst>
+  </p:cSld>
+  <p:clrMapOvr>
+    <a:masterClrMapping/>
+  </p:clrMapOvr>
+</p:sld>
+</file>
+
 <file path=ppt/theme/theme1.xml><?xml version="1.0" encoding="utf-8"?>
 <a:theme xmlns:a="http://schemas.openxmlformats.org/drawingml/2006/main" name="Office Theme">
   <a:themeElements>

--- a/ManagedIdentity.pptx
+++ b/ManagedIdentity.pptx
@@ -13,9 +13,11 @@
     <p:sldId id="259" r:id="rId7"/>
     <p:sldId id="260" r:id="rId8"/>
     <p:sldId id="262" r:id="rId9"/>
-    <p:sldId id="2076138469" r:id="rId10"/>
-    <p:sldId id="2076138470" r:id="rId11"/>
-    <p:sldId id="263" r:id="rId12"/>
+    <p:sldId id="2076138471" r:id="rId10"/>
+    <p:sldId id="2076138469" r:id="rId11"/>
+    <p:sldId id="2076138470" r:id="rId12"/>
+    <p:sldId id="2076138474" r:id="rId13"/>
+    <p:sldId id="2076138473" r:id="rId14"/>
   </p:sldIdLst>
   <p:sldSz cx="12192000" cy="6858000"/>
   <p:notesSz cx="6858000" cy="9144000"/>
@@ -271,7 +273,7 @@
           <a:p>
             <a:fld id="{D72136B4-92FF-4E8F-B70B-3CB00DD468A9}" type="datetimeFigureOut">
               <a:rPr lang="da-DK" smtClean="0"/>
-              <a:t>22-06-2024</a:t>
+              <a:t>25-06-2024</a:t>
             </a:fld>
             <a:endParaRPr lang="da-DK"/>
           </a:p>
@@ -471,7 +473,7 @@
           <a:p>
             <a:fld id="{D72136B4-92FF-4E8F-B70B-3CB00DD468A9}" type="datetimeFigureOut">
               <a:rPr lang="da-DK" smtClean="0"/>
-              <a:t>22-06-2024</a:t>
+              <a:t>25-06-2024</a:t>
             </a:fld>
             <a:endParaRPr lang="da-DK"/>
           </a:p>
@@ -681,7 +683,7 @@
           <a:p>
             <a:fld id="{D72136B4-92FF-4E8F-B70B-3CB00DD468A9}" type="datetimeFigureOut">
               <a:rPr lang="da-DK" smtClean="0"/>
-              <a:t>22-06-2024</a:t>
+              <a:t>25-06-2024</a:t>
             </a:fld>
             <a:endParaRPr lang="da-DK"/>
           </a:p>
@@ -1131,7 +1133,7 @@
           <a:p>
             <a:fld id="{D72136B4-92FF-4E8F-B70B-3CB00DD468A9}" type="datetimeFigureOut">
               <a:rPr lang="da-DK" smtClean="0"/>
-              <a:t>22-06-2024</a:t>
+              <a:t>25-06-2024</a:t>
             </a:fld>
             <a:endParaRPr lang="da-DK"/>
           </a:p>
@@ -1407,7 +1409,7 @@
           <a:p>
             <a:fld id="{D72136B4-92FF-4E8F-B70B-3CB00DD468A9}" type="datetimeFigureOut">
               <a:rPr lang="da-DK" smtClean="0"/>
-              <a:t>22-06-2024</a:t>
+              <a:t>25-06-2024</a:t>
             </a:fld>
             <a:endParaRPr lang="da-DK"/>
           </a:p>
@@ -1675,7 +1677,7 @@
           <a:p>
             <a:fld id="{D72136B4-92FF-4E8F-B70B-3CB00DD468A9}" type="datetimeFigureOut">
               <a:rPr lang="da-DK" smtClean="0"/>
-              <a:t>22-06-2024</a:t>
+              <a:t>25-06-2024</a:t>
             </a:fld>
             <a:endParaRPr lang="da-DK"/>
           </a:p>
@@ -2090,7 +2092,7 @@
           <a:p>
             <a:fld id="{D72136B4-92FF-4E8F-B70B-3CB00DD468A9}" type="datetimeFigureOut">
               <a:rPr lang="da-DK" smtClean="0"/>
-              <a:t>22-06-2024</a:t>
+              <a:t>25-06-2024</a:t>
             </a:fld>
             <a:endParaRPr lang="da-DK"/>
           </a:p>
@@ -2232,7 +2234,7 @@
           <a:p>
             <a:fld id="{D72136B4-92FF-4E8F-B70B-3CB00DD468A9}" type="datetimeFigureOut">
               <a:rPr lang="da-DK" smtClean="0"/>
-              <a:t>22-06-2024</a:t>
+              <a:t>25-06-2024</a:t>
             </a:fld>
             <a:endParaRPr lang="da-DK"/>
           </a:p>
@@ -2345,7 +2347,7 @@
           <a:p>
             <a:fld id="{D72136B4-92FF-4E8F-B70B-3CB00DD468A9}" type="datetimeFigureOut">
               <a:rPr lang="da-DK" smtClean="0"/>
-              <a:t>22-06-2024</a:t>
+              <a:t>25-06-2024</a:t>
             </a:fld>
             <a:endParaRPr lang="da-DK"/>
           </a:p>
@@ -2658,7 +2660,7 @@
           <a:p>
             <a:fld id="{D72136B4-92FF-4E8F-B70B-3CB00DD468A9}" type="datetimeFigureOut">
               <a:rPr lang="da-DK" smtClean="0"/>
-              <a:t>22-06-2024</a:t>
+              <a:t>25-06-2024</a:t>
             </a:fld>
             <a:endParaRPr lang="da-DK"/>
           </a:p>
@@ -2947,7 +2949,7 @@
           <a:p>
             <a:fld id="{D72136B4-92FF-4E8F-B70B-3CB00DD468A9}" type="datetimeFigureOut">
               <a:rPr lang="da-DK" smtClean="0"/>
-              <a:t>22-06-2024</a:t>
+              <a:t>25-06-2024</a:t>
             </a:fld>
             <a:endParaRPr lang="da-DK"/>
           </a:p>
@@ -3190,7 +3192,7 @@
           <a:p>
             <a:fld id="{D72136B4-92FF-4E8F-B70B-3CB00DD468A9}" type="datetimeFigureOut">
               <a:rPr lang="da-DK" smtClean="0"/>
-              <a:t>22-06-2024</a:t>
+              <a:t>25-06-2024</a:t>
             </a:fld>
             <a:endParaRPr lang="da-DK"/>
           </a:p>
@@ -3784,15 +3786,15 @@
           <p:cNvPr id="2" name="Title 1">
             <a:extLst>
               <a:ext uri="{FF2B5EF4-FFF2-40B4-BE49-F238E27FC236}">
-                <a16:creationId xmlns:a16="http://schemas.microsoft.com/office/drawing/2014/main" id="{5343C03F-70BE-ED2A-57F3-4134741A8226}"/>
-              </a:ext>
-            </a:extLst>
-          </p:cNvPr>
-          <p:cNvSpPr>
-            <a:spLocks noGrp="1"/>
-          </p:cNvSpPr>
-          <p:nvPr>
-            <p:ph type="ctrTitle"/>
+                <a16:creationId xmlns:a16="http://schemas.microsoft.com/office/drawing/2014/main" id="{ADBCAF20-CC7C-8306-4456-AE8013C00B18}"/>
+              </a:ext>
+            </a:extLst>
+          </p:cNvPr>
+          <p:cNvSpPr>
+            <a:spLocks noGrp="1"/>
+          </p:cNvSpPr>
+          <p:nvPr>
+            <p:ph type="title"/>
           </p:nvPr>
         </p:nvSpPr>
         <p:spPr/>
@@ -3801,41 +3803,275 @@
           <a:lstStyle/>
           <a:p>
             <a:r>
-              <a:rPr lang="da-DK"/>
-              <a:t>DEMO!</a:t>
-            </a:r>
-          </a:p>
-        </p:txBody>
-      </p:sp>
-      <p:sp>
-        <p:nvSpPr>
-          <p:cNvPr id="3" name="Subtitle 2">
-            <a:extLst>
-              <a:ext uri="{FF2B5EF4-FFF2-40B4-BE49-F238E27FC236}">
-                <a16:creationId xmlns:a16="http://schemas.microsoft.com/office/drawing/2014/main" id="{B593FB83-F910-F183-B58B-FC8310566C10}"/>
-              </a:ext>
-            </a:extLst>
-          </p:cNvPr>
-          <p:cNvSpPr>
-            <a:spLocks noGrp="1"/>
-          </p:cNvSpPr>
-          <p:nvPr>
-            <p:ph type="subTitle" idx="1"/>
-          </p:nvPr>
-        </p:nvSpPr>
-        <p:spPr/>
-        <p:txBody>
-          <a:bodyPr/>
-          <a:lstStyle/>
-          <a:p>
-            <a:endParaRPr lang="da-DK"/>
+              <a:rPr lang="da-DK" dirty="0" err="1"/>
+              <a:t>Preparations</a:t>
+            </a:r>
+            <a:endParaRPr lang="da-DK" dirty="0"/>
+          </a:p>
+        </p:txBody>
+      </p:sp>
+      <p:sp>
+        <p:nvSpPr>
+          <p:cNvPr id="3" name="Content Placeholder 2">
+            <a:extLst>
+              <a:ext uri="{FF2B5EF4-FFF2-40B4-BE49-F238E27FC236}">
+                <a16:creationId xmlns:a16="http://schemas.microsoft.com/office/drawing/2014/main" id="{20F260CC-5C1F-2005-D3FC-BD04D82B794B}"/>
+              </a:ext>
+            </a:extLst>
+          </p:cNvPr>
+          <p:cNvSpPr>
+            <a:spLocks noGrp="1"/>
+          </p:cNvSpPr>
+          <p:nvPr>
+            <p:ph idx="1"/>
+          </p:nvPr>
+        </p:nvSpPr>
+        <p:spPr>
+          <a:xfrm>
+            <a:off x="461394" y="1825625"/>
+            <a:ext cx="10892406" cy="4351338"/>
+          </a:xfrm>
+        </p:spPr>
+        <p:txBody>
+          <a:bodyPr>
+            <a:normAutofit/>
+          </a:bodyPr>
+          <a:lstStyle/>
+          <a:p>
+            <a:pPr marL="0" indent="0">
+              <a:buNone/>
+            </a:pPr>
+            <a:r>
+              <a:rPr lang="en-US" sz="3600" kern="100" dirty="0" err="1">
+                <a:solidFill>
+                  <a:srgbClr val="161616"/>
+                </a:solidFill>
+                <a:effectLst/>
+                <a:highlight>
+                  <a:srgbClr val="F2F2F2"/>
+                </a:highlight>
+                <a:latin typeface="Consolas" panose="020B0609020204030204" pitchFamily="49" charset="0"/>
+                <a:ea typeface="Calibri" panose="020F0502020204030204" pitchFamily="34" charset="0"/>
+                <a:cs typeface="Times New Roman" panose="02020603050405020304" pitchFamily="18" charset="0"/>
+              </a:rPr>
+              <a:t>winget</a:t>
+            </a:r>
+            <a:r>
+              <a:rPr lang="en-US" sz="3600" kern="100" dirty="0">
+                <a:solidFill>
+                  <a:srgbClr val="161616"/>
+                </a:solidFill>
+                <a:effectLst/>
+                <a:highlight>
+                  <a:srgbClr val="F2F2F2"/>
+                </a:highlight>
+                <a:latin typeface="Consolas" panose="020B0609020204030204" pitchFamily="49" charset="0"/>
+                <a:ea typeface="Calibri" panose="020F0502020204030204" pitchFamily="34" charset="0"/>
+                <a:cs typeface="Times New Roman" panose="02020603050405020304" pitchFamily="18" charset="0"/>
+              </a:rPr>
+              <a:t> install</a:t>
+            </a:r>
+            <a:r>
+              <a:rPr lang="en-US" sz="3600" kern="100" dirty="0">
+                <a:solidFill>
+                  <a:srgbClr val="006881"/>
+                </a:solidFill>
+                <a:effectLst/>
+                <a:highlight>
+                  <a:srgbClr val="F2F2F2"/>
+                </a:highlight>
+                <a:latin typeface="Consolas" panose="020B0609020204030204" pitchFamily="49" charset="0"/>
+                <a:ea typeface="Calibri" panose="020F0502020204030204" pitchFamily="34" charset="0"/>
+                <a:cs typeface="Times New Roman" panose="02020603050405020304" pitchFamily="18" charset="0"/>
+              </a:rPr>
+              <a:t> -e --id</a:t>
+            </a:r>
+            <a:r>
+              <a:rPr lang="en-US" sz="3600" kern="100" dirty="0">
+                <a:solidFill>
+                  <a:srgbClr val="161616"/>
+                </a:solidFill>
+                <a:effectLst/>
+                <a:highlight>
+                  <a:srgbClr val="F2F2F2"/>
+                </a:highlight>
+                <a:latin typeface="Consolas" panose="020B0609020204030204" pitchFamily="49" charset="0"/>
+                <a:ea typeface="Calibri" panose="020F0502020204030204" pitchFamily="34" charset="0"/>
+                <a:cs typeface="Times New Roman" panose="02020603050405020304" pitchFamily="18" charset="0"/>
+              </a:rPr>
+              <a:t> </a:t>
+            </a:r>
+            <a:r>
+              <a:rPr lang="en-US" sz="3600" kern="100" dirty="0" err="1">
+                <a:solidFill>
+                  <a:srgbClr val="161616"/>
+                </a:solidFill>
+                <a:effectLst/>
+                <a:highlight>
+                  <a:srgbClr val="F2F2F2"/>
+                </a:highlight>
+                <a:latin typeface="Consolas" panose="020B0609020204030204" pitchFamily="49" charset="0"/>
+                <a:ea typeface="Calibri" panose="020F0502020204030204" pitchFamily="34" charset="0"/>
+                <a:cs typeface="Times New Roman" panose="02020603050405020304" pitchFamily="18" charset="0"/>
+              </a:rPr>
+              <a:t>Microsoft.Bicep</a:t>
+            </a:r>
+            <a:r>
+              <a:rPr lang="en-US" sz="3600" kern="100" dirty="0">
+                <a:effectLst/>
+                <a:latin typeface="Calibri" panose="020F0502020204030204" pitchFamily="34" charset="0"/>
+                <a:ea typeface="Calibri" panose="020F0502020204030204" pitchFamily="34" charset="0"/>
+                <a:cs typeface="Times New Roman" panose="02020603050405020304" pitchFamily="18" charset="0"/>
+              </a:rPr>
+              <a:t> </a:t>
+            </a:r>
+          </a:p>
+          <a:p>
+            <a:pPr marL="0" indent="0">
+              <a:buNone/>
+            </a:pPr>
+            <a:r>
+              <a:rPr lang="da-DK" sz="3600" kern="100" dirty="0" err="1">
+                <a:effectLst/>
+                <a:latin typeface="Calibri" panose="020F0502020204030204" pitchFamily="34" charset="0"/>
+                <a:ea typeface="Calibri" panose="020F0502020204030204" pitchFamily="34" charset="0"/>
+                <a:cs typeface="Times New Roman" panose="02020603050405020304" pitchFamily="18" charset="0"/>
+              </a:rPr>
+              <a:t>Install-Module</a:t>
+            </a:r>
+            <a:r>
+              <a:rPr lang="da-DK" sz="3600" kern="100" dirty="0">
+                <a:effectLst/>
+                <a:latin typeface="Calibri" panose="020F0502020204030204" pitchFamily="34" charset="0"/>
+                <a:ea typeface="Calibri" panose="020F0502020204030204" pitchFamily="34" charset="0"/>
+                <a:cs typeface="Times New Roman" panose="02020603050405020304" pitchFamily="18" charset="0"/>
+              </a:rPr>
+              <a:t> -</a:t>
+            </a:r>
+            <a:r>
+              <a:rPr lang="da-DK" sz="3600" kern="100" dirty="0" err="1">
+                <a:effectLst/>
+                <a:latin typeface="Calibri" panose="020F0502020204030204" pitchFamily="34" charset="0"/>
+                <a:ea typeface="Calibri" panose="020F0502020204030204" pitchFamily="34" charset="0"/>
+                <a:cs typeface="Times New Roman" panose="02020603050405020304" pitchFamily="18" charset="0"/>
+              </a:rPr>
+              <a:t>Name</a:t>
+            </a:r>
+            <a:r>
+              <a:rPr lang="da-DK" sz="3600" kern="100" dirty="0">
+                <a:effectLst/>
+                <a:latin typeface="Calibri" panose="020F0502020204030204" pitchFamily="34" charset="0"/>
+                <a:ea typeface="Calibri" panose="020F0502020204030204" pitchFamily="34" charset="0"/>
+                <a:cs typeface="Times New Roman" panose="02020603050405020304" pitchFamily="18" charset="0"/>
+              </a:rPr>
+              <a:t> </a:t>
+            </a:r>
+            <a:r>
+              <a:rPr lang="da-DK" sz="3600" kern="100" dirty="0" err="1">
+                <a:effectLst/>
+                <a:latin typeface="Calibri" panose="020F0502020204030204" pitchFamily="34" charset="0"/>
+                <a:ea typeface="Calibri" panose="020F0502020204030204" pitchFamily="34" charset="0"/>
+                <a:cs typeface="Times New Roman" panose="02020603050405020304" pitchFamily="18" charset="0"/>
+              </a:rPr>
+              <a:t>SqlServer</a:t>
+            </a:r>
+            <a:r>
+              <a:rPr lang="da-DK" sz="3600" kern="100" dirty="0">
+                <a:effectLst/>
+                <a:latin typeface="Calibri" panose="020F0502020204030204" pitchFamily="34" charset="0"/>
+                <a:ea typeface="Calibri" panose="020F0502020204030204" pitchFamily="34" charset="0"/>
+                <a:cs typeface="Times New Roman" panose="02020603050405020304" pitchFamily="18" charset="0"/>
+              </a:rPr>
+              <a:t> -Force</a:t>
+            </a:r>
+          </a:p>
+          <a:p>
+            <a:pPr marL="0" indent="0">
+              <a:buNone/>
+            </a:pPr>
+            <a:endParaRPr lang="da-DK" sz="3600" kern="100" dirty="0">
+              <a:effectLst/>
+              <a:latin typeface="Calibri" panose="020F0502020204030204" pitchFamily="34" charset="0"/>
+              <a:ea typeface="Calibri" panose="020F0502020204030204" pitchFamily="34" charset="0"/>
+              <a:cs typeface="Times New Roman" panose="02020603050405020304" pitchFamily="18" charset="0"/>
+            </a:endParaRPr>
+          </a:p>
+          <a:p>
+            <a:pPr marL="0" indent="0">
+              <a:buNone/>
+            </a:pPr>
+            <a:r>
+              <a:rPr lang="en-US" sz="3600" kern="100" dirty="0">
+                <a:effectLst/>
+                <a:latin typeface="Calibri" panose="020F0502020204030204" pitchFamily="34" charset="0"/>
+                <a:ea typeface="Calibri" panose="020F0502020204030204" pitchFamily="34" charset="0"/>
+                <a:cs typeface="Times New Roman" panose="02020603050405020304" pitchFamily="18" charset="0"/>
+              </a:rPr>
+              <a:t>Connect-</a:t>
+            </a:r>
+            <a:r>
+              <a:rPr lang="en-US" sz="3600" kern="100" dirty="0" err="1">
+                <a:effectLst/>
+                <a:latin typeface="Calibri" panose="020F0502020204030204" pitchFamily="34" charset="0"/>
+                <a:ea typeface="Calibri" panose="020F0502020204030204" pitchFamily="34" charset="0"/>
+                <a:cs typeface="Times New Roman" panose="02020603050405020304" pitchFamily="18" charset="0"/>
+              </a:rPr>
+              <a:t>AzAccount</a:t>
+            </a:r>
+            <a:endParaRPr lang="en-US" sz="3600" kern="100" dirty="0">
+              <a:effectLst/>
+              <a:latin typeface="Calibri" panose="020F0502020204030204" pitchFamily="34" charset="0"/>
+              <a:ea typeface="Calibri" panose="020F0502020204030204" pitchFamily="34" charset="0"/>
+              <a:cs typeface="Times New Roman" panose="02020603050405020304" pitchFamily="18" charset="0"/>
+            </a:endParaRPr>
+          </a:p>
+          <a:p>
+            <a:pPr marL="0" indent="0">
+              <a:buNone/>
+            </a:pPr>
+            <a:r>
+              <a:rPr lang="en-US" sz="3600" kern="100" dirty="0">
+                <a:effectLst/>
+                <a:latin typeface="Calibri" panose="020F0502020204030204" pitchFamily="34" charset="0"/>
+                <a:ea typeface="Calibri" panose="020F0502020204030204" pitchFamily="34" charset="0"/>
+                <a:cs typeface="Times New Roman" panose="02020603050405020304" pitchFamily="18" charset="0"/>
+              </a:rPr>
+              <a:t>Set-</a:t>
+            </a:r>
+            <a:r>
+              <a:rPr lang="en-US" sz="3600" kern="100" dirty="0" err="1">
+                <a:effectLst/>
+                <a:latin typeface="Calibri" panose="020F0502020204030204" pitchFamily="34" charset="0"/>
+                <a:ea typeface="Calibri" panose="020F0502020204030204" pitchFamily="34" charset="0"/>
+                <a:cs typeface="Times New Roman" panose="02020603050405020304" pitchFamily="18" charset="0"/>
+              </a:rPr>
+              <a:t>AzContext</a:t>
+            </a:r>
+            <a:r>
+              <a:rPr lang="en-US" sz="3600" kern="100" dirty="0">
+                <a:effectLst/>
+                <a:latin typeface="Calibri" panose="020F0502020204030204" pitchFamily="34" charset="0"/>
+                <a:ea typeface="Calibri" panose="020F0502020204030204" pitchFamily="34" charset="0"/>
+                <a:cs typeface="Times New Roman" panose="02020603050405020304" pitchFamily="18" charset="0"/>
+              </a:rPr>
+              <a:t> -Subscription ”xxx”</a:t>
+            </a:r>
+            <a:endParaRPr lang="da-DK" sz="3600" kern="100" dirty="0">
+              <a:effectLst/>
+              <a:latin typeface="Calibri" panose="020F0502020204030204" pitchFamily="34" charset="0"/>
+              <a:ea typeface="Calibri" panose="020F0502020204030204" pitchFamily="34" charset="0"/>
+              <a:cs typeface="Times New Roman" panose="02020603050405020304" pitchFamily="18" charset="0"/>
+            </a:endParaRPr>
+          </a:p>
+          <a:p>
+            <a:endParaRPr lang="da-DK" sz="3600" dirty="0"/>
           </a:p>
         </p:txBody>
       </p:sp>
     </p:spTree>
     <p:extLst>
       <p:ext uri="{BB962C8B-B14F-4D97-AF65-F5344CB8AC3E}">
-        <p14:creationId xmlns:p14="http://schemas.microsoft.com/office/powerpoint/2010/main" val="2927823029"/>
+        <p14:creationId xmlns:p14="http://schemas.microsoft.com/office/powerpoint/2010/main" val="480076927"/>
       </p:ext>
     </p:extLst>
   </p:cSld>
@@ -3867,15 +4103,15 @@
           <p:cNvPr id="2" name="Title 1">
             <a:extLst>
               <a:ext uri="{FF2B5EF4-FFF2-40B4-BE49-F238E27FC236}">
-                <a16:creationId xmlns:a16="http://schemas.microsoft.com/office/drawing/2014/main" id="{8B2502D4-7725-850B-F723-E55AD287F095}"/>
-              </a:ext>
-            </a:extLst>
-          </p:cNvPr>
-          <p:cNvSpPr>
-            <a:spLocks noGrp="1"/>
-          </p:cNvSpPr>
-          <p:nvPr>
-            <p:ph type="title"/>
+                <a16:creationId xmlns:a16="http://schemas.microsoft.com/office/drawing/2014/main" id="{5343C03F-70BE-ED2A-57F3-4134741A8226}"/>
+              </a:ext>
+            </a:extLst>
+          </p:cNvPr>
+          <p:cNvSpPr>
+            <a:spLocks noGrp="1"/>
+          </p:cNvSpPr>
+          <p:nvPr>
+            <p:ph type="ctrTitle"/>
           </p:nvPr>
         </p:nvSpPr>
         <p:spPr/>
@@ -3884,171 +4120,245 @@
           <a:lstStyle/>
           <a:p>
             <a:r>
-              <a:rPr lang="da-DK" dirty="0"/>
-              <a:t>Q &amp; A	</a:t>
-            </a:r>
-          </a:p>
-        </p:txBody>
-      </p:sp>
-      <p:sp>
-        <p:nvSpPr>
-          <p:cNvPr id="3" name="Content Placeholder 2">
-            <a:extLst>
-              <a:ext uri="{FF2B5EF4-FFF2-40B4-BE49-F238E27FC236}">
-                <a16:creationId xmlns:a16="http://schemas.microsoft.com/office/drawing/2014/main" id="{7367368F-4C9E-B042-A95B-55D642AD710D}"/>
-              </a:ext>
-            </a:extLst>
-          </p:cNvPr>
-          <p:cNvSpPr>
-            <a:spLocks noGrp="1"/>
-          </p:cNvSpPr>
-          <p:nvPr>
-            <p:ph idx="1"/>
+              <a:rPr lang="da-DK"/>
+              <a:t>DEMO!</a:t>
+            </a:r>
+          </a:p>
+        </p:txBody>
+      </p:sp>
+      <p:sp>
+        <p:nvSpPr>
+          <p:cNvPr id="3" name="Subtitle 2">
+            <a:extLst>
+              <a:ext uri="{FF2B5EF4-FFF2-40B4-BE49-F238E27FC236}">
+                <a16:creationId xmlns:a16="http://schemas.microsoft.com/office/drawing/2014/main" id="{B593FB83-F910-F183-B58B-FC8310566C10}"/>
+              </a:ext>
+            </a:extLst>
+          </p:cNvPr>
+          <p:cNvSpPr>
+            <a:spLocks noGrp="1"/>
+          </p:cNvSpPr>
+          <p:nvPr>
+            <p:ph type="subTitle" idx="1"/>
           </p:nvPr>
         </p:nvSpPr>
         <p:spPr/>
         <p:txBody>
-          <a:bodyPr>
-            <a:normAutofit fontScale="92500" lnSpcReduction="20000"/>
-          </a:bodyPr>
-          <a:lstStyle/>
-          <a:p>
-            <a:r>
-              <a:rPr lang="da-DK" dirty="0"/>
-              <a:t>DO: </a:t>
-            </a:r>
-            <a:r>
-              <a:rPr lang="da-DK" dirty="0" err="1"/>
-              <a:t>Use</a:t>
-            </a:r>
-            <a:r>
-              <a:rPr lang="da-DK" dirty="0"/>
-              <a:t> User </a:t>
-            </a:r>
-            <a:r>
-              <a:rPr lang="da-DK" dirty="0" err="1"/>
-              <a:t>Assigned</a:t>
-            </a:r>
-            <a:r>
-              <a:rPr lang="da-DK" dirty="0"/>
-              <a:t> </a:t>
-            </a:r>
-            <a:r>
-              <a:rPr lang="da-DK" dirty="0" err="1"/>
-              <a:t>Managed</a:t>
-            </a:r>
-            <a:r>
-              <a:rPr lang="da-DK" dirty="0"/>
-              <a:t> Identity</a:t>
-            </a:r>
-          </a:p>
-          <a:p>
-            <a:endParaRPr lang="da-DK" dirty="0"/>
-          </a:p>
-          <a:p>
-            <a:r>
-              <a:rPr lang="da-DK" dirty="0"/>
-              <a:t>DONT: Store passwords</a:t>
-            </a:r>
-          </a:p>
-          <a:p>
-            <a:endParaRPr lang="da-DK" dirty="0"/>
-          </a:p>
-          <a:p>
-            <a:r>
-              <a:rPr lang="da-DK" dirty="0"/>
-              <a:t>DO: </a:t>
-            </a:r>
-            <a:r>
-              <a:rPr lang="da-DK" dirty="0" err="1"/>
-              <a:t>Enjoy</a:t>
-            </a:r>
-            <a:r>
-              <a:rPr lang="da-DK" dirty="0"/>
-              <a:t>!</a:t>
-            </a:r>
-          </a:p>
-          <a:p>
-            <a:endParaRPr lang="da-DK" dirty="0"/>
-          </a:p>
-          <a:p>
-            <a:r>
-              <a:rPr lang="da-DK" dirty="0"/>
-              <a:t>GitHub </a:t>
-            </a:r>
-            <a:r>
-              <a:rPr lang="da-DK" dirty="0" err="1"/>
-              <a:t>repo</a:t>
-            </a:r>
-            <a:r>
-              <a:rPr lang="da-DK" dirty="0"/>
-              <a:t>: </a:t>
-            </a:r>
-            <a:r>
-              <a:rPr lang="da-DK" dirty="0" err="1">
-                <a:hlinkClick r:id="rId2"/>
-              </a:rPr>
-              <a:t>ErikEJ</a:t>
-            </a:r>
-            <a:r>
-              <a:rPr lang="da-DK" dirty="0">
-                <a:hlinkClick r:id="rId2"/>
-              </a:rPr>
-              <a:t>/</a:t>
-            </a:r>
-            <a:r>
-              <a:rPr lang="da-DK" dirty="0" err="1">
-                <a:hlinkClick r:id="rId2"/>
-              </a:rPr>
-              <a:t>CloudBurstDemo</a:t>
-            </a:r>
-            <a:r>
-              <a:rPr lang="da-DK" dirty="0">
-                <a:hlinkClick r:id="rId2"/>
-              </a:rPr>
-              <a:t> (github.com)</a:t>
-            </a:r>
-            <a:r>
-              <a:rPr lang="da-DK" dirty="0"/>
-              <a:t> </a:t>
-            </a:r>
-          </a:p>
-          <a:p>
-            <a:r>
-              <a:rPr lang="en-US" dirty="0">
-                <a:hlinkClick r:id="rId3"/>
-              </a:rPr>
-              <a:t>Azure Services with managed identities support - Azure AD - Microsoft </a:t>
-            </a:r>
-            <a:r>
-              <a:rPr lang="en-US" dirty="0" err="1">
-                <a:hlinkClick r:id="rId3"/>
-              </a:rPr>
-              <a:t>Entra</a:t>
-            </a:r>
-            <a:r>
-              <a:rPr lang="en-US" dirty="0">
-                <a:hlinkClick r:id="rId3"/>
-              </a:rPr>
-              <a:t> | Microsoft Learn</a:t>
-            </a:r>
-            <a:endParaRPr lang="en-US" dirty="0"/>
-          </a:p>
-          <a:p>
-            <a:pPr marL="0" indent="0">
-              <a:buNone/>
-            </a:pPr>
-            <a:br>
-              <a:rPr lang="da-DK" dirty="0"/>
-            </a:br>
-            <a:endParaRPr lang="da-DK" dirty="0"/>
+          <a:bodyPr/>
+          <a:lstStyle/>
+          <a:p>
+            <a:endParaRPr lang="da-DK"/>
           </a:p>
         </p:txBody>
       </p:sp>
     </p:spTree>
     <p:extLst>
       <p:ext uri="{BB962C8B-B14F-4D97-AF65-F5344CB8AC3E}">
-        <p14:creationId xmlns:p14="http://schemas.microsoft.com/office/powerpoint/2010/main" val="2960280884"/>
+        <p14:creationId xmlns:p14="http://schemas.microsoft.com/office/powerpoint/2010/main" val="2927823029"/>
+      </p:ext>
+    </p:extLst>
+  </p:cSld>
+  <p:clrMapOvr>
+    <a:masterClrMapping/>
+  </p:clrMapOvr>
+</p:sld>
+</file>
+
+<file path=ppt/slides/slide12.xml><?xml version="1.0" encoding="utf-8"?>
+<p:sld xmlns:a="http://schemas.openxmlformats.org/drawingml/2006/main" xmlns:r="http://schemas.openxmlformats.org/officeDocument/2006/relationships" xmlns:p="http://schemas.openxmlformats.org/presentationml/2006/main">
+  <p:cSld>
+    <p:spTree>
+      <p:nvGrpSpPr>
+        <p:cNvPr id="1" name=""/>
+        <p:cNvGrpSpPr/>
+        <p:nvPr/>
+      </p:nvGrpSpPr>
+      <p:grpSpPr>
+        <a:xfrm>
+          <a:off x="0" y="0"/>
+          <a:ext cx="0" cy="0"/>
+          <a:chOff x="0" y="0"/>
+          <a:chExt cx="0" cy="0"/>
+        </a:xfrm>
+      </p:grpSpPr>
+      <p:sp>
+        <p:nvSpPr>
+          <p:cNvPr id="2" name="Title 1">
+            <a:extLst>
+              <a:ext uri="{FF2B5EF4-FFF2-40B4-BE49-F238E27FC236}">
+                <a16:creationId xmlns:a16="http://schemas.microsoft.com/office/drawing/2014/main" id="{8B2502D4-7725-850B-F723-E55AD287F095}"/>
+              </a:ext>
+            </a:extLst>
+          </p:cNvPr>
+          <p:cNvSpPr>
+            <a:spLocks noGrp="1"/>
+          </p:cNvSpPr>
+          <p:nvPr>
+            <p:ph type="title"/>
+          </p:nvPr>
+        </p:nvSpPr>
+        <p:spPr/>
+        <p:txBody>
+          <a:bodyPr/>
+          <a:lstStyle/>
+          <a:p>
+            <a:r>
+              <a:rPr lang="da-DK" dirty="0"/>
+              <a:t>Q &amp; A	</a:t>
+            </a:r>
+          </a:p>
+        </p:txBody>
+      </p:sp>
+      <p:sp>
+        <p:nvSpPr>
+          <p:cNvPr id="3" name="Content Placeholder 2">
+            <a:extLst>
+              <a:ext uri="{FF2B5EF4-FFF2-40B4-BE49-F238E27FC236}">
+                <a16:creationId xmlns:a16="http://schemas.microsoft.com/office/drawing/2014/main" id="{7367368F-4C9E-B042-A95B-55D642AD710D}"/>
+              </a:ext>
+            </a:extLst>
+          </p:cNvPr>
+          <p:cNvSpPr>
+            <a:spLocks noGrp="1"/>
+          </p:cNvSpPr>
+          <p:nvPr>
+            <p:ph idx="1"/>
+          </p:nvPr>
+        </p:nvSpPr>
+        <p:spPr/>
+        <p:txBody>
+          <a:bodyPr>
+            <a:normAutofit/>
+          </a:bodyPr>
+          <a:lstStyle/>
+          <a:p>
+            <a:r>
+              <a:rPr lang="da-DK" dirty="0"/>
+              <a:t>DO: </a:t>
+            </a:r>
+            <a:r>
+              <a:rPr lang="da-DK" dirty="0" err="1"/>
+              <a:t>Use</a:t>
+            </a:r>
+            <a:r>
+              <a:rPr lang="da-DK" dirty="0"/>
+              <a:t> User </a:t>
+            </a:r>
+            <a:r>
+              <a:rPr lang="da-DK" dirty="0" err="1"/>
+              <a:t>Assigned</a:t>
+            </a:r>
+            <a:r>
+              <a:rPr lang="da-DK" dirty="0"/>
+              <a:t> </a:t>
+            </a:r>
+            <a:r>
+              <a:rPr lang="da-DK" dirty="0" err="1"/>
+              <a:t>Managed</a:t>
+            </a:r>
+            <a:r>
+              <a:rPr lang="da-DK" dirty="0"/>
+              <a:t> Identity</a:t>
+            </a:r>
+          </a:p>
+          <a:p>
+            <a:endParaRPr lang="da-DK" dirty="0"/>
+          </a:p>
+          <a:p>
+            <a:r>
+              <a:rPr lang="da-DK" dirty="0"/>
+              <a:t>DONT: Store passwords</a:t>
+            </a:r>
+          </a:p>
+          <a:p>
+            <a:endParaRPr lang="da-DK" dirty="0"/>
+          </a:p>
+          <a:p>
+            <a:r>
+              <a:rPr lang="da-DK" dirty="0"/>
+              <a:t>DO: </a:t>
+            </a:r>
+            <a:r>
+              <a:rPr lang="da-DK" dirty="0" err="1"/>
+              <a:t>Sleep</a:t>
+            </a:r>
+            <a:r>
+              <a:rPr lang="da-DK" dirty="0"/>
+              <a:t> </a:t>
+            </a:r>
+            <a:r>
+              <a:rPr lang="da-DK" dirty="0" err="1"/>
+              <a:t>well</a:t>
+            </a:r>
+            <a:r>
+              <a:rPr lang="da-DK" dirty="0"/>
+              <a:t> at </a:t>
+            </a:r>
+            <a:r>
+              <a:rPr lang="da-DK" dirty="0" err="1"/>
+              <a:t>night</a:t>
+            </a:r>
+            <a:endParaRPr lang="da-DK" dirty="0"/>
+          </a:p>
+          <a:p>
+            <a:endParaRPr lang="da-DK" dirty="0"/>
+          </a:p>
+          <a:p>
+            <a:endParaRPr lang="da-DK" dirty="0"/>
+          </a:p>
+        </p:txBody>
+      </p:sp>
+      <p:pic>
+        <p:nvPicPr>
+          <p:cNvPr id="2050" name="Picture 2" descr="How Much Should a Puppy Sleep? | James Wellbeloved – James Wellbeloved UK">
+            <a:extLst>
+              <a:ext uri="{FF2B5EF4-FFF2-40B4-BE49-F238E27FC236}">
+                <a16:creationId xmlns:a16="http://schemas.microsoft.com/office/drawing/2014/main" id="{DC8D29B6-2282-2069-B1EA-C5BCB599BD1C}"/>
+              </a:ext>
+            </a:extLst>
+          </p:cNvPr>
+          <p:cNvPicPr>
+            <a:picLocks noChangeAspect="1" noChangeArrowheads="1"/>
+          </p:cNvPicPr>
+          <p:nvPr/>
+        </p:nvPicPr>
+        <p:blipFill>
+          <a:blip r:embed="rId2">
+            <a:extLst>
+              <a:ext uri="{28A0092B-C50C-407E-A947-70E740481C1C}">
+                <a14:useLocalDpi xmlns:a14="http://schemas.microsoft.com/office/drawing/2010/main" val="0"/>
+              </a:ext>
+            </a:extLst>
+          </a:blip>
+          <a:srcRect/>
+          <a:stretch>
+            <a:fillRect/>
+          </a:stretch>
+        </p:blipFill>
+        <p:spPr bwMode="auto">
+          <a:xfrm>
+            <a:off x="6696988" y="3767829"/>
+            <a:ext cx="4656812" cy="2616537"/>
+          </a:xfrm>
+          <a:prstGeom prst="rect">
+            <a:avLst/>
+          </a:prstGeom>
+          <a:noFill/>
+          <a:extLst>
+            <a:ext uri="{909E8E84-426E-40DD-AFC4-6F175D3DCCD1}">
+              <a14:hiddenFill xmlns:a14="http://schemas.microsoft.com/office/drawing/2010/main">
+                <a:solidFill>
+                  <a:srgbClr val="FFFFFF"/>
+                </a:solidFill>
+              </a14:hiddenFill>
+            </a:ext>
+          </a:extLst>
+        </p:spPr>
+      </p:pic>
+    </p:spTree>
+    <p:extLst>
+      <p:ext uri="{BB962C8B-B14F-4D97-AF65-F5344CB8AC3E}">
+        <p14:creationId xmlns:p14="http://schemas.microsoft.com/office/powerpoint/2010/main" val="2962835044"/>
       </p:ext>
     </p:extLst>
   </p:cSld>
@@ -4210,27 +4520,211 @@
                       </p:childTnLst>
                     </p:cTn>
                   </p:par>
+                </p:childTnLst>
+              </p:cTn>
+              <p:prevCondLst>
+                <p:cond evt="onPrev" delay="0">
+                  <p:tgtEl>
+                    <p:sldTgt/>
+                  </p:tgtEl>
+                </p:cond>
+              </p:prevCondLst>
+              <p:nextCondLst>
+                <p:cond evt="onNext" delay="0">
+                  <p:tgtEl>
+                    <p:sldTgt/>
+                  </p:tgtEl>
+                </p:cond>
+              </p:nextCondLst>
+            </p:seq>
+          </p:childTnLst>
+        </p:cTn>
+      </p:par>
+    </p:tnLst>
+    <p:bldLst>
+      <p:bldP spid="3" grpId="0" build="p"/>
+    </p:bldLst>
+  </p:timing>
+</p:sld>
+</file>
+
+<file path=ppt/slides/slide13.xml><?xml version="1.0" encoding="utf-8"?>
+<p:sld xmlns:a="http://schemas.openxmlformats.org/drawingml/2006/main" xmlns:r="http://schemas.openxmlformats.org/officeDocument/2006/relationships" xmlns:p="http://schemas.openxmlformats.org/presentationml/2006/main">
+  <p:cSld>
+    <p:spTree>
+      <p:nvGrpSpPr>
+        <p:cNvPr id="1" name=""/>
+        <p:cNvGrpSpPr/>
+        <p:nvPr/>
+      </p:nvGrpSpPr>
+      <p:grpSpPr>
+        <a:xfrm>
+          <a:off x="0" y="0"/>
+          <a:ext cx="0" cy="0"/>
+          <a:chOff x="0" y="0"/>
+          <a:chExt cx="0" cy="0"/>
+        </a:xfrm>
+      </p:grpSpPr>
+      <p:sp>
+        <p:nvSpPr>
+          <p:cNvPr id="2" name="Title 1">
+            <a:extLst>
+              <a:ext uri="{FF2B5EF4-FFF2-40B4-BE49-F238E27FC236}">
+                <a16:creationId xmlns:a16="http://schemas.microsoft.com/office/drawing/2014/main" id="{8B2502D4-7725-850B-F723-E55AD287F095}"/>
+              </a:ext>
+            </a:extLst>
+          </p:cNvPr>
+          <p:cNvSpPr>
+            <a:spLocks noGrp="1"/>
+          </p:cNvSpPr>
+          <p:nvPr>
+            <p:ph type="title"/>
+          </p:nvPr>
+        </p:nvSpPr>
+        <p:spPr/>
+        <p:txBody>
+          <a:bodyPr/>
+          <a:lstStyle/>
+          <a:p>
+            <a:r>
+              <a:rPr lang="da-DK" dirty="0"/>
+              <a:t>Q &amp; A	</a:t>
+            </a:r>
+          </a:p>
+        </p:txBody>
+      </p:sp>
+      <p:sp>
+        <p:nvSpPr>
+          <p:cNvPr id="3" name="Content Placeholder 2">
+            <a:extLst>
+              <a:ext uri="{FF2B5EF4-FFF2-40B4-BE49-F238E27FC236}">
+                <a16:creationId xmlns:a16="http://schemas.microsoft.com/office/drawing/2014/main" id="{7367368F-4C9E-B042-A95B-55D642AD710D}"/>
+              </a:ext>
+            </a:extLst>
+          </p:cNvPr>
+          <p:cNvSpPr>
+            <a:spLocks noGrp="1"/>
+          </p:cNvSpPr>
+          <p:nvPr>
+            <p:ph idx="1"/>
+          </p:nvPr>
+        </p:nvSpPr>
+        <p:spPr/>
+        <p:txBody>
+          <a:bodyPr>
+            <a:normAutofit/>
+          </a:bodyPr>
+          <a:lstStyle/>
+          <a:p>
+            <a:r>
+              <a:rPr lang="da-DK" sz="3600" dirty="0"/>
+              <a:t>GitHub </a:t>
+            </a:r>
+            <a:r>
+              <a:rPr lang="da-DK" sz="3600" dirty="0" err="1"/>
+              <a:t>repo</a:t>
+            </a:r>
+            <a:r>
+              <a:rPr lang="da-DK" sz="3600" dirty="0"/>
+              <a:t>: </a:t>
+            </a:r>
+            <a:r>
+              <a:rPr lang="da-DK" sz="3600" dirty="0" err="1">
+                <a:hlinkClick r:id="rId2"/>
+              </a:rPr>
+              <a:t>ErikEJ</a:t>
+            </a:r>
+            <a:r>
+              <a:rPr lang="da-DK" sz="3600" dirty="0">
+                <a:hlinkClick r:id="rId2"/>
+              </a:rPr>
+              <a:t>/</a:t>
+            </a:r>
+            <a:r>
+              <a:rPr lang="da-DK" sz="3600" dirty="0" err="1">
+                <a:hlinkClick r:id="rId2"/>
+              </a:rPr>
+              <a:t>CloudBurstDemo</a:t>
+            </a:r>
+            <a:r>
+              <a:rPr lang="da-DK" sz="3600" dirty="0">
+                <a:hlinkClick r:id="rId2"/>
+              </a:rPr>
+              <a:t> (github.com)</a:t>
+            </a:r>
+            <a:r>
+              <a:rPr lang="da-DK" sz="3600" dirty="0"/>
+              <a:t> </a:t>
+            </a:r>
+          </a:p>
+          <a:p>
+            <a:r>
+              <a:rPr lang="en-US" sz="3600" dirty="0">
+                <a:hlinkClick r:id="rId3"/>
+              </a:rPr>
+              <a:t>Azure Services with managed identities support - Azure AD - Microsoft </a:t>
+            </a:r>
+            <a:r>
+              <a:rPr lang="en-US" sz="3600" dirty="0" err="1">
+                <a:hlinkClick r:id="rId3"/>
+              </a:rPr>
+              <a:t>Entra</a:t>
+            </a:r>
+            <a:r>
+              <a:rPr lang="en-US" sz="3600" dirty="0">
+                <a:hlinkClick r:id="rId3"/>
+              </a:rPr>
+              <a:t> | Microsoft Learn</a:t>
+            </a:r>
+            <a:endParaRPr lang="en-US" sz="3600" dirty="0"/>
+          </a:p>
+          <a:p>
+            <a:pPr marL="0" indent="0">
+              <a:buNone/>
+            </a:pPr>
+            <a:endParaRPr lang="da-DK" dirty="0"/>
+          </a:p>
+        </p:txBody>
+      </p:sp>
+    </p:spTree>
+    <p:extLst>
+      <p:ext uri="{BB962C8B-B14F-4D97-AF65-F5344CB8AC3E}">
+        <p14:creationId xmlns:p14="http://schemas.microsoft.com/office/powerpoint/2010/main" val="2805254501"/>
+      </p:ext>
+    </p:extLst>
+  </p:cSld>
+  <p:clrMapOvr>
+    <a:masterClrMapping/>
+  </p:clrMapOvr>
+  <p:timing>
+    <p:tnLst>
+      <p:par>
+        <p:cTn id="1" dur="indefinite" restart="never" nodeType="tmRoot">
+          <p:childTnLst>
+            <p:seq concurrent="1" nextAc="seek">
+              <p:cTn id="2" dur="indefinite" nodeType="mainSeq">
+                <p:childTnLst>
                   <p:par>
-                    <p:cTn id="15" fill="hold">
+                    <p:cTn id="3" fill="hold">
                       <p:stCondLst>
                         <p:cond delay="indefinite"/>
                       </p:stCondLst>
                       <p:childTnLst>
                         <p:par>
-                          <p:cTn id="16" fill="hold">
+                          <p:cTn id="4" fill="hold">
                             <p:stCondLst>
                               <p:cond delay="0"/>
                             </p:stCondLst>
                             <p:childTnLst>
                               <p:par>
-                                <p:cTn id="17" presetID="1" presetClass="entr" presetSubtype="0" fill="hold" grpId="0" nodeType="clickEffect">
+                                <p:cTn id="5" presetID="1" presetClass="entr" presetSubtype="0" fill="hold" grpId="0" nodeType="clickEffect">
                                   <p:stCondLst>
                                     <p:cond delay="0"/>
                                   </p:stCondLst>
                                   <p:childTnLst>
                                     <p:set>
                                       <p:cBhvr>
-                                        <p:cTn id="18" dur="1" fill="hold">
+                                        <p:cTn id="6" dur="1" fill="hold">
                                           <p:stCondLst>
                                             <p:cond delay="0"/>
                                           </p:stCondLst>
@@ -4238,7 +4732,7 @@
                                         <p:tgtEl>
                                           <p:spTgt spid="3">
                                             <p:txEl>
-                                              <p:pRg st="6" end="6"/>
+                                              <p:pRg st="0" end="0"/>
                                             </p:txEl>
                                           </p:spTgt>
                                         </p:tgtEl>
@@ -4260,26 +4754,26 @@
                     </p:cTn>
                   </p:par>
                   <p:par>
-                    <p:cTn id="19" fill="hold">
+                    <p:cTn id="7" fill="hold">
                       <p:stCondLst>
                         <p:cond delay="indefinite"/>
                       </p:stCondLst>
                       <p:childTnLst>
                         <p:par>
-                          <p:cTn id="20" fill="hold">
+                          <p:cTn id="8" fill="hold">
                             <p:stCondLst>
                               <p:cond delay="0"/>
                             </p:stCondLst>
                             <p:childTnLst>
                               <p:par>
-                                <p:cTn id="21" presetID="1" presetClass="entr" presetSubtype="0" fill="hold" grpId="0" nodeType="clickEffect">
+                                <p:cTn id="9" presetID="1" presetClass="entr" presetSubtype="0" fill="hold" grpId="0" nodeType="clickEffect">
                                   <p:stCondLst>
                                     <p:cond delay="0"/>
                                   </p:stCondLst>
                                   <p:childTnLst>
                                     <p:set>
                                       <p:cBhvr>
-                                        <p:cTn id="22" dur="1" fill="hold">
+                                        <p:cTn id="10" dur="1" fill="hold">
                                           <p:stCondLst>
                                             <p:cond delay="0"/>
                                           </p:stCondLst>
@@ -4287,56 +4781,7 @@
                                         <p:tgtEl>
                                           <p:spTgt spid="3">
                                             <p:txEl>
-                                              <p:pRg st="7" end="7"/>
-                                            </p:txEl>
-                                          </p:spTgt>
-                                        </p:tgtEl>
-                                        <p:attrNameLst>
-                                          <p:attrName>style.visibility</p:attrName>
-                                        </p:attrNameLst>
-                                      </p:cBhvr>
-                                      <p:to>
-                                        <p:strVal val="visible"/>
-                                      </p:to>
-                                    </p:set>
-                                  </p:childTnLst>
-                                </p:cTn>
-                              </p:par>
-                            </p:childTnLst>
-                          </p:cTn>
-                        </p:par>
-                      </p:childTnLst>
-                    </p:cTn>
-                  </p:par>
-                  <p:par>
-                    <p:cTn id="23" fill="hold">
-                      <p:stCondLst>
-                        <p:cond delay="indefinite"/>
-                      </p:stCondLst>
-                      <p:childTnLst>
-                        <p:par>
-                          <p:cTn id="24" fill="hold">
-                            <p:stCondLst>
-                              <p:cond delay="0"/>
-                            </p:stCondLst>
-                            <p:childTnLst>
-                              <p:par>
-                                <p:cTn id="25" presetID="1" presetClass="entr" presetSubtype="0" fill="hold" grpId="0" nodeType="clickEffect">
-                                  <p:stCondLst>
-                                    <p:cond delay="0"/>
-                                  </p:stCondLst>
-                                  <p:childTnLst>
-                                    <p:set>
-                                      <p:cBhvr>
-                                        <p:cTn id="26" dur="1" fill="hold">
-                                          <p:stCondLst>
-                                            <p:cond delay="0"/>
-                                          </p:stCondLst>
-                                        </p:cTn>
-                                        <p:tgtEl>
-                                          <p:spTgt spid="3">
-                                            <p:txEl>
-                                              <p:pRg st="8" end="8"/>
+                                              <p:pRg st="1" end="1"/>
                                             </p:txEl>
                                           </p:spTgt>
                                         </p:tgtEl>
@@ -4908,7 +5353,15 @@
           <a:p>
             <a:r>
               <a:rPr lang="en-US" dirty="0"/>
-              <a:t>Managed Identities is a feature of Azure AD which automatically creates a service principal that is tied to the Azure service itself (or associated with)</a:t>
+              <a:t>Managed Identities is a feature of Microsoft </a:t>
+            </a:r>
+            <a:r>
+              <a:rPr lang="en-US" dirty="0" err="1"/>
+              <a:t>Entra</a:t>
+            </a:r>
+            <a:r>
+              <a:rPr lang="en-US" dirty="0"/>
+              <a:t> ID which automatically creates a service principal that is tied to the Azure service itself (or associated with)</a:t>
             </a:r>
           </a:p>
           <a:p>
@@ -5226,19 +5679,35 @@
             </a:r>
             <a:r>
               <a:rPr lang="da-DK" dirty="0"/>
-              <a:t> Locks – Microsoft is </a:t>
+              <a:t> Locks – Microsoft </a:t>
             </a:r>
             <a:r>
               <a:rPr lang="da-DK" dirty="0" err="1"/>
-              <a:t>improving</a:t>
+              <a:t>also</a:t>
             </a:r>
             <a:r>
               <a:rPr lang="da-DK" dirty="0"/>
               <a:t> </a:t>
             </a:r>
             <a:r>
-              <a:rPr lang="da-DK"/>
-              <a:t>this</a:t>
+              <a:rPr lang="da-DK" dirty="0" err="1"/>
+              <a:t>added</a:t>
+            </a:r>
+            <a:r>
+              <a:rPr lang="da-DK" dirty="0"/>
+              <a:t> </a:t>
+            </a:r>
+            <a:r>
+              <a:rPr lang="da-DK" dirty="0" err="1"/>
+              <a:t>soft</a:t>
+            </a:r>
+            <a:r>
+              <a:rPr lang="da-DK" dirty="0"/>
+              <a:t> delete </a:t>
+            </a:r>
+            <a:r>
+              <a:rPr lang="da-DK" dirty="0" err="1"/>
+              <a:t>recently</a:t>
             </a:r>
             <a:endParaRPr lang="da-DK" dirty="0"/>
           </a:p>
@@ -5437,137 +5906,54 @@
           <a:lstStyle/>
           <a:p>
             <a:r>
-              <a:rPr lang="da-DK" dirty="0" err="1"/>
+              <a:rPr lang="da-DK" sz="4400" dirty="0" err="1"/>
               <a:t>Goal</a:t>
             </a:r>
             <a:r>
-              <a:rPr lang="da-DK" dirty="0"/>
-              <a:t>: Provide a web app with </a:t>
-            </a:r>
-            <a:r>
-              <a:rPr lang="da-DK" dirty="0" err="1"/>
+              <a:rPr lang="da-DK" sz="4400" dirty="0"/>
+              <a:t>: </a:t>
+            </a:r>
+          </a:p>
+          <a:p>
+            <a:pPr lvl="1"/>
+            <a:r>
+              <a:rPr lang="da-DK" sz="4400" dirty="0" err="1"/>
+              <a:t>create</a:t>
+            </a:r>
+            <a:r>
+              <a:rPr lang="da-DK" sz="4400" dirty="0"/>
+              <a:t> a web app</a:t>
+            </a:r>
+          </a:p>
+          <a:p>
+            <a:pPr lvl="1"/>
+            <a:r>
+              <a:rPr lang="da-DK" sz="4400" dirty="0"/>
+              <a:t>with </a:t>
+            </a:r>
+            <a:r>
+              <a:rPr lang="da-DK" sz="4400" dirty="0" err="1"/>
               <a:t>passwordless</a:t>
             </a:r>
             <a:r>
-              <a:rPr lang="da-DK" dirty="0"/>
-              <a:t> </a:t>
-            </a:r>
-            <a:r>
-              <a:rPr lang="da-DK" dirty="0" err="1"/>
+              <a:rPr lang="da-DK" sz="4400" dirty="0"/>
+              <a:t> minimal </a:t>
+            </a:r>
+            <a:r>
+              <a:rPr lang="da-DK" sz="4400" dirty="0" err="1"/>
               <a:t>access</a:t>
             </a:r>
             <a:r>
-              <a:rPr lang="da-DK" dirty="0"/>
+              <a:rPr lang="da-DK" sz="4400" dirty="0"/>
               <a:t> to a </a:t>
             </a:r>
             <a:r>
-              <a:rPr lang="da-DK" dirty="0" err="1"/>
+              <a:rPr lang="da-DK" sz="4400" dirty="0" err="1"/>
               <a:t>Azure</a:t>
             </a:r>
             <a:r>
-              <a:rPr lang="da-DK" dirty="0"/>
+              <a:rPr lang="da-DK" sz="4400" dirty="0"/>
               <a:t> SQL DB</a:t>
-            </a:r>
-          </a:p>
-          <a:p>
-            <a:pPr marL="0" indent="0">
-              <a:buNone/>
-            </a:pPr>
-            <a:endParaRPr lang="da-DK" dirty="0"/>
-          </a:p>
-          <a:p>
-            <a:r>
-              <a:rPr lang="da-DK" dirty="0"/>
-              <a:t>Design </a:t>
-            </a:r>
-            <a:r>
-              <a:rPr lang="da-DK" dirty="0" err="1"/>
-              <a:t>goals</a:t>
-            </a:r>
-            <a:r>
-              <a:rPr lang="da-DK" dirty="0"/>
-              <a:t>: Minimal </a:t>
-            </a:r>
-            <a:r>
-              <a:rPr lang="da-DK" dirty="0" err="1"/>
-              <a:t>amount</a:t>
-            </a:r>
-            <a:r>
-              <a:rPr lang="da-DK" dirty="0"/>
-              <a:t> of ”</a:t>
-            </a:r>
-            <a:r>
-              <a:rPr lang="da-DK" dirty="0" err="1"/>
-              <a:t>code</a:t>
-            </a:r>
-            <a:r>
-              <a:rPr lang="da-DK" dirty="0"/>
-              <a:t>”</a:t>
-            </a:r>
-          </a:p>
-          <a:p>
-            <a:pPr lvl="1"/>
-            <a:r>
-              <a:rPr lang="da-DK" dirty="0" err="1"/>
-              <a:t>Infrastructure</a:t>
-            </a:r>
-            <a:r>
-              <a:rPr lang="da-DK" dirty="0"/>
-              <a:t> - .</a:t>
-            </a:r>
-            <a:r>
-              <a:rPr lang="da-DK" dirty="0" err="1"/>
-              <a:t>bicep</a:t>
-            </a:r>
-            <a:r>
-              <a:rPr lang="da-DK" dirty="0"/>
-              <a:t> (ARM)</a:t>
-            </a:r>
-          </a:p>
-          <a:p>
-            <a:pPr lvl="1"/>
-            <a:r>
-              <a:rPr lang="da-DK" dirty="0"/>
-              <a:t>App - .NET 6 minimal Web API </a:t>
-            </a:r>
-            <a:r>
-              <a:rPr lang="da-DK" dirty="0" err="1"/>
-              <a:t>published</a:t>
-            </a:r>
-            <a:r>
-              <a:rPr lang="da-DK" dirty="0"/>
-              <a:t> to Web App</a:t>
-            </a:r>
-          </a:p>
-          <a:p>
-            <a:pPr lvl="1"/>
-            <a:r>
-              <a:rPr lang="da-DK" dirty="0"/>
-              <a:t>Configuration (PS Core) (</a:t>
-            </a:r>
-            <a:r>
-              <a:rPr lang="da-DK" dirty="0" err="1"/>
-              <a:t>solving</a:t>
-            </a:r>
-            <a:r>
-              <a:rPr lang="da-DK" dirty="0"/>
-              <a:t> issue with </a:t>
-            </a:r>
-            <a:r>
-              <a:rPr lang="da-DK" dirty="0" err="1"/>
-              <a:t>limited</a:t>
-            </a:r>
-            <a:r>
-              <a:rPr lang="da-DK" dirty="0"/>
-              <a:t> AAD </a:t>
-            </a:r>
-            <a:r>
-              <a:rPr lang="da-DK" dirty="0" err="1"/>
-              <a:t>rights</a:t>
-            </a:r>
-            <a:r>
-              <a:rPr lang="da-DK" dirty="0"/>
-              <a:t>)</a:t>
             </a:r>
           </a:p>
           <a:p>
@@ -5610,7 +5996,7 @@
           <p:cNvPr id="2" name="Title 1">
             <a:extLst>
               <a:ext uri="{FF2B5EF4-FFF2-40B4-BE49-F238E27FC236}">
-                <a16:creationId xmlns:a16="http://schemas.microsoft.com/office/drawing/2014/main" id="{ADBCAF20-CC7C-8306-4456-AE8013C00B18}"/>
+                <a16:creationId xmlns:a16="http://schemas.microsoft.com/office/drawing/2014/main" id="{01327C8D-D8DB-6708-B3BD-93A8F47EA5FB}"/>
               </a:ext>
             </a:extLst>
           </p:cNvPr>
@@ -5627,211 +6013,136 @@
           <a:lstStyle/>
           <a:p>
             <a:r>
-              <a:rPr lang="da-DK" dirty="0" err="1"/>
-              <a:t>Preparations</a:t>
-            </a:r>
+              <a:rPr lang="da-DK" dirty="0"/>
+              <a:t>Deployment parts</a:t>
+            </a:r>
+          </a:p>
+        </p:txBody>
+      </p:sp>
+      <p:sp>
+        <p:nvSpPr>
+          <p:cNvPr id="3" name="Content Placeholder 2">
+            <a:extLst>
+              <a:ext uri="{FF2B5EF4-FFF2-40B4-BE49-F238E27FC236}">
+                <a16:creationId xmlns:a16="http://schemas.microsoft.com/office/drawing/2014/main" id="{000342E8-A2A2-FBD5-FA76-C17FB3DD7561}"/>
+              </a:ext>
+            </a:extLst>
+          </p:cNvPr>
+          <p:cNvSpPr>
+            <a:spLocks noGrp="1"/>
+          </p:cNvSpPr>
+          <p:nvPr>
+            <p:ph idx="1"/>
+          </p:nvPr>
+        </p:nvSpPr>
+        <p:spPr/>
+        <p:txBody>
+          <a:bodyPr/>
+          <a:lstStyle/>
+          <a:p>
+            <a:r>
+              <a:rPr lang="da-DK" sz="4000" dirty="0"/>
+              <a:t>Design </a:t>
+            </a:r>
+            <a:r>
+              <a:rPr lang="da-DK" sz="4000" dirty="0" err="1"/>
+              <a:t>goals</a:t>
+            </a:r>
+            <a:r>
+              <a:rPr lang="da-DK" sz="4000" dirty="0"/>
+              <a:t>: Minimal </a:t>
+            </a:r>
+            <a:r>
+              <a:rPr lang="da-DK" sz="4000" dirty="0" err="1"/>
+              <a:t>amount</a:t>
+            </a:r>
+            <a:r>
+              <a:rPr lang="da-DK" sz="4000" dirty="0"/>
+              <a:t> of ”</a:t>
+            </a:r>
+            <a:r>
+              <a:rPr lang="da-DK" sz="4000" dirty="0" err="1"/>
+              <a:t>code</a:t>
+            </a:r>
+            <a:r>
+              <a:rPr lang="da-DK" sz="4000" dirty="0"/>
+              <a:t>”</a:t>
+            </a:r>
+          </a:p>
+          <a:p>
+            <a:pPr lvl="1"/>
+            <a:r>
+              <a:rPr lang="da-DK" sz="4000" dirty="0" err="1"/>
+              <a:t>Infrastructure</a:t>
+            </a:r>
+            <a:r>
+              <a:rPr lang="da-DK" sz="4000" dirty="0"/>
+              <a:t> - .</a:t>
+            </a:r>
+            <a:r>
+              <a:rPr lang="da-DK" sz="4000" dirty="0" err="1"/>
+              <a:t>bicep</a:t>
+            </a:r>
+            <a:r>
+              <a:rPr lang="da-DK" sz="4000" dirty="0"/>
+              <a:t> (ARM)</a:t>
+            </a:r>
+          </a:p>
+          <a:p>
+            <a:pPr lvl="1"/>
+            <a:r>
+              <a:rPr lang="da-DK" sz="4000" dirty="0"/>
+              <a:t>App - .NET 8 minimal Web API </a:t>
+            </a:r>
+            <a:r>
+              <a:rPr lang="da-DK" sz="4000" dirty="0" err="1"/>
+              <a:t>published</a:t>
+            </a:r>
+            <a:r>
+              <a:rPr lang="da-DK" sz="4000" dirty="0"/>
+              <a:t> to Web App</a:t>
+            </a:r>
+          </a:p>
+          <a:p>
+            <a:pPr lvl="1"/>
+            <a:r>
+              <a:rPr lang="da-DK" sz="4000" dirty="0"/>
+              <a:t>Configuration (PS Core) (</a:t>
+            </a:r>
+            <a:r>
+              <a:rPr lang="da-DK" sz="4000" dirty="0" err="1"/>
+              <a:t>solving</a:t>
+            </a:r>
+            <a:r>
+              <a:rPr lang="da-DK" sz="4000" dirty="0"/>
+              <a:t> issue with </a:t>
+            </a:r>
+            <a:r>
+              <a:rPr lang="da-DK" sz="4000" dirty="0" err="1"/>
+              <a:t>limited</a:t>
+            </a:r>
+            <a:r>
+              <a:rPr lang="da-DK" sz="4000" dirty="0"/>
+              <a:t> Entra ID </a:t>
+            </a:r>
+            <a:r>
+              <a:rPr lang="da-DK" sz="4000" dirty="0" err="1"/>
+              <a:t>rights</a:t>
+            </a:r>
+            <a:r>
+              <a:rPr lang="da-DK" sz="4000" dirty="0"/>
+              <a:t>)</a:t>
+            </a:r>
+          </a:p>
+          <a:p>
             <a:endParaRPr lang="da-DK" dirty="0"/>
-          </a:p>
-        </p:txBody>
-      </p:sp>
-      <p:sp>
-        <p:nvSpPr>
-          <p:cNvPr id="3" name="Content Placeholder 2">
-            <a:extLst>
-              <a:ext uri="{FF2B5EF4-FFF2-40B4-BE49-F238E27FC236}">
-                <a16:creationId xmlns:a16="http://schemas.microsoft.com/office/drawing/2014/main" id="{20F260CC-5C1F-2005-D3FC-BD04D82B794B}"/>
-              </a:ext>
-            </a:extLst>
-          </p:cNvPr>
-          <p:cNvSpPr>
-            <a:spLocks noGrp="1"/>
-          </p:cNvSpPr>
-          <p:nvPr>
-            <p:ph idx="1"/>
-          </p:nvPr>
-        </p:nvSpPr>
-        <p:spPr>
-          <a:xfrm>
-            <a:off x="461394" y="1825625"/>
-            <a:ext cx="10892406" cy="4351338"/>
-          </a:xfrm>
-        </p:spPr>
-        <p:txBody>
-          <a:bodyPr>
-            <a:normAutofit/>
-          </a:bodyPr>
-          <a:lstStyle/>
-          <a:p>
-            <a:pPr marL="0" indent="0">
-              <a:buNone/>
-            </a:pPr>
-            <a:r>
-              <a:rPr lang="en-US" sz="3600" kern="100" dirty="0" err="1">
-                <a:solidFill>
-                  <a:srgbClr val="161616"/>
-                </a:solidFill>
-                <a:effectLst/>
-                <a:highlight>
-                  <a:srgbClr val="F2F2F2"/>
-                </a:highlight>
-                <a:latin typeface="Consolas" panose="020B0609020204030204" pitchFamily="49" charset="0"/>
-                <a:ea typeface="Calibri" panose="020F0502020204030204" pitchFamily="34" charset="0"/>
-                <a:cs typeface="Times New Roman" panose="02020603050405020304" pitchFamily="18" charset="0"/>
-              </a:rPr>
-              <a:t>winget</a:t>
-            </a:r>
-            <a:r>
-              <a:rPr lang="en-US" sz="3600" kern="100" dirty="0">
-                <a:solidFill>
-                  <a:srgbClr val="161616"/>
-                </a:solidFill>
-                <a:effectLst/>
-                <a:highlight>
-                  <a:srgbClr val="F2F2F2"/>
-                </a:highlight>
-                <a:latin typeface="Consolas" panose="020B0609020204030204" pitchFamily="49" charset="0"/>
-                <a:ea typeface="Calibri" panose="020F0502020204030204" pitchFamily="34" charset="0"/>
-                <a:cs typeface="Times New Roman" panose="02020603050405020304" pitchFamily="18" charset="0"/>
-              </a:rPr>
-              <a:t> install</a:t>
-            </a:r>
-            <a:r>
-              <a:rPr lang="en-US" sz="3600" kern="100" dirty="0">
-                <a:solidFill>
-                  <a:srgbClr val="006881"/>
-                </a:solidFill>
-                <a:effectLst/>
-                <a:highlight>
-                  <a:srgbClr val="F2F2F2"/>
-                </a:highlight>
-                <a:latin typeface="Consolas" panose="020B0609020204030204" pitchFamily="49" charset="0"/>
-                <a:ea typeface="Calibri" panose="020F0502020204030204" pitchFamily="34" charset="0"/>
-                <a:cs typeface="Times New Roman" panose="02020603050405020304" pitchFamily="18" charset="0"/>
-              </a:rPr>
-              <a:t> -e --id</a:t>
-            </a:r>
-            <a:r>
-              <a:rPr lang="en-US" sz="3600" kern="100" dirty="0">
-                <a:solidFill>
-                  <a:srgbClr val="161616"/>
-                </a:solidFill>
-                <a:effectLst/>
-                <a:highlight>
-                  <a:srgbClr val="F2F2F2"/>
-                </a:highlight>
-                <a:latin typeface="Consolas" panose="020B0609020204030204" pitchFamily="49" charset="0"/>
-                <a:ea typeface="Calibri" panose="020F0502020204030204" pitchFamily="34" charset="0"/>
-                <a:cs typeface="Times New Roman" panose="02020603050405020304" pitchFamily="18" charset="0"/>
-              </a:rPr>
-              <a:t> </a:t>
-            </a:r>
-            <a:r>
-              <a:rPr lang="en-US" sz="3600" kern="100" dirty="0" err="1">
-                <a:solidFill>
-                  <a:srgbClr val="161616"/>
-                </a:solidFill>
-                <a:effectLst/>
-                <a:highlight>
-                  <a:srgbClr val="F2F2F2"/>
-                </a:highlight>
-                <a:latin typeface="Consolas" panose="020B0609020204030204" pitchFamily="49" charset="0"/>
-                <a:ea typeface="Calibri" panose="020F0502020204030204" pitchFamily="34" charset="0"/>
-                <a:cs typeface="Times New Roman" panose="02020603050405020304" pitchFamily="18" charset="0"/>
-              </a:rPr>
-              <a:t>Microsoft.Bicep</a:t>
-            </a:r>
-            <a:r>
-              <a:rPr lang="en-US" sz="3600" kern="100" dirty="0">
-                <a:effectLst/>
-                <a:latin typeface="Calibri" panose="020F0502020204030204" pitchFamily="34" charset="0"/>
-                <a:ea typeface="Calibri" panose="020F0502020204030204" pitchFamily="34" charset="0"/>
-                <a:cs typeface="Times New Roman" panose="02020603050405020304" pitchFamily="18" charset="0"/>
-              </a:rPr>
-              <a:t> </a:t>
-            </a:r>
-            <a:endParaRPr lang="da-DK" sz="3600" kern="100" dirty="0">
-              <a:effectLst/>
-              <a:latin typeface="Calibri" panose="020F0502020204030204" pitchFamily="34" charset="0"/>
-              <a:ea typeface="Calibri" panose="020F0502020204030204" pitchFamily="34" charset="0"/>
-              <a:cs typeface="Times New Roman" panose="02020603050405020304" pitchFamily="18" charset="0"/>
-            </a:endParaRPr>
-          </a:p>
-          <a:p>
-            <a:pPr marL="0" indent="0">
-              <a:buNone/>
-            </a:pPr>
-            <a:r>
-              <a:rPr lang="en-US" sz="3600" kern="100" dirty="0">
-                <a:effectLst/>
-                <a:latin typeface="Calibri" panose="020F0502020204030204" pitchFamily="34" charset="0"/>
-                <a:ea typeface="Calibri" panose="020F0502020204030204" pitchFamily="34" charset="0"/>
-                <a:cs typeface="Times New Roman" panose="02020603050405020304" pitchFamily="18" charset="0"/>
-              </a:rPr>
-              <a:t>Connect-</a:t>
-            </a:r>
-            <a:r>
-              <a:rPr lang="en-US" sz="3600" kern="100" dirty="0" err="1">
-                <a:effectLst/>
-                <a:latin typeface="Calibri" panose="020F0502020204030204" pitchFamily="34" charset="0"/>
-                <a:ea typeface="Calibri" panose="020F0502020204030204" pitchFamily="34" charset="0"/>
-                <a:cs typeface="Times New Roman" panose="02020603050405020304" pitchFamily="18" charset="0"/>
-              </a:rPr>
-              <a:t>AzAccount</a:t>
-            </a:r>
-            <a:endParaRPr lang="da-DK" sz="3600" kern="100" dirty="0">
-              <a:effectLst/>
-              <a:latin typeface="Calibri" panose="020F0502020204030204" pitchFamily="34" charset="0"/>
-              <a:ea typeface="Calibri" panose="020F0502020204030204" pitchFamily="34" charset="0"/>
-              <a:cs typeface="Times New Roman" panose="02020603050405020304" pitchFamily="18" charset="0"/>
-            </a:endParaRPr>
-          </a:p>
-          <a:p>
-            <a:pPr marL="0" indent="0">
-              <a:buNone/>
-            </a:pPr>
-            <a:r>
-              <a:rPr lang="en-US" sz="3600" kern="100" dirty="0">
-                <a:effectLst/>
-                <a:latin typeface="Calibri" panose="020F0502020204030204" pitchFamily="34" charset="0"/>
-                <a:ea typeface="Calibri" panose="020F0502020204030204" pitchFamily="34" charset="0"/>
-                <a:cs typeface="Times New Roman" panose="02020603050405020304" pitchFamily="18" charset="0"/>
-              </a:rPr>
-              <a:t>Set-</a:t>
-            </a:r>
-            <a:r>
-              <a:rPr lang="en-US" sz="3600" kern="100" dirty="0" err="1">
-                <a:effectLst/>
-                <a:latin typeface="Calibri" panose="020F0502020204030204" pitchFamily="34" charset="0"/>
-                <a:ea typeface="Calibri" panose="020F0502020204030204" pitchFamily="34" charset="0"/>
-                <a:cs typeface="Times New Roman" panose="02020603050405020304" pitchFamily="18" charset="0"/>
-              </a:rPr>
-              <a:t>AzContext</a:t>
-            </a:r>
-            <a:r>
-              <a:rPr lang="en-US" sz="3600" kern="100" dirty="0">
-                <a:effectLst/>
-                <a:latin typeface="Calibri" panose="020F0502020204030204" pitchFamily="34" charset="0"/>
-                <a:ea typeface="Calibri" panose="020F0502020204030204" pitchFamily="34" charset="0"/>
-                <a:cs typeface="Times New Roman" panose="02020603050405020304" pitchFamily="18" charset="0"/>
-              </a:rPr>
-              <a:t> -Subscription ”xxx”</a:t>
-            </a:r>
-            <a:endParaRPr lang="da-DK" sz="3600" kern="100" dirty="0">
-              <a:effectLst/>
-              <a:latin typeface="Calibri" panose="020F0502020204030204" pitchFamily="34" charset="0"/>
-              <a:ea typeface="Calibri" panose="020F0502020204030204" pitchFamily="34" charset="0"/>
-              <a:cs typeface="Times New Roman" panose="02020603050405020304" pitchFamily="18" charset="0"/>
-            </a:endParaRPr>
-          </a:p>
-          <a:p>
-            <a:endParaRPr lang="da-DK" sz="3600" dirty="0"/>
           </a:p>
         </p:txBody>
       </p:sp>
     </p:spTree>
     <p:extLst>
       <p:ext uri="{BB962C8B-B14F-4D97-AF65-F5344CB8AC3E}">
-        <p14:creationId xmlns:p14="http://schemas.microsoft.com/office/powerpoint/2010/main" val="480076927"/>
+        <p14:creationId xmlns:p14="http://schemas.microsoft.com/office/powerpoint/2010/main" val="56921681"/>
       </p:ext>
     </p:extLst>
   </p:cSld>

--- a/ManagedIdentity.pptx
+++ b/ManagedIdentity.pptx
@@ -6,18 +6,17 @@
   </p:sldMasterIdLst>
   <p:sldIdLst>
     <p:sldId id="256" r:id="rId2"/>
-    <p:sldId id="2076138468" r:id="rId3"/>
-    <p:sldId id="261" r:id="rId4"/>
-    <p:sldId id="257" r:id="rId5"/>
-    <p:sldId id="258" r:id="rId6"/>
-    <p:sldId id="259" r:id="rId7"/>
-    <p:sldId id="260" r:id="rId8"/>
-    <p:sldId id="262" r:id="rId9"/>
-    <p:sldId id="2076138471" r:id="rId10"/>
-    <p:sldId id="2076138469" r:id="rId11"/>
-    <p:sldId id="2076138470" r:id="rId12"/>
-    <p:sldId id="2076138474" r:id="rId13"/>
-    <p:sldId id="2076138473" r:id="rId14"/>
+    <p:sldId id="261" r:id="rId3"/>
+    <p:sldId id="257" r:id="rId4"/>
+    <p:sldId id="258" r:id="rId5"/>
+    <p:sldId id="259" r:id="rId6"/>
+    <p:sldId id="260" r:id="rId7"/>
+    <p:sldId id="262" r:id="rId8"/>
+    <p:sldId id="2076138471" r:id="rId9"/>
+    <p:sldId id="2076138469" r:id="rId10"/>
+    <p:sldId id="2076138470" r:id="rId11"/>
+    <p:sldId id="2076138474" r:id="rId12"/>
+    <p:sldId id="2076138473" r:id="rId13"/>
   </p:sldIdLst>
   <p:sldSz cx="12192000" cy="6858000"/>
   <p:notesSz cx="6858000" cy="9144000"/>
@@ -273,7 +272,7 @@
           <a:p>
             <a:fld id="{D72136B4-92FF-4E8F-B70B-3CB00DD468A9}" type="datetimeFigureOut">
               <a:rPr lang="da-DK" smtClean="0"/>
-              <a:t>25-06-2024</a:t>
+              <a:t>10-11-2024</a:t>
             </a:fld>
             <a:endParaRPr lang="da-DK"/>
           </a:p>
@@ -473,7 +472,7 @@
           <a:p>
             <a:fld id="{D72136B4-92FF-4E8F-B70B-3CB00DD468A9}" type="datetimeFigureOut">
               <a:rPr lang="da-DK" smtClean="0"/>
-              <a:t>25-06-2024</a:t>
+              <a:t>10-11-2024</a:t>
             </a:fld>
             <a:endParaRPr lang="da-DK"/>
           </a:p>
@@ -683,7 +682,7 @@
           <a:p>
             <a:fld id="{D72136B4-92FF-4E8F-B70B-3CB00DD468A9}" type="datetimeFigureOut">
               <a:rPr lang="da-DK" smtClean="0"/>
-              <a:t>25-06-2024</a:t>
+              <a:t>10-11-2024</a:t>
             </a:fld>
             <a:endParaRPr lang="da-DK"/>
           </a:p>
@@ -753,256 +752,6 @@
   <p:clrMapOvr>
     <a:masterClrMapping/>
   </p:clrMapOvr>
-</p:sldLayout>
-</file>
-
-<file path=ppt/slideLayouts/slideLayout12.xml><?xml version="1.0" encoding="utf-8"?>
-<p:sldLayout xmlns:a="http://schemas.openxmlformats.org/drawingml/2006/main" xmlns:r="http://schemas.openxmlformats.org/officeDocument/2006/relationships" xmlns:p="http://schemas.openxmlformats.org/presentationml/2006/main" userDrawn="1">
-  <p:cSld name="Header Line Blank">
-    <p:spTree>
-      <p:nvGrpSpPr>
-        <p:cNvPr id="1" name=""/>
-        <p:cNvGrpSpPr/>
-        <p:nvPr/>
-      </p:nvGrpSpPr>
-      <p:grpSpPr>
-        <a:xfrm>
-          <a:off x="0" y="0"/>
-          <a:ext cx="0" cy="0"/>
-          <a:chOff x="0" y="0"/>
-          <a:chExt cx="0" cy="0"/>
-        </a:xfrm>
-      </p:grpSpPr>
-      <p:sp>
-        <p:nvSpPr>
-          <p:cNvPr id="2" name="Title 2">
-            <a:extLst>
-              <a:ext uri="{FF2B5EF4-FFF2-40B4-BE49-F238E27FC236}">
-                <a16:creationId xmlns:a16="http://schemas.microsoft.com/office/drawing/2014/main" id="{BB973DD2-1476-E74C-99DF-240F2E508778}"/>
-              </a:ext>
-            </a:extLst>
-          </p:cNvPr>
-          <p:cNvSpPr>
-            <a:spLocks noGrp="1"/>
-          </p:cNvSpPr>
-          <p:nvPr>
-            <p:ph type="title"/>
-          </p:nvPr>
-        </p:nvSpPr>
-        <p:spPr>
-          <a:xfrm>
-            <a:off x="588263" y="457200"/>
-            <a:ext cx="11018520" cy="553998"/>
-          </a:xfrm>
-        </p:spPr>
-        <p:txBody>
-          <a:bodyPr anchor="ctr">
-            <a:spAutoFit/>
-          </a:bodyPr>
-          <a:lstStyle>
-            <a:lvl1pPr>
-              <a:defRPr>
-                <a:solidFill>
-                  <a:schemeClr val="tx1"/>
-                </a:solidFill>
-              </a:defRPr>
-            </a:lvl1pPr>
-          </a:lstStyle>
-          <a:p>
-            <a:r>
-              <a:rPr lang="en-US"/>
-              <a:t>Click to edit Master title style</a:t>
-            </a:r>
-          </a:p>
-        </p:txBody>
-      </p:sp>
-      <p:cxnSp>
-        <p:nvCxnSpPr>
-          <p:cNvPr id="3" name="Straight Connector 2">
-            <a:extLst>
-              <a:ext uri="{FF2B5EF4-FFF2-40B4-BE49-F238E27FC236}">
-                <a16:creationId xmlns:a16="http://schemas.microsoft.com/office/drawing/2014/main" id="{2502F9BD-EF25-7144-AB08-9EDFAA5C2CEA}"/>
-              </a:ext>
-            </a:extLst>
-          </p:cNvPr>
-          <p:cNvCxnSpPr/>
-          <p:nvPr userDrawn="1"/>
-        </p:nvCxnSpPr>
-        <p:spPr>
-          <a:xfrm>
-            <a:off x="584200" y="1219200"/>
-            <a:ext cx="11025188" cy="0"/>
-          </a:xfrm>
-          <a:prstGeom prst="line">
-            <a:avLst/>
-          </a:prstGeom>
-          <a:ln w="25400">
-            <a:solidFill>
-              <a:schemeClr val="tx2"/>
-            </a:solidFill>
-            <a:headEnd type="none" w="lg" len="med"/>
-            <a:tailEnd type="none" w="lg" len="med"/>
-          </a:ln>
-        </p:spPr>
-        <p:style>
-          <a:lnRef idx="1">
-            <a:schemeClr val="accent1"/>
-          </a:lnRef>
-          <a:fillRef idx="0">
-            <a:schemeClr val="accent1"/>
-          </a:fillRef>
-          <a:effectRef idx="0">
-            <a:schemeClr val="accent1"/>
-          </a:effectRef>
-          <a:fontRef idx="minor">
-            <a:schemeClr val="tx1"/>
-          </a:fontRef>
-        </p:style>
-      </p:cxnSp>
-    </p:spTree>
-    <p:extLst>
-      <p:ext uri="{BB962C8B-B14F-4D97-AF65-F5344CB8AC3E}">
-        <p14:creationId xmlns:p14="http://schemas.microsoft.com/office/powerpoint/2010/main" val="1837416806"/>
-      </p:ext>
-    </p:extLst>
-  </p:cSld>
-  <p:clrMapOvr>
-    <a:masterClrMapping/>
-  </p:clrMapOvr>
-  <p:transition>
-    <p:fade/>
-  </p:transition>
-  <p:extLst>
-    <p:ext uri="{DCECCB84-F9BA-43D5-87BE-67443E8EF086}">
-      <p15:sldGuideLst xmlns:p15="http://schemas.microsoft.com/office/powerpoint/2012/main">
-        <p15:guide id="6" pos="779">
-          <p15:clr>
-            <a:srgbClr val="A4A3A4"/>
-          </p15:clr>
-        </p15:guide>
-        <p15:guide id="7" pos="962">
-          <p15:clr>
-            <a:srgbClr val="A4A3A4"/>
-          </p15:clr>
-        </p15:guide>
-        <p15:guide id="8" pos="1373">
-          <p15:clr>
-            <a:srgbClr val="A4A3A4"/>
-          </p15:clr>
-        </p15:guide>
-        <p15:guide id="9" pos="1556">
-          <p15:clr>
-            <a:srgbClr val="A4A3A4"/>
-          </p15:clr>
-        </p15:guide>
-        <p15:guide id="10" pos="1967">
-          <p15:clr>
-            <a:srgbClr val="A4A3A4"/>
-          </p15:clr>
-        </p15:guide>
-        <p15:guide id="11" pos="2150">
-          <p15:clr>
-            <a:srgbClr val="A4A3A4"/>
-          </p15:clr>
-        </p15:guide>
-        <p15:guide id="12" pos="2561">
-          <p15:clr>
-            <a:srgbClr val="A4A3A4"/>
-          </p15:clr>
-        </p15:guide>
-        <p15:guide id="13" pos="2744">
-          <p15:clr>
-            <a:srgbClr val="A4A3A4"/>
-          </p15:clr>
-        </p15:guide>
-        <p15:guide id="14" pos="3161">
-          <p15:clr>
-            <a:srgbClr val="A4A3A4"/>
-          </p15:clr>
-        </p15:guide>
-        <p15:guide id="15" pos="3348">
-          <p15:clr>
-            <a:srgbClr val="A4A3A4"/>
-          </p15:clr>
-        </p15:guide>
-        <p15:guide id="16" pos="3754">
-          <p15:clr>
-            <a:srgbClr val="A4A3A4"/>
-          </p15:clr>
-        </p15:guide>
-        <p15:guide id="17" pos="3931">
-          <p15:clr>
-            <a:srgbClr val="A4A3A4"/>
-          </p15:clr>
-        </p15:guide>
-        <p15:guide id="18" pos="4342">
-          <p15:clr>
-            <a:srgbClr val="A4A3A4"/>
-          </p15:clr>
-        </p15:guide>
-        <p15:guide id="19" pos="4531">
-          <p15:clr>
-            <a:srgbClr val="A4A3A4"/>
-          </p15:clr>
-        </p15:guide>
-        <p15:guide id="20" pos="4937">
-          <p15:clr>
-            <a:srgbClr val="A4A3A4"/>
-          </p15:clr>
-        </p15:guide>
-        <p15:guide id="21" pos="5120">
-          <p15:clr>
-            <a:srgbClr val="A4A3A4"/>
-          </p15:clr>
-        </p15:guide>
-        <p15:guide id="22" pos="5529">
-          <p15:clr>
-            <a:srgbClr val="A4A3A4"/>
-          </p15:clr>
-        </p15:guide>
-        <p15:guide id="23" pos="5714">
-          <p15:clr>
-            <a:srgbClr val="A4A3A4"/>
-          </p15:clr>
-        </p15:guide>
-        <p15:guide id="24" pos="6123">
-          <p15:clr>
-            <a:srgbClr val="A4A3A4"/>
-          </p15:clr>
-        </p15:guide>
-        <p15:guide id="25" pos="6308">
-          <p15:clr>
-            <a:srgbClr val="A4A3A4"/>
-          </p15:clr>
-        </p15:guide>
-        <p15:guide id="26" pos="6717">
-          <p15:clr>
-            <a:srgbClr val="A4A3A4"/>
-          </p15:clr>
-        </p15:guide>
-        <p15:guide id="27" pos="6900">
-          <p15:clr>
-            <a:srgbClr val="A4A3A4"/>
-          </p15:clr>
-        </p15:guide>
-        <p15:guide id="28" orient="horz" pos="905">
-          <p15:clr>
-            <a:srgbClr val="5ACBF0"/>
-          </p15:clr>
-        </p15:guide>
-        <p15:guide id="29" orient="horz" pos="1271">
-          <p15:clr>
-            <a:srgbClr val="5ACBF0"/>
-          </p15:clr>
-        </p15:guide>
-        <p15:guide id="30" orient="horz" pos="288">
-          <p15:clr>
-            <a:srgbClr val="5ACBF0"/>
-          </p15:clr>
-        </p15:guide>
-      </p15:sldGuideLst>
-    </p:ext>
-  </p:extLst>
 </p:sldLayout>
 </file>
 
@@ -1133,7 +882,7 @@
           <a:p>
             <a:fld id="{D72136B4-92FF-4E8F-B70B-3CB00DD468A9}" type="datetimeFigureOut">
               <a:rPr lang="da-DK" smtClean="0"/>
-              <a:t>25-06-2024</a:t>
+              <a:t>10-11-2024</a:t>
             </a:fld>
             <a:endParaRPr lang="da-DK"/>
           </a:p>
@@ -1409,7 +1158,7 @@
           <a:p>
             <a:fld id="{D72136B4-92FF-4E8F-B70B-3CB00DD468A9}" type="datetimeFigureOut">
               <a:rPr lang="da-DK" smtClean="0"/>
-              <a:t>25-06-2024</a:t>
+              <a:t>10-11-2024</a:t>
             </a:fld>
             <a:endParaRPr lang="da-DK"/>
           </a:p>
@@ -1677,7 +1426,7 @@
           <a:p>
             <a:fld id="{D72136B4-92FF-4E8F-B70B-3CB00DD468A9}" type="datetimeFigureOut">
               <a:rPr lang="da-DK" smtClean="0"/>
-              <a:t>25-06-2024</a:t>
+              <a:t>10-11-2024</a:t>
             </a:fld>
             <a:endParaRPr lang="da-DK"/>
           </a:p>
@@ -2092,7 +1841,7 @@
           <a:p>
             <a:fld id="{D72136B4-92FF-4E8F-B70B-3CB00DD468A9}" type="datetimeFigureOut">
               <a:rPr lang="da-DK" smtClean="0"/>
-              <a:t>25-06-2024</a:t>
+              <a:t>10-11-2024</a:t>
             </a:fld>
             <a:endParaRPr lang="da-DK"/>
           </a:p>
@@ -2234,7 +1983,7 @@
           <a:p>
             <a:fld id="{D72136B4-92FF-4E8F-B70B-3CB00DD468A9}" type="datetimeFigureOut">
               <a:rPr lang="da-DK" smtClean="0"/>
-              <a:t>25-06-2024</a:t>
+              <a:t>10-11-2024</a:t>
             </a:fld>
             <a:endParaRPr lang="da-DK"/>
           </a:p>
@@ -2347,7 +2096,7 @@
           <a:p>
             <a:fld id="{D72136B4-92FF-4E8F-B70B-3CB00DD468A9}" type="datetimeFigureOut">
               <a:rPr lang="da-DK" smtClean="0"/>
-              <a:t>25-06-2024</a:t>
+              <a:t>10-11-2024</a:t>
             </a:fld>
             <a:endParaRPr lang="da-DK"/>
           </a:p>
@@ -2660,7 +2409,7 @@
           <a:p>
             <a:fld id="{D72136B4-92FF-4E8F-B70B-3CB00DD468A9}" type="datetimeFigureOut">
               <a:rPr lang="da-DK" smtClean="0"/>
-              <a:t>25-06-2024</a:t>
+              <a:t>10-11-2024</a:t>
             </a:fld>
             <a:endParaRPr lang="da-DK"/>
           </a:p>
@@ -2949,7 +2698,7 @@
           <a:p>
             <a:fld id="{D72136B4-92FF-4E8F-B70B-3CB00DD468A9}" type="datetimeFigureOut">
               <a:rPr lang="da-DK" smtClean="0"/>
-              <a:t>25-06-2024</a:t>
+              <a:t>10-11-2024</a:t>
             </a:fld>
             <a:endParaRPr lang="da-DK"/>
           </a:p>
@@ -3192,7 +2941,7 @@
           <a:p>
             <a:fld id="{D72136B4-92FF-4E8F-B70B-3CB00DD468A9}" type="datetimeFigureOut">
               <a:rPr lang="da-DK" smtClean="0"/>
-              <a:t>25-06-2024</a:t>
+              <a:t>10-11-2024</a:t>
             </a:fld>
             <a:endParaRPr lang="da-DK"/>
           </a:p>
@@ -3308,7 +3057,6 @@
     <p:sldLayoutId id="2147483657" r:id="rId9"/>
     <p:sldLayoutId id="2147483658" r:id="rId10"/>
     <p:sldLayoutId id="2147483659" r:id="rId11"/>
-    <p:sldLayoutId id="2147483660" r:id="rId12"/>
   </p:sldLayoutIdLst>
   <p:txStyles>
     <p:titleStyle>
@@ -3786,323 +3534,6 @@
           <p:cNvPr id="2" name="Title 1">
             <a:extLst>
               <a:ext uri="{FF2B5EF4-FFF2-40B4-BE49-F238E27FC236}">
-                <a16:creationId xmlns:a16="http://schemas.microsoft.com/office/drawing/2014/main" id="{ADBCAF20-CC7C-8306-4456-AE8013C00B18}"/>
-              </a:ext>
-            </a:extLst>
-          </p:cNvPr>
-          <p:cNvSpPr>
-            <a:spLocks noGrp="1"/>
-          </p:cNvSpPr>
-          <p:nvPr>
-            <p:ph type="title"/>
-          </p:nvPr>
-        </p:nvSpPr>
-        <p:spPr/>
-        <p:txBody>
-          <a:bodyPr/>
-          <a:lstStyle/>
-          <a:p>
-            <a:r>
-              <a:rPr lang="da-DK" dirty="0" err="1"/>
-              <a:t>Preparations</a:t>
-            </a:r>
-            <a:endParaRPr lang="da-DK" dirty="0"/>
-          </a:p>
-        </p:txBody>
-      </p:sp>
-      <p:sp>
-        <p:nvSpPr>
-          <p:cNvPr id="3" name="Content Placeholder 2">
-            <a:extLst>
-              <a:ext uri="{FF2B5EF4-FFF2-40B4-BE49-F238E27FC236}">
-                <a16:creationId xmlns:a16="http://schemas.microsoft.com/office/drawing/2014/main" id="{20F260CC-5C1F-2005-D3FC-BD04D82B794B}"/>
-              </a:ext>
-            </a:extLst>
-          </p:cNvPr>
-          <p:cNvSpPr>
-            <a:spLocks noGrp="1"/>
-          </p:cNvSpPr>
-          <p:nvPr>
-            <p:ph idx="1"/>
-          </p:nvPr>
-        </p:nvSpPr>
-        <p:spPr>
-          <a:xfrm>
-            <a:off x="461394" y="1825625"/>
-            <a:ext cx="10892406" cy="4351338"/>
-          </a:xfrm>
-        </p:spPr>
-        <p:txBody>
-          <a:bodyPr>
-            <a:normAutofit/>
-          </a:bodyPr>
-          <a:lstStyle/>
-          <a:p>
-            <a:pPr marL="0" indent="0">
-              <a:buNone/>
-            </a:pPr>
-            <a:r>
-              <a:rPr lang="en-US" sz="3600" kern="100" dirty="0" err="1">
-                <a:solidFill>
-                  <a:srgbClr val="161616"/>
-                </a:solidFill>
-                <a:effectLst/>
-                <a:highlight>
-                  <a:srgbClr val="F2F2F2"/>
-                </a:highlight>
-                <a:latin typeface="Consolas" panose="020B0609020204030204" pitchFamily="49" charset="0"/>
-                <a:ea typeface="Calibri" panose="020F0502020204030204" pitchFamily="34" charset="0"/>
-                <a:cs typeface="Times New Roman" panose="02020603050405020304" pitchFamily="18" charset="0"/>
-              </a:rPr>
-              <a:t>winget</a:t>
-            </a:r>
-            <a:r>
-              <a:rPr lang="en-US" sz="3600" kern="100" dirty="0">
-                <a:solidFill>
-                  <a:srgbClr val="161616"/>
-                </a:solidFill>
-                <a:effectLst/>
-                <a:highlight>
-                  <a:srgbClr val="F2F2F2"/>
-                </a:highlight>
-                <a:latin typeface="Consolas" panose="020B0609020204030204" pitchFamily="49" charset="0"/>
-                <a:ea typeface="Calibri" panose="020F0502020204030204" pitchFamily="34" charset="0"/>
-                <a:cs typeface="Times New Roman" panose="02020603050405020304" pitchFamily="18" charset="0"/>
-              </a:rPr>
-              <a:t> install</a:t>
-            </a:r>
-            <a:r>
-              <a:rPr lang="en-US" sz="3600" kern="100" dirty="0">
-                <a:solidFill>
-                  <a:srgbClr val="006881"/>
-                </a:solidFill>
-                <a:effectLst/>
-                <a:highlight>
-                  <a:srgbClr val="F2F2F2"/>
-                </a:highlight>
-                <a:latin typeface="Consolas" panose="020B0609020204030204" pitchFamily="49" charset="0"/>
-                <a:ea typeface="Calibri" panose="020F0502020204030204" pitchFamily="34" charset="0"/>
-                <a:cs typeface="Times New Roman" panose="02020603050405020304" pitchFamily="18" charset="0"/>
-              </a:rPr>
-              <a:t> -e --id</a:t>
-            </a:r>
-            <a:r>
-              <a:rPr lang="en-US" sz="3600" kern="100" dirty="0">
-                <a:solidFill>
-                  <a:srgbClr val="161616"/>
-                </a:solidFill>
-                <a:effectLst/>
-                <a:highlight>
-                  <a:srgbClr val="F2F2F2"/>
-                </a:highlight>
-                <a:latin typeface="Consolas" panose="020B0609020204030204" pitchFamily="49" charset="0"/>
-                <a:ea typeface="Calibri" panose="020F0502020204030204" pitchFamily="34" charset="0"/>
-                <a:cs typeface="Times New Roman" panose="02020603050405020304" pitchFamily="18" charset="0"/>
-              </a:rPr>
-              <a:t> </a:t>
-            </a:r>
-            <a:r>
-              <a:rPr lang="en-US" sz="3600" kern="100" dirty="0" err="1">
-                <a:solidFill>
-                  <a:srgbClr val="161616"/>
-                </a:solidFill>
-                <a:effectLst/>
-                <a:highlight>
-                  <a:srgbClr val="F2F2F2"/>
-                </a:highlight>
-                <a:latin typeface="Consolas" panose="020B0609020204030204" pitchFamily="49" charset="0"/>
-                <a:ea typeface="Calibri" panose="020F0502020204030204" pitchFamily="34" charset="0"/>
-                <a:cs typeface="Times New Roman" panose="02020603050405020304" pitchFamily="18" charset="0"/>
-              </a:rPr>
-              <a:t>Microsoft.Bicep</a:t>
-            </a:r>
-            <a:r>
-              <a:rPr lang="en-US" sz="3600" kern="100" dirty="0">
-                <a:effectLst/>
-                <a:latin typeface="Calibri" panose="020F0502020204030204" pitchFamily="34" charset="0"/>
-                <a:ea typeface="Calibri" panose="020F0502020204030204" pitchFamily="34" charset="0"/>
-                <a:cs typeface="Times New Roman" panose="02020603050405020304" pitchFamily="18" charset="0"/>
-              </a:rPr>
-              <a:t> </a:t>
-            </a:r>
-          </a:p>
-          <a:p>
-            <a:pPr marL="0" indent="0">
-              <a:buNone/>
-            </a:pPr>
-            <a:r>
-              <a:rPr lang="da-DK" sz="3600" kern="100" dirty="0" err="1">
-                <a:effectLst/>
-                <a:latin typeface="Calibri" panose="020F0502020204030204" pitchFamily="34" charset="0"/>
-                <a:ea typeface="Calibri" panose="020F0502020204030204" pitchFamily="34" charset="0"/>
-                <a:cs typeface="Times New Roman" panose="02020603050405020304" pitchFamily="18" charset="0"/>
-              </a:rPr>
-              <a:t>Install-Module</a:t>
-            </a:r>
-            <a:r>
-              <a:rPr lang="da-DK" sz="3600" kern="100" dirty="0">
-                <a:effectLst/>
-                <a:latin typeface="Calibri" panose="020F0502020204030204" pitchFamily="34" charset="0"/>
-                <a:ea typeface="Calibri" panose="020F0502020204030204" pitchFamily="34" charset="0"/>
-                <a:cs typeface="Times New Roman" panose="02020603050405020304" pitchFamily="18" charset="0"/>
-              </a:rPr>
-              <a:t> -</a:t>
-            </a:r>
-            <a:r>
-              <a:rPr lang="da-DK" sz="3600" kern="100" dirty="0" err="1">
-                <a:effectLst/>
-                <a:latin typeface="Calibri" panose="020F0502020204030204" pitchFamily="34" charset="0"/>
-                <a:ea typeface="Calibri" panose="020F0502020204030204" pitchFamily="34" charset="0"/>
-                <a:cs typeface="Times New Roman" panose="02020603050405020304" pitchFamily="18" charset="0"/>
-              </a:rPr>
-              <a:t>Name</a:t>
-            </a:r>
-            <a:r>
-              <a:rPr lang="da-DK" sz="3600" kern="100" dirty="0">
-                <a:effectLst/>
-                <a:latin typeface="Calibri" panose="020F0502020204030204" pitchFamily="34" charset="0"/>
-                <a:ea typeface="Calibri" panose="020F0502020204030204" pitchFamily="34" charset="0"/>
-                <a:cs typeface="Times New Roman" panose="02020603050405020304" pitchFamily="18" charset="0"/>
-              </a:rPr>
-              <a:t> </a:t>
-            </a:r>
-            <a:r>
-              <a:rPr lang="da-DK" sz="3600" kern="100" dirty="0" err="1">
-                <a:effectLst/>
-                <a:latin typeface="Calibri" panose="020F0502020204030204" pitchFamily="34" charset="0"/>
-                <a:ea typeface="Calibri" panose="020F0502020204030204" pitchFamily="34" charset="0"/>
-                <a:cs typeface="Times New Roman" panose="02020603050405020304" pitchFamily="18" charset="0"/>
-              </a:rPr>
-              <a:t>SqlServer</a:t>
-            </a:r>
-            <a:r>
-              <a:rPr lang="da-DK" sz="3600" kern="100" dirty="0">
-                <a:effectLst/>
-                <a:latin typeface="Calibri" panose="020F0502020204030204" pitchFamily="34" charset="0"/>
-                <a:ea typeface="Calibri" panose="020F0502020204030204" pitchFamily="34" charset="0"/>
-                <a:cs typeface="Times New Roman" panose="02020603050405020304" pitchFamily="18" charset="0"/>
-              </a:rPr>
-              <a:t> -Force</a:t>
-            </a:r>
-          </a:p>
-          <a:p>
-            <a:pPr marL="0" indent="0">
-              <a:buNone/>
-            </a:pPr>
-            <a:endParaRPr lang="da-DK" sz="3600" kern="100" dirty="0">
-              <a:effectLst/>
-              <a:latin typeface="Calibri" panose="020F0502020204030204" pitchFamily="34" charset="0"/>
-              <a:ea typeface="Calibri" panose="020F0502020204030204" pitchFamily="34" charset="0"/>
-              <a:cs typeface="Times New Roman" panose="02020603050405020304" pitchFamily="18" charset="0"/>
-            </a:endParaRPr>
-          </a:p>
-          <a:p>
-            <a:pPr marL="0" indent="0">
-              <a:buNone/>
-            </a:pPr>
-            <a:r>
-              <a:rPr lang="en-US" sz="3600" kern="100" dirty="0">
-                <a:effectLst/>
-                <a:latin typeface="Calibri" panose="020F0502020204030204" pitchFamily="34" charset="0"/>
-                <a:ea typeface="Calibri" panose="020F0502020204030204" pitchFamily="34" charset="0"/>
-                <a:cs typeface="Times New Roman" panose="02020603050405020304" pitchFamily="18" charset="0"/>
-              </a:rPr>
-              <a:t>Connect-</a:t>
-            </a:r>
-            <a:r>
-              <a:rPr lang="en-US" sz="3600" kern="100" dirty="0" err="1">
-                <a:effectLst/>
-                <a:latin typeface="Calibri" panose="020F0502020204030204" pitchFamily="34" charset="0"/>
-                <a:ea typeface="Calibri" panose="020F0502020204030204" pitchFamily="34" charset="0"/>
-                <a:cs typeface="Times New Roman" panose="02020603050405020304" pitchFamily="18" charset="0"/>
-              </a:rPr>
-              <a:t>AzAccount</a:t>
-            </a:r>
-            <a:endParaRPr lang="en-US" sz="3600" kern="100" dirty="0">
-              <a:effectLst/>
-              <a:latin typeface="Calibri" panose="020F0502020204030204" pitchFamily="34" charset="0"/>
-              <a:ea typeface="Calibri" panose="020F0502020204030204" pitchFamily="34" charset="0"/>
-              <a:cs typeface="Times New Roman" panose="02020603050405020304" pitchFamily="18" charset="0"/>
-            </a:endParaRPr>
-          </a:p>
-          <a:p>
-            <a:pPr marL="0" indent="0">
-              <a:buNone/>
-            </a:pPr>
-            <a:r>
-              <a:rPr lang="en-US" sz="3600" kern="100" dirty="0">
-                <a:effectLst/>
-                <a:latin typeface="Calibri" panose="020F0502020204030204" pitchFamily="34" charset="0"/>
-                <a:ea typeface="Calibri" panose="020F0502020204030204" pitchFamily="34" charset="0"/>
-                <a:cs typeface="Times New Roman" panose="02020603050405020304" pitchFamily="18" charset="0"/>
-              </a:rPr>
-              <a:t>Set-</a:t>
-            </a:r>
-            <a:r>
-              <a:rPr lang="en-US" sz="3600" kern="100" dirty="0" err="1">
-                <a:effectLst/>
-                <a:latin typeface="Calibri" panose="020F0502020204030204" pitchFamily="34" charset="0"/>
-                <a:ea typeface="Calibri" panose="020F0502020204030204" pitchFamily="34" charset="0"/>
-                <a:cs typeface="Times New Roman" panose="02020603050405020304" pitchFamily="18" charset="0"/>
-              </a:rPr>
-              <a:t>AzContext</a:t>
-            </a:r>
-            <a:r>
-              <a:rPr lang="en-US" sz="3600" kern="100" dirty="0">
-                <a:effectLst/>
-                <a:latin typeface="Calibri" panose="020F0502020204030204" pitchFamily="34" charset="0"/>
-                <a:ea typeface="Calibri" panose="020F0502020204030204" pitchFamily="34" charset="0"/>
-                <a:cs typeface="Times New Roman" panose="02020603050405020304" pitchFamily="18" charset="0"/>
-              </a:rPr>
-              <a:t> -Subscription ”xxx”</a:t>
-            </a:r>
-            <a:endParaRPr lang="da-DK" sz="3600" kern="100" dirty="0">
-              <a:effectLst/>
-              <a:latin typeface="Calibri" panose="020F0502020204030204" pitchFamily="34" charset="0"/>
-              <a:ea typeface="Calibri" panose="020F0502020204030204" pitchFamily="34" charset="0"/>
-              <a:cs typeface="Times New Roman" panose="02020603050405020304" pitchFamily="18" charset="0"/>
-            </a:endParaRPr>
-          </a:p>
-          <a:p>
-            <a:endParaRPr lang="da-DK" sz="3600" dirty="0"/>
-          </a:p>
-        </p:txBody>
-      </p:sp>
-    </p:spTree>
-    <p:extLst>
-      <p:ext uri="{BB962C8B-B14F-4D97-AF65-F5344CB8AC3E}">
-        <p14:creationId xmlns:p14="http://schemas.microsoft.com/office/powerpoint/2010/main" val="480076927"/>
-      </p:ext>
-    </p:extLst>
-  </p:cSld>
-  <p:clrMapOvr>
-    <a:masterClrMapping/>
-  </p:clrMapOvr>
-</p:sld>
-</file>
-
-<file path=ppt/slides/slide11.xml><?xml version="1.0" encoding="utf-8"?>
-<p:sld xmlns:a="http://schemas.openxmlformats.org/drawingml/2006/main" xmlns:r="http://schemas.openxmlformats.org/officeDocument/2006/relationships" xmlns:p="http://schemas.openxmlformats.org/presentationml/2006/main">
-  <p:cSld>
-    <p:spTree>
-      <p:nvGrpSpPr>
-        <p:cNvPr id="1" name=""/>
-        <p:cNvGrpSpPr/>
-        <p:nvPr/>
-      </p:nvGrpSpPr>
-      <p:grpSpPr>
-        <a:xfrm>
-          <a:off x="0" y="0"/>
-          <a:ext cx="0" cy="0"/>
-          <a:chOff x="0" y="0"/>
-          <a:chExt cx="0" cy="0"/>
-        </a:xfrm>
-      </p:grpSpPr>
-      <p:sp>
-        <p:nvSpPr>
-          <p:cNvPr id="2" name="Title 1">
-            <a:extLst>
-              <a:ext uri="{FF2B5EF4-FFF2-40B4-BE49-F238E27FC236}">
                 <a16:creationId xmlns:a16="http://schemas.microsoft.com/office/drawing/2014/main" id="{5343C03F-70BE-ED2A-57F3-4134741A8226}"/>
               </a:ext>
             </a:extLst>
@@ -4164,7 +3595,7 @@
 </p:sld>
 </file>
 
-<file path=ppt/slides/slide12.xml><?xml version="1.0" encoding="utf-8"?>
+<file path=ppt/slides/slide11.xml><?xml version="1.0" encoding="utf-8"?>
 <p:sld xmlns:a="http://schemas.openxmlformats.org/drawingml/2006/main" xmlns:r="http://schemas.openxmlformats.org/officeDocument/2006/relationships" xmlns:p="http://schemas.openxmlformats.org/presentationml/2006/main">
   <p:cSld>
     <p:spTree>
@@ -4548,7 +3979,7 @@
 </p:sld>
 </file>
 
-<file path=ppt/slides/slide13.xml><?xml version="1.0" encoding="utf-8"?>
+<file path=ppt/slides/slide12.xml><?xml version="1.0" encoding="utf-8"?>
 <p:sld xmlns:a="http://schemas.openxmlformats.org/drawingml/2006/main" xmlns:r="http://schemas.openxmlformats.org/officeDocument/2006/relationships" xmlns:p="http://schemas.openxmlformats.org/presentationml/2006/main">
   <p:cSld>
     <p:spTree>
@@ -4852,7 +4283,7 @@
           <p:cNvPr id="2" name="Title 1">
             <a:extLst>
               <a:ext uri="{FF2B5EF4-FFF2-40B4-BE49-F238E27FC236}">
-                <a16:creationId xmlns:a16="http://schemas.microsoft.com/office/drawing/2014/main" id="{20D04137-ED43-1F4B-A8A8-FBBDF2B6789C}"/>
+                <a16:creationId xmlns:a16="http://schemas.microsoft.com/office/drawing/2014/main" id="{EA6B1837-FDD6-81E5-71A0-48A2BA1C7D5A}"/>
               </a:ext>
             </a:extLst>
           </p:cNvPr>
@@ -4863,264 +4294,111 @@
             <p:ph type="title"/>
           </p:nvPr>
         </p:nvSpPr>
-        <p:spPr>
-          <a:xfrm>
-            <a:off x="588263" y="457200"/>
-            <a:ext cx="11018520" cy="553998"/>
-          </a:xfrm>
-        </p:spPr>
-        <p:txBody>
-          <a:bodyPr/>
-          <a:lstStyle/>
-          <a:p>
-            <a:r>
-              <a:rPr lang="en-US">
-                <a:latin typeface="Segoe UI"/>
-                <a:cs typeface="Segoe UI"/>
-              </a:rPr>
-              <a:t>Friendly Reminders Before Getting Started</a:t>
-            </a:r>
-            <a:endParaRPr lang="en-US">
-              <a:ea typeface="+mj-lt"/>
-              <a:cs typeface="+mj-lt"/>
-            </a:endParaRPr>
-          </a:p>
-        </p:txBody>
-      </p:sp>
-      <p:sp>
-        <p:nvSpPr>
-          <p:cNvPr id="3" name="TextBox 2">
-            <a:extLst>
-              <a:ext uri="{FF2B5EF4-FFF2-40B4-BE49-F238E27FC236}">
-                <a16:creationId xmlns:a16="http://schemas.microsoft.com/office/drawing/2014/main" id="{468B45B4-DC09-0A48-9F89-97F8FB70C14E}"/>
-              </a:ext>
-            </a:extLst>
-          </p:cNvPr>
-          <p:cNvSpPr txBox="1"/>
-          <p:nvPr/>
-        </p:nvSpPr>
-        <p:spPr>
-          <a:xfrm flipH="1">
-            <a:off x="583406" y="1436688"/>
-            <a:ext cx="11025188" cy="581025"/>
-          </a:xfrm>
-          <a:prstGeom prst="rect">
-            <a:avLst/>
-          </a:prstGeom>
-          <a:noFill/>
-        </p:spPr>
-        <p:txBody>
-          <a:bodyPr wrap="square" lIns="0" tIns="0" rIns="0" bIns="0" rtlCol="0" anchor="t">
-            <a:noAutofit/>
-          </a:bodyPr>
-          <a:lstStyle/>
-          <a:p>
-            <a:pPr marL="285750" indent="-285750">
-              <a:spcBef>
-                <a:spcPct val="20000"/>
-              </a:spcBef>
-              <a:buFont typeface="Arial"/>
-              <a:buChar char="•"/>
-            </a:pPr>
-            <a:endParaRPr lang="en-US" sz="1750" dirty="0"/>
-          </a:p>
-          <a:p>
-            <a:pPr marL="285750" indent="-285750">
-              <a:spcBef>
-                <a:spcPct val="20000"/>
-              </a:spcBef>
-              <a:buFont typeface="Arial"/>
-              <a:buChar char="•"/>
-            </a:pPr>
-            <a:endParaRPr lang="en-US" sz="1750" dirty="0">
-              <a:cs typeface="Segoe UI"/>
-            </a:endParaRPr>
-          </a:p>
-          <a:p>
-            <a:pPr marL="285750" indent="-285750">
-              <a:spcBef>
-                <a:spcPct val="20000"/>
-              </a:spcBef>
-              <a:buFont typeface="Arial"/>
-              <a:buChar char="•"/>
-            </a:pPr>
-            <a:endParaRPr lang="en-US" sz="1750" dirty="0">
-              <a:cs typeface="Segoe UI"/>
-            </a:endParaRPr>
-          </a:p>
-          <a:p>
-            <a:pPr marL="285750" indent="-285750">
-              <a:spcBef>
-                <a:spcPct val="20000"/>
-              </a:spcBef>
-              <a:buFont typeface="Arial"/>
-              <a:buChar char="•"/>
-            </a:pPr>
-            <a:endParaRPr lang="en-US" sz="1750" dirty="0">
-              <a:cs typeface="Segoe UI"/>
-            </a:endParaRPr>
-          </a:p>
-          <a:p>
-            <a:pPr marL="285750" indent="-285750">
-              <a:spcBef>
-                <a:spcPct val="20000"/>
-              </a:spcBef>
-              <a:buFont typeface="Arial"/>
-              <a:buChar char="•"/>
-            </a:pPr>
-            <a:endParaRPr lang="en-US" sz="1750" dirty="0"/>
-          </a:p>
-          <a:p>
-            <a:pPr marL="285750" indent="-285750">
-              <a:spcBef>
-                <a:spcPct val="20000"/>
-              </a:spcBef>
-              <a:buFont typeface="Arial"/>
-              <a:buChar char="•"/>
-            </a:pPr>
-            <a:endParaRPr lang="en-US" sz="1750" dirty="0"/>
-          </a:p>
-          <a:p>
-            <a:pPr marL="285750" indent="-285750">
-              <a:spcBef>
-                <a:spcPct val="20000"/>
-              </a:spcBef>
-              <a:buFont typeface="Arial"/>
-              <a:buChar char="•"/>
-            </a:pPr>
-            <a:r>
-              <a:rPr lang="en-US" sz="1750" dirty="0"/>
-              <a:t>This call and content is under Microsoft NDA; please </a:t>
-            </a:r>
-            <a:r>
-              <a:rPr lang="en-US" sz="1750" u="sng" dirty="0"/>
-              <a:t>do not share</a:t>
-            </a:r>
-            <a:r>
-              <a:rPr lang="en-US" sz="1750" dirty="0"/>
-              <a:t> information publicly.</a:t>
-            </a:r>
-            <a:endParaRPr lang="en-US" sz="1750" dirty="0">
-              <a:ea typeface="+mn-lt"/>
-              <a:cs typeface="+mn-lt"/>
-            </a:endParaRPr>
-          </a:p>
-          <a:p>
-            <a:pPr marL="285750" indent="-285750">
-              <a:spcBef>
-                <a:spcPct val="20000"/>
-              </a:spcBef>
-              <a:buFont typeface="Arial"/>
-              <a:buChar char="•"/>
-            </a:pPr>
-            <a:r>
-              <a:rPr lang="en-US" sz="1750" dirty="0"/>
-              <a:t>Please keep your mics muted for the best sound quality.</a:t>
-            </a:r>
-            <a:endParaRPr lang="en-US" sz="1750" dirty="0">
-              <a:ea typeface="+mn-lt"/>
-              <a:cs typeface="+mn-lt"/>
-            </a:endParaRPr>
-          </a:p>
-          <a:p>
-            <a:pPr marL="285750" indent="-285750">
-              <a:spcBef>
-                <a:spcPct val="20000"/>
-              </a:spcBef>
-              <a:buFont typeface="Arial"/>
-              <a:buChar char="•"/>
-            </a:pPr>
-            <a:r>
-              <a:rPr lang="en-US" sz="1750" dirty="0"/>
-              <a:t>Feel free to unmute and ask questions or use the chat window.</a:t>
-            </a:r>
-            <a:endParaRPr lang="en-US" sz="1750" dirty="0">
-              <a:ea typeface="+mn-lt"/>
-              <a:cs typeface="+mn-lt"/>
-            </a:endParaRPr>
-          </a:p>
-          <a:p>
-            <a:pPr marL="285750" indent="-285750">
-              <a:spcBef>
-                <a:spcPct val="20000"/>
-              </a:spcBef>
-              <a:buFont typeface="Arial"/>
-              <a:buChar char="•"/>
-            </a:pPr>
-            <a:r>
-              <a:rPr lang="en-US" sz="1750" dirty="0"/>
-              <a:t>Thank you all for joining! Please share your feedback on this session</a:t>
-            </a:r>
-            <a:r>
-              <a:rPr lang="en-US" sz="1800" dirty="0">
-                <a:effectLst/>
-                <a:latin typeface="Calibri" panose="020F0502020204030204" pitchFamily="34" charset="0"/>
-              </a:rPr>
-              <a:t>: </a:t>
-            </a:r>
-            <a:r>
-              <a:rPr lang="en-US" sz="1800" dirty="0">
-                <a:effectLst/>
-                <a:latin typeface="Calibri" panose="020F0502020204030204" pitchFamily="34" charset="0"/>
-                <a:hlinkClick r:id="rId2"/>
-              </a:rPr>
-              <a:t>https://aka.ms/acpwebcastfeedback</a:t>
-            </a:r>
-            <a:endParaRPr lang="en-US" sz="1800" dirty="0">
-              <a:effectLst/>
-              <a:latin typeface="Calibri" panose="020F0502020204030204" pitchFamily="34" charset="0"/>
-            </a:endParaRPr>
-          </a:p>
-          <a:p>
-            <a:endParaRPr lang="en-US" sz="1750" dirty="0">
-              <a:cs typeface="Segoe UI"/>
-            </a:endParaRPr>
-          </a:p>
-        </p:txBody>
-      </p:sp>
-      <p:pic>
-        <p:nvPicPr>
-          <p:cNvPr id="5" name="Picture 4" descr="Icon&#10;&#10;Description automatically generated">
-            <a:extLst>
-              <a:ext uri="{FF2B5EF4-FFF2-40B4-BE49-F238E27FC236}">
-                <a16:creationId xmlns:a16="http://schemas.microsoft.com/office/drawing/2014/main" id="{C0496C47-87CA-3372-9E81-3686BD590E42}"/>
-              </a:ext>
-            </a:extLst>
-          </p:cNvPr>
-          <p:cNvPicPr>
-            <a:picLocks noChangeAspect="1"/>
-          </p:cNvPicPr>
-          <p:nvPr/>
-        </p:nvPicPr>
-        <p:blipFill>
-          <a:blip r:embed="rId3"/>
-          <a:stretch>
-            <a:fillRect/>
-          </a:stretch>
-        </p:blipFill>
-        <p:spPr>
-          <a:xfrm>
-            <a:off x="2602688" y="1623501"/>
-            <a:ext cx="6064265" cy="1237606"/>
-          </a:xfrm>
-          <a:prstGeom prst="rect">
-            <a:avLst/>
-          </a:prstGeom>
-        </p:spPr>
-      </p:pic>
+        <p:spPr/>
+        <p:txBody>
+          <a:bodyPr/>
+          <a:lstStyle/>
+          <a:p>
+            <a:r>
+              <a:rPr lang="da-DK" dirty="0" err="1"/>
+              <a:t>Topics</a:t>
+            </a:r>
+            <a:endParaRPr lang="da-DK" dirty="0"/>
+          </a:p>
+        </p:txBody>
+      </p:sp>
+      <p:sp>
+        <p:nvSpPr>
+          <p:cNvPr id="3" name="Content Placeholder 2">
+            <a:extLst>
+              <a:ext uri="{FF2B5EF4-FFF2-40B4-BE49-F238E27FC236}">
+                <a16:creationId xmlns:a16="http://schemas.microsoft.com/office/drawing/2014/main" id="{513BA811-85A3-1B6C-A726-81DCF7D9450C}"/>
+              </a:ext>
+            </a:extLst>
+          </p:cNvPr>
+          <p:cNvSpPr>
+            <a:spLocks noGrp="1"/>
+          </p:cNvSpPr>
+          <p:nvPr>
+            <p:ph idx="1"/>
+          </p:nvPr>
+        </p:nvSpPr>
+        <p:spPr/>
+        <p:txBody>
+          <a:bodyPr/>
+          <a:lstStyle/>
+          <a:p>
+            <a:r>
+              <a:rPr lang="da-DK" dirty="0" err="1"/>
+              <a:t>Managed</a:t>
+            </a:r>
+            <a:r>
+              <a:rPr lang="da-DK" dirty="0"/>
+              <a:t> Identity overview</a:t>
+            </a:r>
+          </a:p>
+          <a:p>
+            <a:r>
+              <a:rPr lang="da-DK" dirty="0"/>
+              <a:t>Sample </a:t>
+            </a:r>
+            <a:r>
+              <a:rPr lang="da-DK" dirty="0" err="1"/>
+              <a:t>deployment</a:t>
+            </a:r>
+            <a:r>
+              <a:rPr lang="da-DK" dirty="0"/>
+              <a:t> – </a:t>
+            </a:r>
+            <a:r>
+              <a:rPr lang="da-DK" dirty="0" err="1"/>
+              <a:t>you</a:t>
+            </a:r>
+            <a:r>
+              <a:rPr lang="da-DK" dirty="0"/>
+              <a:t> </a:t>
+            </a:r>
+            <a:r>
+              <a:rPr lang="da-DK" dirty="0" err="1"/>
+              <a:t>can</a:t>
+            </a:r>
+            <a:r>
+              <a:rPr lang="da-DK" dirty="0"/>
+              <a:t> do it </a:t>
+            </a:r>
+            <a:r>
+              <a:rPr lang="da-DK" dirty="0" err="1"/>
+              <a:t>too</a:t>
+            </a:r>
+            <a:r>
+              <a:rPr lang="da-DK" dirty="0"/>
+              <a:t>!</a:t>
+            </a:r>
+          </a:p>
+          <a:p>
+            <a:r>
+              <a:rPr lang="da-DK" dirty="0"/>
+              <a:t>Look under the hood</a:t>
+            </a:r>
+          </a:p>
+          <a:p>
+            <a:endParaRPr lang="da-DK" dirty="0"/>
+          </a:p>
+          <a:p>
+            <a:endParaRPr lang="da-DK" dirty="0"/>
+          </a:p>
+        </p:txBody>
+      </p:sp>
     </p:spTree>
     <p:extLst>
       <p:ext uri="{BB962C8B-B14F-4D97-AF65-F5344CB8AC3E}">
-        <p14:creationId xmlns:p14="http://schemas.microsoft.com/office/powerpoint/2010/main" val="3377815631"/>
+        <p14:creationId xmlns:p14="http://schemas.microsoft.com/office/powerpoint/2010/main" val="3044412914"/>
       </p:ext>
     </p:extLst>
   </p:cSld>
   <p:clrMapOvr>
     <a:masterClrMapping/>
   </p:clrMapOvr>
-  <p:transition>
-    <p:fade/>
-  </p:transition>
 </p:sld>
 </file>
 
@@ -5146,147 +4424,6 @@
           <p:cNvPr id="2" name="Title 1">
             <a:extLst>
               <a:ext uri="{FF2B5EF4-FFF2-40B4-BE49-F238E27FC236}">
-                <a16:creationId xmlns:a16="http://schemas.microsoft.com/office/drawing/2014/main" id="{EA6B1837-FDD6-81E5-71A0-48A2BA1C7D5A}"/>
-              </a:ext>
-            </a:extLst>
-          </p:cNvPr>
-          <p:cNvSpPr>
-            <a:spLocks noGrp="1"/>
-          </p:cNvSpPr>
-          <p:nvPr>
-            <p:ph type="title"/>
-          </p:nvPr>
-        </p:nvSpPr>
-        <p:spPr/>
-        <p:txBody>
-          <a:bodyPr/>
-          <a:lstStyle/>
-          <a:p>
-            <a:r>
-              <a:rPr lang="da-DK" dirty="0" err="1"/>
-              <a:t>Topics</a:t>
-            </a:r>
-            <a:endParaRPr lang="da-DK" dirty="0"/>
-          </a:p>
-        </p:txBody>
-      </p:sp>
-      <p:sp>
-        <p:nvSpPr>
-          <p:cNvPr id="3" name="Content Placeholder 2">
-            <a:extLst>
-              <a:ext uri="{FF2B5EF4-FFF2-40B4-BE49-F238E27FC236}">
-                <a16:creationId xmlns:a16="http://schemas.microsoft.com/office/drawing/2014/main" id="{513BA811-85A3-1B6C-A726-81DCF7D9450C}"/>
-              </a:ext>
-            </a:extLst>
-          </p:cNvPr>
-          <p:cNvSpPr>
-            <a:spLocks noGrp="1"/>
-          </p:cNvSpPr>
-          <p:nvPr>
-            <p:ph idx="1"/>
-          </p:nvPr>
-        </p:nvSpPr>
-        <p:spPr/>
-        <p:txBody>
-          <a:bodyPr/>
-          <a:lstStyle/>
-          <a:p>
-            <a:r>
-              <a:rPr lang="da-DK" dirty="0" err="1"/>
-              <a:t>Managed</a:t>
-            </a:r>
-            <a:r>
-              <a:rPr lang="da-DK" dirty="0"/>
-              <a:t> Identity overview</a:t>
-            </a:r>
-          </a:p>
-          <a:p>
-            <a:r>
-              <a:rPr lang="da-DK" dirty="0"/>
-              <a:t>Sample </a:t>
-            </a:r>
-            <a:r>
-              <a:rPr lang="da-DK" dirty="0" err="1"/>
-              <a:t>deployment</a:t>
-            </a:r>
-            <a:r>
-              <a:rPr lang="da-DK" dirty="0"/>
-              <a:t> – </a:t>
-            </a:r>
-            <a:r>
-              <a:rPr lang="da-DK" dirty="0" err="1"/>
-              <a:t>you</a:t>
-            </a:r>
-            <a:r>
-              <a:rPr lang="da-DK" dirty="0"/>
-              <a:t> </a:t>
-            </a:r>
-            <a:r>
-              <a:rPr lang="da-DK" dirty="0" err="1"/>
-              <a:t>can</a:t>
-            </a:r>
-            <a:r>
-              <a:rPr lang="da-DK" dirty="0"/>
-              <a:t> do it </a:t>
-            </a:r>
-            <a:r>
-              <a:rPr lang="da-DK" dirty="0" err="1"/>
-              <a:t>too</a:t>
-            </a:r>
-            <a:r>
-              <a:rPr lang="da-DK" dirty="0"/>
-              <a:t>!</a:t>
-            </a:r>
-          </a:p>
-          <a:p>
-            <a:r>
-              <a:rPr lang="da-DK" dirty="0"/>
-              <a:t>Look under the hood</a:t>
-            </a:r>
-          </a:p>
-          <a:p>
-            <a:endParaRPr lang="da-DK" dirty="0"/>
-          </a:p>
-          <a:p>
-            <a:endParaRPr lang="da-DK" dirty="0"/>
-          </a:p>
-        </p:txBody>
-      </p:sp>
-    </p:spTree>
-    <p:extLst>
-      <p:ext uri="{BB962C8B-B14F-4D97-AF65-F5344CB8AC3E}">
-        <p14:creationId xmlns:p14="http://schemas.microsoft.com/office/powerpoint/2010/main" val="3044412914"/>
-      </p:ext>
-    </p:extLst>
-  </p:cSld>
-  <p:clrMapOvr>
-    <a:masterClrMapping/>
-  </p:clrMapOvr>
-</p:sld>
-</file>
-
-<file path=ppt/slides/slide4.xml><?xml version="1.0" encoding="utf-8"?>
-<p:sld xmlns:a="http://schemas.openxmlformats.org/drawingml/2006/main" xmlns:r="http://schemas.openxmlformats.org/officeDocument/2006/relationships" xmlns:p="http://schemas.openxmlformats.org/presentationml/2006/main">
-  <p:cSld>
-    <p:spTree>
-      <p:nvGrpSpPr>
-        <p:cNvPr id="1" name=""/>
-        <p:cNvGrpSpPr/>
-        <p:nvPr/>
-      </p:nvGrpSpPr>
-      <p:grpSpPr>
-        <a:xfrm>
-          <a:off x="0" y="0"/>
-          <a:ext cx="0" cy="0"/>
-          <a:chOff x="0" y="0"/>
-          <a:chExt cx="0" cy="0"/>
-        </a:xfrm>
-      </p:grpSpPr>
-      <p:sp>
-        <p:nvSpPr>
-          <p:cNvPr id="2" name="Title 1">
-            <a:extLst>
-              <a:ext uri="{FF2B5EF4-FFF2-40B4-BE49-F238E27FC236}">
                 <a16:creationId xmlns:a16="http://schemas.microsoft.com/office/drawing/2014/main" id="{EFC8247B-B4DA-1EBD-7F84-A21F082A52B4}"/>
               </a:ext>
             </a:extLst>
@@ -5398,7 +4535,7 @@
 </p:sld>
 </file>
 
-<file path=ppt/slides/slide5.xml><?xml version="1.0" encoding="utf-8"?>
+<file path=ppt/slides/slide4.xml><?xml version="1.0" encoding="utf-8"?>
 <p:sld xmlns:a="http://schemas.openxmlformats.org/drawingml/2006/main" xmlns:r="http://schemas.openxmlformats.org/officeDocument/2006/relationships" xmlns:p="http://schemas.openxmlformats.org/presentationml/2006/main">
   <p:cSld>
     <p:bg>
@@ -5484,7 +4621,7 @@
 </p:sld>
 </file>
 
-<file path=ppt/slides/slide6.xml><?xml version="1.0" encoding="utf-8"?>
+<file path=ppt/slides/slide5.xml><?xml version="1.0" encoding="utf-8"?>
 <p:sld xmlns:a="http://schemas.openxmlformats.org/drawingml/2006/main" xmlns:r="http://schemas.openxmlformats.org/officeDocument/2006/relationships" xmlns:p="http://schemas.openxmlformats.org/presentationml/2006/main">
   <p:cSld>
     <p:spTree>
@@ -5726,7 +4863,7 @@
 </p:sld>
 </file>
 
-<file path=ppt/slides/slide7.xml><?xml version="1.0" encoding="utf-8"?>
+<file path=ppt/slides/slide6.xml><?xml version="1.0" encoding="utf-8"?>
 <p:sld xmlns:a="http://schemas.openxmlformats.org/drawingml/2006/main" xmlns:r="http://schemas.openxmlformats.org/officeDocument/2006/relationships" xmlns:p="http://schemas.openxmlformats.org/presentationml/2006/main">
   <p:cSld>
     <p:bg>
@@ -5839,6 +4976,141 @@
 </p:sld>
 </file>
 
+<file path=ppt/slides/slide7.xml><?xml version="1.0" encoding="utf-8"?>
+<p:sld xmlns:a="http://schemas.openxmlformats.org/drawingml/2006/main" xmlns:r="http://schemas.openxmlformats.org/officeDocument/2006/relationships" xmlns:p="http://schemas.openxmlformats.org/presentationml/2006/main">
+  <p:cSld>
+    <p:spTree>
+      <p:nvGrpSpPr>
+        <p:cNvPr id="1" name=""/>
+        <p:cNvGrpSpPr/>
+        <p:nvPr/>
+      </p:nvGrpSpPr>
+      <p:grpSpPr>
+        <a:xfrm>
+          <a:off x="0" y="0"/>
+          <a:ext cx="0" cy="0"/>
+          <a:chOff x="0" y="0"/>
+          <a:chExt cx="0" cy="0"/>
+        </a:xfrm>
+      </p:grpSpPr>
+      <p:sp>
+        <p:nvSpPr>
+          <p:cNvPr id="2" name="Title 1">
+            <a:extLst>
+              <a:ext uri="{FF2B5EF4-FFF2-40B4-BE49-F238E27FC236}">
+                <a16:creationId xmlns:a16="http://schemas.microsoft.com/office/drawing/2014/main" id="{01327C8D-D8DB-6708-B3BD-93A8F47EA5FB}"/>
+              </a:ext>
+            </a:extLst>
+          </p:cNvPr>
+          <p:cNvSpPr>
+            <a:spLocks noGrp="1"/>
+          </p:cNvSpPr>
+          <p:nvPr>
+            <p:ph type="title"/>
+          </p:nvPr>
+        </p:nvSpPr>
+        <p:spPr/>
+        <p:txBody>
+          <a:bodyPr/>
+          <a:lstStyle/>
+          <a:p>
+            <a:r>
+              <a:rPr lang="da-DK" dirty="0"/>
+              <a:t>Deployment parts</a:t>
+            </a:r>
+          </a:p>
+        </p:txBody>
+      </p:sp>
+      <p:sp>
+        <p:nvSpPr>
+          <p:cNvPr id="3" name="Content Placeholder 2">
+            <a:extLst>
+              <a:ext uri="{FF2B5EF4-FFF2-40B4-BE49-F238E27FC236}">
+                <a16:creationId xmlns:a16="http://schemas.microsoft.com/office/drawing/2014/main" id="{000342E8-A2A2-FBD5-FA76-C17FB3DD7561}"/>
+              </a:ext>
+            </a:extLst>
+          </p:cNvPr>
+          <p:cNvSpPr>
+            <a:spLocks noGrp="1"/>
+          </p:cNvSpPr>
+          <p:nvPr>
+            <p:ph idx="1"/>
+          </p:nvPr>
+        </p:nvSpPr>
+        <p:spPr/>
+        <p:txBody>
+          <a:bodyPr/>
+          <a:lstStyle/>
+          <a:p>
+            <a:r>
+              <a:rPr lang="da-DK" sz="4400" dirty="0" err="1"/>
+              <a:t>Goal</a:t>
+            </a:r>
+            <a:r>
+              <a:rPr lang="da-DK" sz="4400" dirty="0"/>
+              <a:t>: </a:t>
+            </a:r>
+          </a:p>
+          <a:p>
+            <a:pPr lvl="1"/>
+            <a:r>
+              <a:rPr lang="da-DK" sz="4400" dirty="0" err="1"/>
+              <a:t>create</a:t>
+            </a:r>
+            <a:r>
+              <a:rPr lang="da-DK" sz="4400" dirty="0"/>
+              <a:t> a web app</a:t>
+            </a:r>
+          </a:p>
+          <a:p>
+            <a:pPr lvl="1"/>
+            <a:r>
+              <a:rPr lang="da-DK" sz="4400" dirty="0"/>
+              <a:t>with </a:t>
+            </a:r>
+            <a:r>
+              <a:rPr lang="da-DK" sz="4400" dirty="0" err="1"/>
+              <a:t>passwordless</a:t>
+            </a:r>
+            <a:r>
+              <a:rPr lang="da-DK" sz="4400" dirty="0"/>
+              <a:t> minimal </a:t>
+            </a:r>
+            <a:r>
+              <a:rPr lang="da-DK" sz="4400" dirty="0" err="1"/>
+              <a:t>access</a:t>
+            </a:r>
+            <a:r>
+              <a:rPr lang="da-DK" sz="4400" dirty="0"/>
+              <a:t> to a </a:t>
+            </a:r>
+            <a:r>
+              <a:rPr lang="da-DK" sz="4400" dirty="0" err="1"/>
+              <a:t>Azure</a:t>
+            </a:r>
+            <a:r>
+              <a:rPr lang="da-DK" sz="4400" dirty="0"/>
+              <a:t> SQL DB</a:t>
+            </a:r>
+          </a:p>
+          <a:p>
+            <a:endParaRPr lang="da-DK" dirty="0"/>
+          </a:p>
+        </p:txBody>
+      </p:sp>
+    </p:spTree>
+    <p:extLst>
+      <p:ext uri="{BB962C8B-B14F-4D97-AF65-F5344CB8AC3E}">
+        <p14:creationId xmlns:p14="http://schemas.microsoft.com/office/powerpoint/2010/main" val="2509243018"/>
+      </p:ext>
+    </p:extLst>
+  </p:cSld>
+  <p:clrMapOvr>
+    <a:masterClrMapping/>
+  </p:clrMapOvr>
+</p:sld>
+</file>
+
 <file path=ppt/slides/slide8.xml><?xml version="1.0" encoding="utf-8"?>
 <p:sld xmlns:a="http://schemas.openxmlformats.org/drawingml/2006/main" xmlns:r="http://schemas.openxmlformats.org/officeDocument/2006/relationships" xmlns:p="http://schemas.openxmlformats.org/presentationml/2006/main">
   <p:cSld>
@@ -5906,54 +5178,97 @@
           <a:lstStyle/>
           <a:p>
             <a:r>
-              <a:rPr lang="da-DK" sz="4400" dirty="0" err="1"/>
-              <a:t>Goal</a:t>
-            </a:r>
-            <a:r>
-              <a:rPr lang="da-DK" sz="4400" dirty="0"/>
-              <a:t>: </a:t>
+              <a:rPr lang="da-DK" sz="4000" dirty="0"/>
+              <a:t>Design </a:t>
+            </a:r>
+            <a:r>
+              <a:rPr lang="da-DK" sz="4000" dirty="0" err="1"/>
+              <a:t>goals</a:t>
+            </a:r>
+            <a:r>
+              <a:rPr lang="da-DK" sz="4000" dirty="0"/>
+              <a:t>: Minimal </a:t>
+            </a:r>
+            <a:r>
+              <a:rPr lang="da-DK" sz="4000" dirty="0" err="1"/>
+              <a:t>amount</a:t>
+            </a:r>
+            <a:r>
+              <a:rPr lang="da-DK" sz="4000" dirty="0"/>
+              <a:t> of ”</a:t>
+            </a:r>
+            <a:r>
+              <a:rPr lang="da-DK" sz="4000" dirty="0" err="1"/>
+              <a:t>code</a:t>
+            </a:r>
+            <a:r>
+              <a:rPr lang="da-DK" sz="4000" dirty="0"/>
+              <a:t>”</a:t>
             </a:r>
           </a:p>
           <a:p>
             <a:pPr lvl="1"/>
             <a:r>
-              <a:rPr lang="da-DK" sz="4400" dirty="0" err="1"/>
-              <a:t>create</a:t>
-            </a:r>
-            <a:r>
-              <a:rPr lang="da-DK" sz="4400" dirty="0"/>
-              <a:t> a web app</a:t>
+              <a:rPr lang="da-DK" sz="4000" dirty="0" err="1"/>
+              <a:t>Infrastructure</a:t>
+            </a:r>
+            <a:r>
+              <a:rPr lang="da-DK" sz="4000" dirty="0"/>
+              <a:t> - .</a:t>
+            </a:r>
+            <a:r>
+              <a:rPr lang="da-DK" sz="4000" dirty="0" err="1"/>
+              <a:t>bicep</a:t>
+            </a:r>
+            <a:r>
+              <a:rPr lang="da-DK" sz="4000" dirty="0"/>
+              <a:t> (ARM)</a:t>
             </a:r>
           </a:p>
           <a:p>
             <a:pPr lvl="1"/>
             <a:r>
-              <a:rPr lang="da-DK" sz="4400" dirty="0"/>
-              <a:t>with </a:t>
-            </a:r>
-            <a:r>
-              <a:rPr lang="da-DK" sz="4400" dirty="0" err="1"/>
-              <a:t>passwordless</a:t>
-            </a:r>
-            <a:r>
-              <a:rPr lang="da-DK" sz="4400" dirty="0"/>
-              <a:t> minimal </a:t>
-            </a:r>
-            <a:r>
-              <a:rPr lang="da-DK" sz="4400" dirty="0" err="1"/>
-              <a:t>access</a:t>
-            </a:r>
-            <a:r>
-              <a:rPr lang="da-DK" sz="4400" dirty="0"/>
-              <a:t> to a </a:t>
-            </a:r>
-            <a:r>
-              <a:rPr lang="da-DK" sz="4400" dirty="0" err="1"/>
-              <a:t>Azure</a:t>
-            </a:r>
-            <a:r>
-              <a:rPr lang="da-DK" sz="4400" dirty="0"/>
-              <a:t> SQL DB</a:t>
+              <a:rPr lang="da-DK" sz="4000" dirty="0"/>
+              <a:t>App - .NET 8 minimal Web API </a:t>
+            </a:r>
+            <a:r>
+              <a:rPr lang="da-DK" sz="4000" dirty="0" err="1"/>
+              <a:t>published</a:t>
+            </a:r>
+            <a:r>
+              <a:rPr lang="da-DK" sz="4000" dirty="0"/>
+              <a:t> to Web App</a:t>
+            </a:r>
+          </a:p>
+          <a:p>
+            <a:pPr lvl="1"/>
+            <a:r>
+              <a:rPr lang="da-DK" sz="4000" dirty="0"/>
+              <a:t>Configuration (PS Core) (</a:t>
+            </a:r>
+            <a:r>
+              <a:rPr lang="da-DK" sz="4000" dirty="0" err="1"/>
+              <a:t>solving</a:t>
+            </a:r>
+            <a:r>
+              <a:rPr lang="da-DK" sz="4000" dirty="0"/>
+              <a:t> issue with </a:t>
+            </a:r>
+            <a:r>
+              <a:rPr lang="da-DK" sz="4000" dirty="0" err="1"/>
+              <a:t>limited</a:t>
+            </a:r>
+            <a:r>
+              <a:rPr lang="da-DK" sz="4000" dirty="0"/>
+              <a:t> Entra ID </a:t>
+            </a:r>
+            <a:r>
+              <a:rPr lang="da-DK" sz="4000" dirty="0" err="1"/>
+              <a:t>rights</a:t>
+            </a:r>
+            <a:r>
+              <a:rPr lang="da-DK" sz="4000" dirty="0"/>
+              <a:t>)</a:t>
             </a:r>
           </a:p>
           <a:p>
@@ -5964,7 +5279,7 @@
     </p:spTree>
     <p:extLst>
       <p:ext uri="{BB962C8B-B14F-4D97-AF65-F5344CB8AC3E}">
-        <p14:creationId xmlns:p14="http://schemas.microsoft.com/office/powerpoint/2010/main" val="2509243018"/>
+        <p14:creationId xmlns:p14="http://schemas.microsoft.com/office/powerpoint/2010/main" val="56921681"/>
       </p:ext>
     </p:extLst>
   </p:cSld>
@@ -5996,7 +5311,7 @@
           <p:cNvPr id="2" name="Title 1">
             <a:extLst>
               <a:ext uri="{FF2B5EF4-FFF2-40B4-BE49-F238E27FC236}">
-                <a16:creationId xmlns:a16="http://schemas.microsoft.com/office/drawing/2014/main" id="{01327C8D-D8DB-6708-B3BD-93A8F47EA5FB}"/>
+                <a16:creationId xmlns:a16="http://schemas.microsoft.com/office/drawing/2014/main" id="{ADBCAF20-CC7C-8306-4456-AE8013C00B18}"/>
               </a:ext>
             </a:extLst>
           </p:cNvPr>
@@ -6013,9 +5328,10 @@
           <a:lstStyle/>
           <a:p>
             <a:r>
-              <a:rPr lang="da-DK" dirty="0"/>
-              <a:t>Deployment parts</a:t>
-            </a:r>
+              <a:rPr lang="da-DK" dirty="0" err="1"/>
+              <a:t>Preparations</a:t>
+            </a:r>
+            <a:endParaRPr lang="da-DK" dirty="0"/>
           </a:p>
         </p:txBody>
       </p:sp>
@@ -6024,7 +5340,7 @@
           <p:cNvPr id="3" name="Content Placeholder 2">
             <a:extLst>
               <a:ext uri="{FF2B5EF4-FFF2-40B4-BE49-F238E27FC236}">
-                <a16:creationId xmlns:a16="http://schemas.microsoft.com/office/drawing/2014/main" id="{000342E8-A2A2-FBD5-FA76-C17FB3DD7561}"/>
+                <a16:creationId xmlns:a16="http://schemas.microsoft.com/office/drawing/2014/main" id="{20F260CC-5C1F-2005-D3FC-BD04D82B794B}"/>
               </a:ext>
             </a:extLst>
           </p:cNvPr>
@@ -6035,114 +5351,252 @@
             <p:ph idx="1"/>
           </p:nvPr>
         </p:nvSpPr>
-        <p:spPr/>
-        <p:txBody>
-          <a:bodyPr/>
-          <a:lstStyle/>
-          <a:p>
-            <a:r>
-              <a:rPr lang="da-DK" sz="4000" dirty="0"/>
-              <a:t>Design </a:t>
-            </a:r>
-            <a:r>
-              <a:rPr lang="da-DK" sz="4000" dirty="0" err="1"/>
-              <a:t>goals</a:t>
-            </a:r>
-            <a:r>
-              <a:rPr lang="da-DK" sz="4000" dirty="0"/>
-              <a:t>: Minimal </a:t>
-            </a:r>
-            <a:r>
-              <a:rPr lang="da-DK" sz="4000" dirty="0" err="1"/>
-              <a:t>amount</a:t>
-            </a:r>
-            <a:r>
-              <a:rPr lang="da-DK" sz="4000" dirty="0"/>
-              <a:t> of ”</a:t>
-            </a:r>
-            <a:r>
-              <a:rPr lang="da-DK" sz="4000" dirty="0" err="1"/>
-              <a:t>code</a:t>
-            </a:r>
-            <a:r>
-              <a:rPr lang="da-DK" sz="4000" dirty="0"/>
-              <a:t>”</a:t>
-            </a:r>
-          </a:p>
-          <a:p>
-            <a:pPr lvl="1"/>
-            <a:r>
-              <a:rPr lang="da-DK" sz="4000" dirty="0" err="1"/>
-              <a:t>Infrastructure</a:t>
-            </a:r>
-            <a:r>
-              <a:rPr lang="da-DK" sz="4000" dirty="0"/>
-              <a:t> - .</a:t>
-            </a:r>
-            <a:r>
-              <a:rPr lang="da-DK" sz="4000" dirty="0" err="1"/>
-              <a:t>bicep</a:t>
-            </a:r>
-            <a:r>
-              <a:rPr lang="da-DK" sz="4000" dirty="0"/>
-              <a:t> (ARM)</a:t>
-            </a:r>
-          </a:p>
-          <a:p>
-            <a:pPr lvl="1"/>
-            <a:r>
-              <a:rPr lang="da-DK" sz="4000" dirty="0"/>
-              <a:t>App - .NET 8 minimal Web API </a:t>
-            </a:r>
-            <a:r>
-              <a:rPr lang="da-DK" sz="4000" dirty="0" err="1"/>
-              <a:t>published</a:t>
-            </a:r>
-            <a:r>
-              <a:rPr lang="da-DK" sz="4000" dirty="0"/>
-              <a:t> to Web App</a:t>
-            </a:r>
-          </a:p>
-          <a:p>
-            <a:pPr lvl="1"/>
-            <a:r>
-              <a:rPr lang="da-DK" sz="4000" dirty="0"/>
-              <a:t>Configuration (PS Core) (</a:t>
-            </a:r>
-            <a:r>
-              <a:rPr lang="da-DK" sz="4000" dirty="0" err="1"/>
-              <a:t>solving</a:t>
-            </a:r>
-            <a:r>
-              <a:rPr lang="da-DK" sz="4000" dirty="0"/>
-              <a:t> issue with </a:t>
-            </a:r>
-            <a:r>
-              <a:rPr lang="da-DK" sz="4000" dirty="0" err="1"/>
-              <a:t>limited</a:t>
-            </a:r>
-            <a:r>
-              <a:rPr lang="da-DK" sz="4000" dirty="0"/>
-              <a:t> Entra ID </a:t>
-            </a:r>
-            <a:r>
-              <a:rPr lang="da-DK" sz="4000" dirty="0" err="1"/>
-              <a:t>rights</a:t>
-            </a:r>
-            <a:r>
-              <a:rPr lang="da-DK" sz="4000" dirty="0"/>
-              <a:t>)</a:t>
-            </a:r>
-          </a:p>
-          <a:p>
-            <a:endParaRPr lang="da-DK" dirty="0"/>
+        <p:spPr>
+          <a:xfrm>
+            <a:off x="461394" y="1825625"/>
+            <a:ext cx="10892406" cy="4351338"/>
+          </a:xfrm>
+        </p:spPr>
+        <p:txBody>
+          <a:bodyPr>
+            <a:normAutofit/>
+          </a:bodyPr>
+          <a:lstStyle/>
+          <a:p>
+            <a:pPr marL="0" indent="0">
+              <a:buNone/>
+            </a:pPr>
+            <a:r>
+              <a:rPr lang="en-US" sz="3600" kern="100" dirty="0" err="1">
+                <a:solidFill>
+                  <a:srgbClr val="161616"/>
+                </a:solidFill>
+                <a:effectLst/>
+                <a:highlight>
+                  <a:srgbClr val="F2F2F2"/>
+                </a:highlight>
+                <a:latin typeface="Consolas" panose="020B0609020204030204" pitchFamily="49" charset="0"/>
+                <a:ea typeface="Calibri" panose="020F0502020204030204" pitchFamily="34" charset="0"/>
+                <a:cs typeface="Times New Roman" panose="02020603050405020304" pitchFamily="18" charset="0"/>
+              </a:rPr>
+              <a:t>winget</a:t>
+            </a:r>
+            <a:r>
+              <a:rPr lang="en-US" sz="3600" kern="100" dirty="0">
+                <a:solidFill>
+                  <a:srgbClr val="161616"/>
+                </a:solidFill>
+                <a:effectLst/>
+                <a:highlight>
+                  <a:srgbClr val="F2F2F2"/>
+                </a:highlight>
+                <a:latin typeface="Consolas" panose="020B0609020204030204" pitchFamily="49" charset="0"/>
+                <a:ea typeface="Calibri" panose="020F0502020204030204" pitchFamily="34" charset="0"/>
+                <a:cs typeface="Times New Roman" panose="02020603050405020304" pitchFamily="18" charset="0"/>
+              </a:rPr>
+              <a:t> install</a:t>
+            </a:r>
+            <a:r>
+              <a:rPr lang="en-US" sz="3600" kern="100" dirty="0">
+                <a:solidFill>
+                  <a:srgbClr val="006881"/>
+                </a:solidFill>
+                <a:effectLst/>
+                <a:highlight>
+                  <a:srgbClr val="F2F2F2"/>
+                </a:highlight>
+                <a:latin typeface="Consolas" panose="020B0609020204030204" pitchFamily="49" charset="0"/>
+                <a:ea typeface="Calibri" panose="020F0502020204030204" pitchFamily="34" charset="0"/>
+                <a:cs typeface="Times New Roman" panose="02020603050405020304" pitchFamily="18" charset="0"/>
+              </a:rPr>
+              <a:t> -e --id</a:t>
+            </a:r>
+            <a:r>
+              <a:rPr lang="en-US" sz="3600" kern="100" dirty="0">
+                <a:solidFill>
+                  <a:srgbClr val="161616"/>
+                </a:solidFill>
+                <a:effectLst/>
+                <a:highlight>
+                  <a:srgbClr val="F2F2F2"/>
+                </a:highlight>
+                <a:latin typeface="Consolas" panose="020B0609020204030204" pitchFamily="49" charset="0"/>
+                <a:ea typeface="Calibri" panose="020F0502020204030204" pitchFamily="34" charset="0"/>
+                <a:cs typeface="Times New Roman" panose="02020603050405020304" pitchFamily="18" charset="0"/>
+              </a:rPr>
+              <a:t> </a:t>
+            </a:r>
+            <a:r>
+              <a:rPr lang="en-US" sz="3600" kern="100" dirty="0" err="1">
+                <a:solidFill>
+                  <a:srgbClr val="161616"/>
+                </a:solidFill>
+                <a:effectLst/>
+                <a:highlight>
+                  <a:srgbClr val="F2F2F2"/>
+                </a:highlight>
+                <a:latin typeface="Consolas" panose="020B0609020204030204" pitchFamily="49" charset="0"/>
+                <a:ea typeface="Calibri" panose="020F0502020204030204" pitchFamily="34" charset="0"/>
+                <a:cs typeface="Times New Roman" panose="02020603050405020304" pitchFamily="18" charset="0"/>
+              </a:rPr>
+              <a:t>Microsoft.Bicep</a:t>
+            </a:r>
+            <a:r>
+              <a:rPr lang="en-US" sz="3600" kern="100" dirty="0">
+                <a:effectLst/>
+                <a:latin typeface="Calibri" panose="020F0502020204030204" pitchFamily="34" charset="0"/>
+                <a:ea typeface="Calibri" panose="020F0502020204030204" pitchFamily="34" charset="0"/>
+                <a:cs typeface="Times New Roman" panose="02020603050405020304" pitchFamily="18" charset="0"/>
+              </a:rPr>
+              <a:t> </a:t>
+            </a:r>
+          </a:p>
+          <a:p>
+            <a:pPr marL="0" indent="0">
+              <a:buNone/>
+            </a:pPr>
+            <a:r>
+              <a:rPr lang="da-DK" sz="3600" kern="100" dirty="0" err="1">
+                <a:effectLst/>
+                <a:latin typeface="Calibri" panose="020F0502020204030204" pitchFamily="34" charset="0"/>
+                <a:ea typeface="Calibri" panose="020F0502020204030204" pitchFamily="34" charset="0"/>
+                <a:cs typeface="Times New Roman" panose="02020603050405020304" pitchFamily="18" charset="0"/>
+              </a:rPr>
+              <a:t>Install-Module</a:t>
+            </a:r>
+            <a:r>
+              <a:rPr lang="da-DK" sz="3600" kern="100" dirty="0">
+                <a:effectLst/>
+                <a:latin typeface="Calibri" panose="020F0502020204030204" pitchFamily="34" charset="0"/>
+                <a:ea typeface="Calibri" panose="020F0502020204030204" pitchFamily="34" charset="0"/>
+                <a:cs typeface="Times New Roman" panose="02020603050405020304" pitchFamily="18" charset="0"/>
+              </a:rPr>
+              <a:t> -</a:t>
+            </a:r>
+            <a:r>
+              <a:rPr lang="da-DK" sz="3600" kern="100" dirty="0" err="1">
+                <a:effectLst/>
+                <a:latin typeface="Calibri" panose="020F0502020204030204" pitchFamily="34" charset="0"/>
+                <a:ea typeface="Calibri" panose="020F0502020204030204" pitchFamily="34" charset="0"/>
+                <a:cs typeface="Times New Roman" panose="02020603050405020304" pitchFamily="18" charset="0"/>
+              </a:rPr>
+              <a:t>Name</a:t>
+            </a:r>
+            <a:r>
+              <a:rPr lang="da-DK" sz="3600" kern="100" dirty="0">
+                <a:effectLst/>
+                <a:latin typeface="Calibri" panose="020F0502020204030204" pitchFamily="34" charset="0"/>
+                <a:ea typeface="Calibri" panose="020F0502020204030204" pitchFamily="34" charset="0"/>
+                <a:cs typeface="Times New Roman" panose="02020603050405020304" pitchFamily="18" charset="0"/>
+              </a:rPr>
+              <a:t> </a:t>
+            </a:r>
+            <a:r>
+              <a:rPr lang="da-DK" sz="3600" kern="100" dirty="0" err="1">
+                <a:effectLst/>
+                <a:latin typeface="Calibri" panose="020F0502020204030204" pitchFamily="34" charset="0"/>
+                <a:ea typeface="Calibri" panose="020F0502020204030204" pitchFamily="34" charset="0"/>
+                <a:cs typeface="Times New Roman" panose="02020603050405020304" pitchFamily="18" charset="0"/>
+              </a:rPr>
+              <a:t>SqlServer</a:t>
+            </a:r>
+            <a:r>
+              <a:rPr lang="da-DK" sz="3600" kern="100" dirty="0">
+                <a:effectLst/>
+                <a:latin typeface="Calibri" panose="020F0502020204030204" pitchFamily="34" charset="0"/>
+                <a:ea typeface="Calibri" panose="020F0502020204030204" pitchFamily="34" charset="0"/>
+                <a:cs typeface="Times New Roman" panose="02020603050405020304" pitchFamily="18" charset="0"/>
+              </a:rPr>
+              <a:t> -Force</a:t>
+            </a:r>
+          </a:p>
+          <a:p>
+            <a:pPr marL="0" indent="0">
+              <a:buNone/>
+            </a:pPr>
+            <a:endParaRPr lang="da-DK" sz="3600" kern="100" dirty="0">
+              <a:effectLst/>
+              <a:latin typeface="Calibri" panose="020F0502020204030204" pitchFamily="34" charset="0"/>
+              <a:ea typeface="Calibri" panose="020F0502020204030204" pitchFamily="34" charset="0"/>
+              <a:cs typeface="Times New Roman" panose="02020603050405020304" pitchFamily="18" charset="0"/>
+            </a:endParaRPr>
+          </a:p>
+          <a:p>
+            <a:pPr marL="0" indent="0">
+              <a:buNone/>
+            </a:pPr>
+            <a:r>
+              <a:rPr lang="en-US" sz="3600" kern="100" dirty="0">
+                <a:effectLst/>
+                <a:latin typeface="Calibri" panose="020F0502020204030204" pitchFamily="34" charset="0"/>
+                <a:ea typeface="Calibri" panose="020F0502020204030204" pitchFamily="34" charset="0"/>
+                <a:cs typeface="Times New Roman" panose="02020603050405020304" pitchFamily="18" charset="0"/>
+              </a:rPr>
+              <a:t>Connect-</a:t>
+            </a:r>
+            <a:r>
+              <a:rPr lang="en-US" sz="3600" kern="100" dirty="0" err="1">
+                <a:effectLst/>
+                <a:latin typeface="Calibri" panose="020F0502020204030204" pitchFamily="34" charset="0"/>
+                <a:ea typeface="Calibri" panose="020F0502020204030204" pitchFamily="34" charset="0"/>
+                <a:cs typeface="Times New Roman" panose="02020603050405020304" pitchFamily="18" charset="0"/>
+              </a:rPr>
+              <a:t>AzAccount</a:t>
+            </a:r>
+            <a:endParaRPr lang="en-US" sz="3600" kern="100" dirty="0">
+              <a:effectLst/>
+              <a:latin typeface="Calibri" panose="020F0502020204030204" pitchFamily="34" charset="0"/>
+              <a:ea typeface="Calibri" panose="020F0502020204030204" pitchFamily="34" charset="0"/>
+              <a:cs typeface="Times New Roman" panose="02020603050405020304" pitchFamily="18" charset="0"/>
+            </a:endParaRPr>
+          </a:p>
+          <a:p>
+            <a:pPr marL="0" indent="0">
+              <a:buNone/>
+            </a:pPr>
+            <a:r>
+              <a:rPr lang="en-US" sz="3600" kern="100" dirty="0">
+                <a:effectLst/>
+                <a:latin typeface="Calibri" panose="020F0502020204030204" pitchFamily="34" charset="0"/>
+                <a:ea typeface="Calibri" panose="020F0502020204030204" pitchFamily="34" charset="0"/>
+                <a:cs typeface="Times New Roman" panose="02020603050405020304" pitchFamily="18" charset="0"/>
+              </a:rPr>
+              <a:t>Set-</a:t>
+            </a:r>
+            <a:r>
+              <a:rPr lang="en-US" sz="3600" kern="100" dirty="0" err="1">
+                <a:effectLst/>
+                <a:latin typeface="Calibri" panose="020F0502020204030204" pitchFamily="34" charset="0"/>
+                <a:ea typeface="Calibri" panose="020F0502020204030204" pitchFamily="34" charset="0"/>
+                <a:cs typeface="Times New Roman" panose="02020603050405020304" pitchFamily="18" charset="0"/>
+              </a:rPr>
+              <a:t>AzContext</a:t>
+            </a:r>
+            <a:r>
+              <a:rPr lang="en-US" sz="3600" kern="100" dirty="0">
+                <a:effectLst/>
+                <a:latin typeface="Calibri" panose="020F0502020204030204" pitchFamily="34" charset="0"/>
+                <a:ea typeface="Calibri" panose="020F0502020204030204" pitchFamily="34" charset="0"/>
+                <a:cs typeface="Times New Roman" panose="02020603050405020304" pitchFamily="18" charset="0"/>
+              </a:rPr>
+              <a:t> -Subscription ”xxx”</a:t>
+            </a:r>
+            <a:endParaRPr lang="da-DK" sz="3600" kern="100" dirty="0">
+              <a:effectLst/>
+              <a:latin typeface="Calibri" panose="020F0502020204030204" pitchFamily="34" charset="0"/>
+              <a:ea typeface="Calibri" panose="020F0502020204030204" pitchFamily="34" charset="0"/>
+              <a:cs typeface="Times New Roman" panose="02020603050405020304" pitchFamily="18" charset="0"/>
+            </a:endParaRPr>
+          </a:p>
+          <a:p>
+            <a:endParaRPr lang="da-DK" sz="3600" dirty="0"/>
           </a:p>
         </p:txBody>
       </p:sp>
     </p:spTree>
     <p:extLst>
       <p:ext uri="{BB962C8B-B14F-4D97-AF65-F5344CB8AC3E}">
-        <p14:creationId xmlns:p14="http://schemas.microsoft.com/office/powerpoint/2010/main" val="56921681"/>
+        <p14:creationId xmlns:p14="http://schemas.microsoft.com/office/powerpoint/2010/main" val="480076927"/>
       </p:ext>
     </p:extLst>
   </p:cSld>
